--- a/Magpie/Documents/FTC_Demo/FTC_idea.pptx
+++ b/Magpie/Documents/FTC_Demo/FTC_idea.pptx
@@ -5,41 +5,43 @@
     <p:sldMasterId id="2147483675" r:id="rId4"/>
   </p:sldMasterIdLst>
   <p:notesMasterIdLst>
-    <p:notesMasterId r:id="rId8"/>
+    <p:notesMasterId r:id="rId10"/>
   </p:notesMasterIdLst>
   <p:handoutMasterIdLst>
-    <p:handoutMasterId r:id="rId9"/>
+    <p:handoutMasterId r:id="rId11"/>
   </p:handoutMasterIdLst>
   <p:sldIdLst>
     <p:sldId id="2147479846" r:id="rId5"/>
     <p:sldId id="2147479834" r:id="rId6"/>
     <p:sldId id="2147479860" r:id="rId7"/>
+    <p:sldId id="2147479861" r:id="rId8"/>
+    <p:sldId id="2147479862" r:id="rId9"/>
   </p:sldIdLst>
   <p:sldSz cx="12192000" cy="6858000"/>
   <p:notesSz cx="7010400" cy="9296400"/>
   <p:embeddedFontLst>
     <p:embeddedFont>
       <p:font typeface="Barlow" panose="00000500000000000000" pitchFamily="2" charset="0"/>
-      <p:regular r:id="rId10"/>
-      <p:bold r:id="rId11"/>
-      <p:italic r:id="rId12"/>
-      <p:boldItalic r:id="rId13"/>
+      <p:regular r:id="rId12"/>
+      <p:bold r:id="rId13"/>
+      <p:italic r:id="rId14"/>
+      <p:boldItalic r:id="rId15"/>
     </p:embeddedFont>
     <p:embeddedFont>
       <p:font typeface="Barlow Medium" panose="00000600000000000000" pitchFamily="2" charset="0"/>
-      <p:regular r:id="rId14"/>
-      <p:italic r:id="rId15"/>
+      <p:regular r:id="rId16"/>
+      <p:italic r:id="rId17"/>
     </p:embeddedFont>
     <p:embeddedFont>
       <p:font typeface="Barlow SemiBold" panose="00000700000000000000" pitchFamily="2" charset="0"/>
-      <p:regular r:id="rId16"/>
-      <p:bold r:id="rId17"/>
-      <p:italic r:id="rId18"/>
-      <p:boldItalic r:id="rId19"/>
+      <p:regular r:id="rId18"/>
+      <p:bold r:id="rId19"/>
+      <p:italic r:id="rId20"/>
+      <p:boldItalic r:id="rId21"/>
     </p:embeddedFont>
     <p:embeddedFont>
       <p:font typeface="Wingdings 3" panose="05040102010807070707" pitchFamily="18" charset="2"/>
-      <p:regular r:id="rId20"/>
+      <p:regular r:id="rId22"/>
     </p:embeddedFont>
   </p:embeddedFontLst>
   <p:defaultTextStyle>
@@ -145,6 +147,8 @@
             <p14:sldId id="2147479846"/>
             <p14:sldId id="2147479834"/>
             <p14:sldId id="2147479860"/>
+            <p14:sldId id="2147479861"/>
+            <p14:sldId id="2147479862"/>
           </p14:sldIdLst>
         </p14:section>
       </p14:sectionLst>
@@ -452,7 +456,7 @@
           <a:p>
             <a:fld id="{E37C9AD1-494E-6A4E-8F5F-425D5063F09E}" type="datetimeFigureOut">
               <a:rPr lang="en-US" smtClean="0"/>
-              <a:t>9/17/2024</a:t>
+              <a:t>9/20/2024</a:t>
             </a:fld>
             <a:endParaRPr lang="en-US"/>
           </a:p>
@@ -827,7 +831,7 @@
                 <a:cs typeface="Arial" panose="020B0604020202020204" pitchFamily="34" charset="0"/>
               </a:rPr>
               <a:pPr/>
-              <a:t>9/17/2024</a:t>
+              <a:t>9/20/2024</a:t>
             </a:fld>
             <a:endParaRPr lang="en-US" sz="1000">
               <a:solidFill>
@@ -1104,6 +1108,96 @@
     <p:extLst>
       <p:ext uri="{BB962C8B-B14F-4D97-AF65-F5344CB8AC3E}">
         <p14:creationId xmlns:p14="http://schemas.microsoft.com/office/powerpoint/2010/main" val="4285694870"/>
+      </p:ext>
+    </p:extLst>
+  </p:cSld>
+  <p:clrMapOvr>
+    <a:masterClrMapping/>
+  </p:clrMapOvr>
+</p:notes>
+</file>
+
+<file path=ppt/notesSlides/notesSlide2.xml><?xml version="1.0" encoding="utf-8"?>
+<p:notes xmlns:a="http://schemas.openxmlformats.org/drawingml/2006/main" xmlns:r="http://schemas.openxmlformats.org/officeDocument/2006/relationships" xmlns:p="http://schemas.openxmlformats.org/presentationml/2006/main">
+  <p:cSld>
+    <p:spTree>
+      <p:nvGrpSpPr>
+        <p:cNvPr id="1" name=""/>
+        <p:cNvGrpSpPr/>
+        <p:nvPr/>
+      </p:nvGrpSpPr>
+      <p:grpSpPr>
+        <a:xfrm>
+          <a:off x="0" y="0"/>
+          <a:ext cx="0" cy="0"/>
+          <a:chOff x="0" y="0"/>
+          <a:chExt cx="0" cy="0"/>
+        </a:xfrm>
+      </p:grpSpPr>
+      <p:sp>
+        <p:nvSpPr>
+          <p:cNvPr id="2" name="Slide Image Placeholder 1"/>
+          <p:cNvSpPr>
+            <a:spLocks noGrp="1" noRot="1" noChangeAspect="1"/>
+          </p:cNvSpPr>
+          <p:nvPr>
+            <p:ph type="sldImg"/>
+          </p:nvPr>
+        </p:nvSpPr>
+        <p:spPr>
+          <a:xfrm>
+            <a:off x="406400" y="814388"/>
+            <a:ext cx="6197600" cy="3486150"/>
+          </a:xfrm>
+        </p:spPr>
+      </p:sp>
+      <p:sp>
+        <p:nvSpPr>
+          <p:cNvPr id="3" name="Notes Placeholder 2"/>
+          <p:cNvSpPr>
+            <a:spLocks noGrp="1"/>
+          </p:cNvSpPr>
+          <p:nvPr>
+            <p:ph type="body" idx="1"/>
+          </p:nvPr>
+        </p:nvSpPr>
+        <p:spPr/>
+        <p:txBody>
+          <a:bodyPr/>
+          <a:lstStyle/>
+          <a:p>
+            <a:endParaRPr lang="en-US" dirty="0"/>
+          </a:p>
+        </p:txBody>
+      </p:sp>
+      <p:sp>
+        <p:nvSpPr>
+          <p:cNvPr id="4" name="Slide Number Placeholder 3"/>
+          <p:cNvSpPr>
+            <a:spLocks noGrp="1"/>
+          </p:cNvSpPr>
+          <p:nvPr>
+            <p:ph type="sldNum" sz="quarter" idx="5"/>
+          </p:nvPr>
+        </p:nvSpPr>
+        <p:spPr/>
+        <p:txBody>
+          <a:bodyPr/>
+          <a:lstStyle/>
+          <a:p>
+            <a:fld id="{900B8651-D313-4300-801F-836567026953}" type="slidenum">
+              <a:rPr lang="en-US" smtClean="0"/>
+              <a:pPr/>
+              <a:t>4</a:t>
+            </a:fld>
+            <a:endParaRPr lang="en-US"/>
+          </a:p>
+        </p:txBody>
+      </p:sp>
+    </p:spTree>
+    <p:extLst>
+      <p:ext uri="{BB962C8B-B14F-4D97-AF65-F5344CB8AC3E}">
+        <p14:creationId xmlns:p14="http://schemas.microsoft.com/office/powerpoint/2010/main" val="3613306140"/>
       </p:ext>
     </p:extLst>
   </p:cSld>
@@ -9001,7 +9095,7 @@
               <a:rPr lang="en-US" dirty="0">
                 <a:latin typeface="Barlow Medium"/>
               </a:rPr>
-              <a:t>Block Diagram</a:t>
+              <a:t>Block Diagram- Idea1</a:t>
             </a:r>
             <a:endParaRPr lang="en-US" dirty="0"/>
           </a:p>
@@ -14983,16 +15077,10 @@
           <a:lstStyle/>
           <a:p>
             <a:r>
-              <a:rPr lang="en-US">
-                <a:latin typeface="Barlow Medium"/>
-              </a:rPr>
-              <a:t>Demo </a:t>
-            </a:r>
-            <a:r>
               <a:rPr lang="en-US" dirty="0">
                 <a:latin typeface="Barlow Medium"/>
               </a:rPr>
-              <a:t>Flow</a:t>
+              <a:t>Demo Flow Idea 1</a:t>
             </a:r>
             <a:endParaRPr lang="en-US" dirty="0"/>
           </a:p>
@@ -16978,6 +17066,7955 @@
                                         </p:attrNameLst>
                                       </p:cBhvr>
                                       <p:rCtr x="-26" y="5278"/>
+                                    </p:animMotion>
+                                  </p:childTnLst>
+                                </p:cTn>
+                              </p:par>
+                            </p:childTnLst>
+                          </p:cTn>
+                        </p:par>
+                      </p:childTnLst>
+                    </p:cTn>
+                  </p:par>
+                </p:childTnLst>
+              </p:cTn>
+              <p:prevCondLst>
+                <p:cond evt="onPrev" delay="0">
+                  <p:tgtEl>
+                    <p:sldTgt/>
+                  </p:tgtEl>
+                </p:cond>
+              </p:prevCondLst>
+              <p:nextCondLst>
+                <p:cond evt="onNext" delay="0">
+                  <p:tgtEl>
+                    <p:sldTgt/>
+                  </p:tgtEl>
+                </p:cond>
+              </p:nextCondLst>
+            </p:seq>
+          </p:childTnLst>
+        </p:cTn>
+      </p:par>
+    </p:tnLst>
+    <p:bldLst>
+      <p:bldP spid="135" grpId="0" animBg="1"/>
+    </p:bldLst>
+  </p:timing>
+</p:sld>
+</file>
+
+<file path=ppt/slides/slide4.xml><?xml version="1.0" encoding="utf-8"?>
+<p:sld xmlns:a="http://schemas.openxmlformats.org/drawingml/2006/main" xmlns:r="http://schemas.openxmlformats.org/officeDocument/2006/relationships" xmlns:p="http://schemas.openxmlformats.org/presentationml/2006/main">
+  <p:cSld>
+    <p:spTree>
+      <p:nvGrpSpPr>
+        <p:cNvPr id="1" name=""/>
+        <p:cNvGrpSpPr/>
+        <p:nvPr/>
+      </p:nvGrpSpPr>
+      <p:grpSpPr>
+        <a:xfrm>
+          <a:off x="0" y="0"/>
+          <a:ext cx="0" cy="0"/>
+          <a:chOff x="0" y="0"/>
+          <a:chExt cx="0" cy="0"/>
+        </a:xfrm>
+      </p:grpSpPr>
+      <p:sp>
+        <p:nvSpPr>
+          <p:cNvPr id="262" name="Rectangle 261">
+            <a:extLst>
+              <a:ext uri="{FF2B5EF4-FFF2-40B4-BE49-F238E27FC236}">
+                <a16:creationId xmlns:a16="http://schemas.microsoft.com/office/drawing/2014/main" id="{2913F019-6472-EDF0-49C8-F773F6587592}"/>
+              </a:ext>
+            </a:extLst>
+          </p:cNvPr>
+          <p:cNvSpPr/>
+          <p:nvPr/>
+        </p:nvSpPr>
+        <p:spPr>
+          <a:xfrm>
+            <a:off x="4474097" y="5347376"/>
+            <a:ext cx="854679" cy="609785"/>
+          </a:xfrm>
+          <a:prstGeom prst="rect">
+            <a:avLst/>
+          </a:prstGeom>
+          <a:solidFill>
+            <a:schemeClr val="accent3">
+              <a:lumMod val="75000"/>
+            </a:schemeClr>
+          </a:solidFill>
+          <a:ln w="19050">
+            <a:noFill/>
+            <a:miter lim="800000"/>
+          </a:ln>
+          <a:effectLst/>
+        </p:spPr>
+        <p:style>
+          <a:lnRef idx="1">
+            <a:schemeClr val="accent1"/>
+          </a:lnRef>
+          <a:fillRef idx="3">
+            <a:schemeClr val="accent1"/>
+          </a:fillRef>
+          <a:effectRef idx="2">
+            <a:schemeClr val="accent1"/>
+          </a:effectRef>
+          <a:fontRef idx="minor">
+            <a:schemeClr val="lt1"/>
+          </a:fontRef>
+        </p:style>
+        <p:txBody>
+          <a:bodyPr rtlCol="0" anchor="ctr"/>
+          <a:lstStyle/>
+          <a:p>
+            <a:pPr algn="l" defTabSz="457200">
+              <a:spcBef>
+                <a:spcPts val="600"/>
+              </a:spcBef>
+              <a:spcAft>
+                <a:spcPts val="800"/>
+              </a:spcAft>
+              <a:buClr>
+                <a:schemeClr val="accent1"/>
+              </a:buClr>
+              <a:buSzPct val="70000"/>
+            </a:pPr>
+            <a:r>
+              <a:rPr lang="en-US">
+                <a:solidFill>
+                  <a:srgbClr val="000000"/>
+                </a:solidFill>
+                <a:latin typeface="Barlow" pitchFamily="2" charset="77"/>
+                <a:cs typeface="Arial" panose="020B0604020202020204" pitchFamily="34" charset="0"/>
+              </a:rPr>
+              <a:t> </a:t>
+            </a:r>
+          </a:p>
+        </p:txBody>
+      </p:sp>
+      <p:sp>
+        <p:nvSpPr>
+          <p:cNvPr id="257" name="Rectangle 256">
+            <a:extLst>
+              <a:ext uri="{FF2B5EF4-FFF2-40B4-BE49-F238E27FC236}">
+                <a16:creationId xmlns:a16="http://schemas.microsoft.com/office/drawing/2014/main" id="{0B7B4BA1-2FB0-9F2A-98DE-9B9CC1122273}"/>
+              </a:ext>
+            </a:extLst>
+          </p:cNvPr>
+          <p:cNvSpPr/>
+          <p:nvPr/>
+        </p:nvSpPr>
+        <p:spPr>
+          <a:xfrm>
+            <a:off x="5756865" y="5334676"/>
+            <a:ext cx="814758" cy="676960"/>
+          </a:xfrm>
+          <a:prstGeom prst="rect">
+            <a:avLst/>
+          </a:prstGeom>
+          <a:solidFill>
+            <a:srgbClr val="00B050"/>
+          </a:solidFill>
+          <a:ln w="19050">
+            <a:noFill/>
+            <a:miter lim="800000"/>
+          </a:ln>
+          <a:effectLst/>
+        </p:spPr>
+        <p:style>
+          <a:lnRef idx="1">
+            <a:schemeClr val="accent1"/>
+          </a:lnRef>
+          <a:fillRef idx="3">
+            <a:schemeClr val="accent1"/>
+          </a:fillRef>
+          <a:effectRef idx="2">
+            <a:schemeClr val="accent1"/>
+          </a:effectRef>
+          <a:fontRef idx="minor">
+            <a:schemeClr val="lt1"/>
+          </a:fontRef>
+        </p:style>
+        <p:txBody>
+          <a:bodyPr rtlCol="0" anchor="ctr"/>
+          <a:lstStyle/>
+          <a:p>
+            <a:pPr algn="l" defTabSz="457200">
+              <a:spcBef>
+                <a:spcPts val="600"/>
+              </a:spcBef>
+              <a:spcAft>
+                <a:spcPts val="800"/>
+              </a:spcAft>
+              <a:buClr>
+                <a:schemeClr val="accent1"/>
+              </a:buClr>
+              <a:buSzPct val="70000"/>
+            </a:pPr>
+            <a:r>
+              <a:rPr lang="en-US">
+                <a:solidFill>
+                  <a:srgbClr val="000000"/>
+                </a:solidFill>
+                <a:latin typeface="Barlow" pitchFamily="2" charset="77"/>
+                <a:cs typeface="Arial" panose="020B0604020202020204" pitchFamily="34" charset="0"/>
+              </a:rPr>
+              <a:t> </a:t>
+            </a:r>
+          </a:p>
+        </p:txBody>
+      </p:sp>
+      <p:sp>
+        <p:nvSpPr>
+          <p:cNvPr id="9" name="Title 8">
+            <a:extLst>
+              <a:ext uri="{FF2B5EF4-FFF2-40B4-BE49-F238E27FC236}">
+                <a16:creationId xmlns:a16="http://schemas.microsoft.com/office/drawing/2014/main" id="{C85D5309-2040-3BCB-048F-0EB60D01BEB0}"/>
+              </a:ext>
+            </a:extLst>
+          </p:cNvPr>
+          <p:cNvSpPr>
+            <a:spLocks noGrp="1"/>
+          </p:cNvSpPr>
+          <p:nvPr>
+            <p:ph type="title"/>
+          </p:nvPr>
+        </p:nvSpPr>
+        <p:spPr>
+          <a:xfrm>
+            <a:off x="11639" y="562047"/>
+            <a:ext cx="11358000" cy="436107"/>
+          </a:xfrm>
+        </p:spPr>
+        <p:txBody>
+          <a:bodyPr/>
+          <a:lstStyle/>
+          <a:p>
+            <a:r>
+              <a:rPr lang="en-US" dirty="0">
+                <a:latin typeface="Barlow Medium"/>
+              </a:rPr>
+              <a:t>Block Diagram- Idea1</a:t>
+            </a:r>
+            <a:endParaRPr lang="en-US" dirty="0"/>
+          </a:p>
+        </p:txBody>
+      </p:sp>
+      <p:sp>
+        <p:nvSpPr>
+          <p:cNvPr id="4" name="Footer Placeholder 3">
+            <a:extLst>
+              <a:ext uri="{FF2B5EF4-FFF2-40B4-BE49-F238E27FC236}">
+                <a16:creationId xmlns:a16="http://schemas.microsoft.com/office/drawing/2014/main" id="{37E50E25-E06C-C1A6-1E03-2C8860EA5DFB}"/>
+              </a:ext>
+            </a:extLst>
+          </p:cNvPr>
+          <p:cNvSpPr>
+            <a:spLocks noGrp="1"/>
+          </p:cNvSpPr>
+          <p:nvPr>
+            <p:ph type="ftr" sz="quarter" idx="3"/>
+          </p:nvPr>
+        </p:nvSpPr>
+        <p:spPr>
+          <a:xfrm>
+            <a:off x="417600" y="6582557"/>
+            <a:ext cx="1624423" cy="144000"/>
+          </a:xfrm>
+        </p:spPr>
+        <p:txBody>
+          <a:bodyPr/>
+          <a:lstStyle/>
+          <a:p>
+            <a:r>
+              <a:rPr lang="en-IE"/>
+              <a:t>©2024 Analog Devices, Inc. All Rights Reserved. </a:t>
+            </a:r>
+          </a:p>
+        </p:txBody>
+      </p:sp>
+      <p:sp>
+        <p:nvSpPr>
+          <p:cNvPr id="3" name="Rectangle 2">
+            <a:extLst>
+              <a:ext uri="{FF2B5EF4-FFF2-40B4-BE49-F238E27FC236}">
+                <a16:creationId xmlns:a16="http://schemas.microsoft.com/office/drawing/2014/main" id="{06CA7B4B-657D-9B1A-6EE6-8BE74FD811D7}"/>
+              </a:ext>
+            </a:extLst>
+          </p:cNvPr>
+          <p:cNvSpPr/>
+          <p:nvPr/>
+        </p:nvSpPr>
+        <p:spPr>
+          <a:xfrm>
+            <a:off x="2635268" y="3517333"/>
+            <a:ext cx="581377" cy="380906"/>
+          </a:xfrm>
+          <a:prstGeom prst="rect">
+            <a:avLst/>
+          </a:prstGeom>
+          <a:solidFill>
+            <a:schemeClr val="accent3">
+              <a:lumMod val="75000"/>
+            </a:schemeClr>
+          </a:solidFill>
+          <a:ln w="19050">
+            <a:noFill/>
+            <a:miter lim="800000"/>
+          </a:ln>
+          <a:effectLst/>
+        </p:spPr>
+        <p:style>
+          <a:lnRef idx="1">
+            <a:schemeClr val="accent1"/>
+          </a:lnRef>
+          <a:fillRef idx="3">
+            <a:schemeClr val="accent1"/>
+          </a:fillRef>
+          <a:effectRef idx="2">
+            <a:schemeClr val="accent1"/>
+          </a:effectRef>
+          <a:fontRef idx="minor">
+            <a:schemeClr val="lt1"/>
+          </a:fontRef>
+        </p:style>
+        <p:txBody>
+          <a:bodyPr rtlCol="0" anchor="ctr"/>
+          <a:lstStyle/>
+          <a:p>
+            <a:pPr algn="ctr" defTabSz="457200">
+              <a:spcBef>
+                <a:spcPts val="600"/>
+              </a:spcBef>
+              <a:spcAft>
+                <a:spcPts val="800"/>
+              </a:spcAft>
+              <a:buClr>
+                <a:schemeClr val="accent1"/>
+              </a:buClr>
+              <a:buSzPct val="70000"/>
+            </a:pPr>
+            <a:endParaRPr lang="en-US">
+              <a:solidFill>
+                <a:srgbClr val="000000"/>
+              </a:solidFill>
+              <a:latin typeface="Barlow" pitchFamily="2" charset="77"/>
+              <a:cs typeface="Arial" panose="020B0604020202020204" pitchFamily="34" charset="0"/>
+            </a:endParaRPr>
+          </a:p>
+        </p:txBody>
+      </p:sp>
+      <p:sp>
+        <p:nvSpPr>
+          <p:cNvPr id="5" name="Rectangle 4">
+            <a:extLst>
+              <a:ext uri="{FF2B5EF4-FFF2-40B4-BE49-F238E27FC236}">
+                <a16:creationId xmlns:a16="http://schemas.microsoft.com/office/drawing/2014/main" id="{E72750B7-2E9B-37DE-8DA2-2F67D165EAC0}"/>
+              </a:ext>
+            </a:extLst>
+          </p:cNvPr>
+          <p:cNvSpPr/>
+          <p:nvPr/>
+        </p:nvSpPr>
+        <p:spPr>
+          <a:xfrm>
+            <a:off x="4576586" y="3092155"/>
+            <a:ext cx="1774175" cy="1745669"/>
+          </a:xfrm>
+          <a:prstGeom prst="rect">
+            <a:avLst/>
+          </a:prstGeom>
+          <a:solidFill>
+            <a:srgbClr val="0067B9"/>
+          </a:solidFill>
+          <a:ln w="19050">
+            <a:noFill/>
+            <a:miter lim="800000"/>
+          </a:ln>
+          <a:effectLst/>
+        </p:spPr>
+        <p:style>
+          <a:lnRef idx="1">
+            <a:schemeClr val="accent1"/>
+          </a:lnRef>
+          <a:fillRef idx="3">
+            <a:schemeClr val="accent1"/>
+          </a:fillRef>
+          <a:effectRef idx="2">
+            <a:schemeClr val="accent1"/>
+          </a:effectRef>
+          <a:fontRef idx="minor">
+            <a:schemeClr val="lt1"/>
+          </a:fontRef>
+        </p:style>
+        <p:txBody>
+          <a:bodyPr rtlCol="0" anchor="ctr"/>
+          <a:lstStyle/>
+          <a:p>
+            <a:pPr algn="ctr" defTabSz="457200">
+              <a:spcBef>
+                <a:spcPts val="600"/>
+              </a:spcBef>
+              <a:spcAft>
+                <a:spcPts val="800"/>
+              </a:spcAft>
+              <a:buClr>
+                <a:schemeClr val="accent1"/>
+              </a:buClr>
+              <a:buSzPct val="70000"/>
+            </a:pPr>
+            <a:r>
+              <a:rPr lang="en-US" dirty="0">
+                <a:solidFill>
+                  <a:schemeClr val="bg1"/>
+                </a:solidFill>
+                <a:latin typeface="Barlow" pitchFamily="2" charset="77"/>
+                <a:cs typeface="Arial" panose="020B0604020202020204" pitchFamily="34" charset="0"/>
+              </a:rPr>
+              <a:t>Magpie custom </a:t>
+            </a:r>
+          </a:p>
+          <a:p>
+            <a:pPr algn="ctr" defTabSz="457200">
+              <a:spcBef>
+                <a:spcPts val="600"/>
+              </a:spcBef>
+              <a:spcAft>
+                <a:spcPts val="800"/>
+              </a:spcAft>
+              <a:buClr>
+                <a:schemeClr val="accent1"/>
+              </a:buClr>
+              <a:buSzPct val="70000"/>
+            </a:pPr>
+            <a:r>
+              <a:rPr lang="en-US" dirty="0">
+                <a:solidFill>
+                  <a:schemeClr val="bg1"/>
+                </a:solidFill>
+                <a:latin typeface="Barlow" pitchFamily="2" charset="77"/>
+                <a:cs typeface="Arial" panose="020B0604020202020204" pitchFamily="34" charset="0"/>
+              </a:rPr>
+              <a:t>Micro board</a:t>
+            </a:r>
+          </a:p>
+        </p:txBody>
+      </p:sp>
+      <p:sp>
+        <p:nvSpPr>
+          <p:cNvPr id="7" name="Rectangle 6">
+            <a:extLst>
+              <a:ext uri="{FF2B5EF4-FFF2-40B4-BE49-F238E27FC236}">
+                <a16:creationId xmlns:a16="http://schemas.microsoft.com/office/drawing/2014/main" id="{2FF5BB7A-394E-5F1E-4EFE-EA2A16FE3578}"/>
+              </a:ext>
+            </a:extLst>
+          </p:cNvPr>
+          <p:cNvSpPr/>
+          <p:nvPr/>
+        </p:nvSpPr>
+        <p:spPr>
+          <a:xfrm>
+            <a:off x="8209095" y="4757952"/>
+            <a:ext cx="1011992" cy="414219"/>
+          </a:xfrm>
+          <a:prstGeom prst="rect">
+            <a:avLst/>
+          </a:prstGeom>
+          <a:solidFill>
+            <a:schemeClr val="accent3">
+              <a:lumMod val="75000"/>
+            </a:schemeClr>
+          </a:solidFill>
+          <a:ln w="19050">
+            <a:noFill/>
+            <a:miter lim="800000"/>
+          </a:ln>
+          <a:effectLst/>
+        </p:spPr>
+        <p:style>
+          <a:lnRef idx="1">
+            <a:schemeClr val="accent1"/>
+          </a:lnRef>
+          <a:fillRef idx="3">
+            <a:schemeClr val="accent1"/>
+          </a:fillRef>
+          <a:effectRef idx="2">
+            <a:schemeClr val="accent1"/>
+          </a:effectRef>
+          <a:fontRef idx="minor">
+            <a:schemeClr val="lt1"/>
+          </a:fontRef>
+        </p:style>
+        <p:txBody>
+          <a:bodyPr rtlCol="0" anchor="ctr"/>
+          <a:lstStyle/>
+          <a:p>
+            <a:pPr algn="l" defTabSz="457200">
+              <a:spcBef>
+                <a:spcPts val="600"/>
+              </a:spcBef>
+              <a:spcAft>
+                <a:spcPts val="800"/>
+              </a:spcAft>
+              <a:buClr>
+                <a:schemeClr val="accent1"/>
+              </a:buClr>
+              <a:buSzPct val="70000"/>
+            </a:pPr>
+            <a:endParaRPr lang="en-US" sz="900">
+              <a:solidFill>
+                <a:schemeClr val="bg1"/>
+              </a:solidFill>
+              <a:latin typeface="Barlow" pitchFamily="2" charset="77"/>
+              <a:cs typeface="Arial" panose="020B0604020202020204" pitchFamily="34" charset="0"/>
+            </a:endParaRPr>
+          </a:p>
+        </p:txBody>
+      </p:sp>
+      <p:sp>
+        <p:nvSpPr>
+          <p:cNvPr id="10" name="Rectangle 9">
+            <a:extLst>
+              <a:ext uri="{FF2B5EF4-FFF2-40B4-BE49-F238E27FC236}">
+                <a16:creationId xmlns:a16="http://schemas.microsoft.com/office/drawing/2014/main" id="{0CF04462-E0BF-29C8-E225-4E9A28EE4607}"/>
+              </a:ext>
+            </a:extLst>
+          </p:cNvPr>
+          <p:cNvSpPr/>
+          <p:nvPr/>
+        </p:nvSpPr>
+        <p:spPr>
+          <a:xfrm>
+            <a:off x="5510025" y="1380452"/>
+            <a:ext cx="1130227" cy="863940"/>
+          </a:xfrm>
+          <a:prstGeom prst="rect">
+            <a:avLst/>
+          </a:prstGeom>
+          <a:solidFill>
+            <a:schemeClr val="tx2"/>
+          </a:solidFill>
+          <a:ln w="19050">
+            <a:noFill/>
+            <a:miter lim="800000"/>
+          </a:ln>
+          <a:effectLst/>
+          <a:scene3d>
+            <a:camera prst="orthographicFront"/>
+            <a:lightRig rig="threePt" dir="t"/>
+          </a:scene3d>
+          <a:sp3d>
+            <a:bevelT prst="angle"/>
+          </a:sp3d>
+        </p:spPr>
+        <p:style>
+          <a:lnRef idx="1">
+            <a:schemeClr val="accent1"/>
+          </a:lnRef>
+          <a:fillRef idx="3">
+            <a:schemeClr val="accent1"/>
+          </a:fillRef>
+          <a:effectRef idx="2">
+            <a:schemeClr val="accent1"/>
+          </a:effectRef>
+          <a:fontRef idx="minor">
+            <a:schemeClr val="lt1"/>
+          </a:fontRef>
+        </p:style>
+        <p:txBody>
+          <a:bodyPr rtlCol="0" anchor="ctr"/>
+          <a:lstStyle/>
+          <a:p>
+            <a:pPr algn="ctr" defTabSz="457200">
+              <a:spcBef>
+                <a:spcPts val="600"/>
+              </a:spcBef>
+              <a:spcAft>
+                <a:spcPts val="800"/>
+              </a:spcAft>
+              <a:buClr>
+                <a:schemeClr val="accent1"/>
+              </a:buClr>
+              <a:buSzPct val="70000"/>
+            </a:pPr>
+            <a:r>
+              <a:rPr lang="en-US">
+                <a:solidFill>
+                  <a:srgbClr val="000000"/>
+                </a:solidFill>
+                <a:latin typeface="Barlow" pitchFamily="2" charset="77"/>
+                <a:cs typeface="Arial" panose="020B0604020202020204" pitchFamily="34" charset="0"/>
+              </a:rPr>
+              <a:t>  </a:t>
+            </a:r>
+          </a:p>
+        </p:txBody>
+      </p:sp>
+      <p:cxnSp>
+        <p:nvCxnSpPr>
+          <p:cNvPr id="13" name="Straight Arrow Connector 12">
+            <a:extLst>
+              <a:ext uri="{FF2B5EF4-FFF2-40B4-BE49-F238E27FC236}">
+                <a16:creationId xmlns:a16="http://schemas.microsoft.com/office/drawing/2014/main" id="{37903BEE-E23A-4D0A-88E3-5C9E7F13BF78}"/>
+              </a:ext>
+            </a:extLst>
+          </p:cNvPr>
+          <p:cNvCxnSpPr>
+            <a:cxnSpLocks/>
+          </p:cNvCxnSpPr>
+          <p:nvPr/>
+        </p:nvCxnSpPr>
+        <p:spPr>
+          <a:xfrm flipV="1">
+            <a:off x="3216645" y="3589825"/>
+            <a:ext cx="1372264" cy="3538"/>
+          </a:xfrm>
+          <a:prstGeom prst="straightConnector1">
+            <a:avLst/>
+          </a:prstGeom>
+          <a:ln w="19050">
+            <a:solidFill>
+              <a:schemeClr val="tx1"/>
+            </a:solidFill>
+            <a:headEnd type="triangle" w="med" len="med"/>
+            <a:tailEnd type="triangle" w="med" len="med"/>
+          </a:ln>
+          <a:effectLst/>
+          <a:scene3d>
+            <a:camera prst="orthographicFront"/>
+            <a:lightRig rig="threePt" dir="t"/>
+          </a:scene3d>
+          <a:sp3d>
+            <a:bevelT prst="angle"/>
+          </a:sp3d>
+        </p:spPr>
+        <p:style>
+          <a:lnRef idx="2">
+            <a:schemeClr val="accent1"/>
+          </a:lnRef>
+          <a:fillRef idx="0">
+            <a:schemeClr val="accent1"/>
+          </a:fillRef>
+          <a:effectRef idx="1">
+            <a:schemeClr val="accent1"/>
+          </a:effectRef>
+          <a:fontRef idx="minor">
+            <a:schemeClr val="tx1"/>
+          </a:fontRef>
+        </p:style>
+      </p:cxnSp>
+      <p:cxnSp>
+        <p:nvCxnSpPr>
+          <p:cNvPr id="14" name="Straight Arrow Connector 13">
+            <a:extLst>
+              <a:ext uri="{FF2B5EF4-FFF2-40B4-BE49-F238E27FC236}">
+                <a16:creationId xmlns:a16="http://schemas.microsoft.com/office/drawing/2014/main" id="{7EBDBBF4-A770-DA11-63EB-E8DD60AD9D4B}"/>
+              </a:ext>
+            </a:extLst>
+          </p:cNvPr>
+          <p:cNvCxnSpPr>
+            <a:cxnSpLocks/>
+            <a:stCxn id="3" idx="3"/>
+          </p:cNvCxnSpPr>
+          <p:nvPr/>
+        </p:nvCxnSpPr>
+        <p:spPr>
+          <a:xfrm>
+            <a:off x="3216645" y="3707786"/>
+            <a:ext cx="1374435" cy="615"/>
+          </a:xfrm>
+          <a:prstGeom prst="straightConnector1">
+            <a:avLst/>
+          </a:prstGeom>
+          <a:ln w="19050">
+            <a:solidFill>
+              <a:schemeClr val="tx1"/>
+            </a:solidFill>
+            <a:headEnd type="triangle" w="med" len="med"/>
+            <a:tailEnd type="triangle" w="med" len="med"/>
+          </a:ln>
+          <a:effectLst/>
+          <a:scene3d>
+            <a:camera prst="orthographicFront"/>
+            <a:lightRig rig="threePt" dir="t"/>
+          </a:scene3d>
+          <a:sp3d>
+            <a:bevelT prst="angle"/>
+          </a:sp3d>
+        </p:spPr>
+        <p:style>
+          <a:lnRef idx="2">
+            <a:schemeClr val="accent1"/>
+          </a:lnRef>
+          <a:fillRef idx="0">
+            <a:schemeClr val="accent1"/>
+          </a:fillRef>
+          <a:effectRef idx="1">
+            <a:schemeClr val="accent1"/>
+          </a:effectRef>
+          <a:fontRef idx="minor">
+            <a:schemeClr val="tx1"/>
+          </a:fontRef>
+        </p:style>
+      </p:cxnSp>
+      <p:sp>
+        <p:nvSpPr>
+          <p:cNvPr id="15" name="TextBox 14">
+            <a:extLst>
+              <a:ext uri="{FF2B5EF4-FFF2-40B4-BE49-F238E27FC236}">
+                <a16:creationId xmlns:a16="http://schemas.microsoft.com/office/drawing/2014/main" id="{279C0399-00E0-A521-A684-F732F46A9671}"/>
+              </a:ext>
+            </a:extLst>
+          </p:cNvPr>
+          <p:cNvSpPr txBox="1"/>
+          <p:nvPr/>
+        </p:nvSpPr>
+        <p:spPr>
+          <a:xfrm>
+            <a:off x="3499938" y="3716130"/>
+            <a:ext cx="580070" cy="109871"/>
+          </a:xfrm>
+          <a:prstGeom prst="rect">
+            <a:avLst/>
+          </a:prstGeom>
+          <a:ln w="19050">
+            <a:noFill/>
+          </a:ln>
+          <a:effectLst/>
+          <a:scene3d>
+            <a:camera prst="orthographicFront"/>
+            <a:lightRig rig="threePt" dir="t"/>
+          </a:scene3d>
+          <a:sp3d>
+            <a:bevelT prst="angle"/>
+          </a:sp3d>
+        </p:spPr>
+        <p:txBody>
+          <a:bodyPr vert="horz" wrap="square" lIns="0" tIns="0" rIns="0" bIns="0" rtlCol="0" anchor="t" anchorCtr="0">
+            <a:noAutofit/>
+          </a:bodyPr>
+          <a:lstStyle/>
+          <a:p>
+            <a:pPr algn="l"/>
+            <a:r>
+              <a:rPr lang="en-US" sz="900" dirty="0"/>
+              <a:t>SPI CONFIG</a:t>
+            </a:r>
+          </a:p>
+        </p:txBody>
+      </p:sp>
+      <p:sp>
+        <p:nvSpPr>
+          <p:cNvPr id="16" name="TextBox 15">
+            <a:extLst>
+              <a:ext uri="{FF2B5EF4-FFF2-40B4-BE49-F238E27FC236}">
+                <a16:creationId xmlns:a16="http://schemas.microsoft.com/office/drawing/2014/main" id="{5F7F8B73-5CDA-D906-0D93-BFE2CB0FC6E3}"/>
+              </a:ext>
+            </a:extLst>
+          </p:cNvPr>
+          <p:cNvSpPr txBox="1"/>
+          <p:nvPr/>
+        </p:nvSpPr>
+        <p:spPr>
+          <a:xfrm>
+            <a:off x="3560509" y="3412362"/>
+            <a:ext cx="779327" cy="131821"/>
+          </a:xfrm>
+          <a:prstGeom prst="rect">
+            <a:avLst/>
+          </a:prstGeom>
+          <a:ln w="19050">
+            <a:noFill/>
+          </a:ln>
+          <a:effectLst/>
+          <a:scene3d>
+            <a:camera prst="orthographicFront"/>
+            <a:lightRig rig="threePt" dir="t"/>
+          </a:scene3d>
+          <a:sp3d>
+            <a:bevelT prst="angle"/>
+          </a:sp3d>
+        </p:spPr>
+        <p:txBody>
+          <a:bodyPr vert="horz" wrap="square" lIns="0" tIns="0" rIns="0" bIns="0" rtlCol="0" anchor="t" anchorCtr="0">
+            <a:noAutofit/>
+          </a:bodyPr>
+          <a:lstStyle/>
+          <a:p>
+            <a:r>
+              <a:rPr lang="en-US" sz="900" dirty="0"/>
+              <a:t>SPI CONVERT</a:t>
+            </a:r>
+          </a:p>
+        </p:txBody>
+      </p:sp>
+      <p:cxnSp>
+        <p:nvCxnSpPr>
+          <p:cNvPr id="22" name="Straight Connector 21">
+            <a:extLst>
+              <a:ext uri="{FF2B5EF4-FFF2-40B4-BE49-F238E27FC236}">
+                <a16:creationId xmlns:a16="http://schemas.microsoft.com/office/drawing/2014/main" id="{CEEE4893-753E-4324-58AD-64C7D62D2A54}"/>
+              </a:ext>
+            </a:extLst>
+          </p:cNvPr>
+          <p:cNvCxnSpPr>
+            <a:cxnSpLocks/>
+          </p:cNvCxnSpPr>
+          <p:nvPr/>
+        </p:nvCxnSpPr>
+        <p:spPr>
+          <a:xfrm>
+            <a:off x="6317931" y="3721513"/>
+            <a:ext cx="3991386" cy="8370"/>
+          </a:xfrm>
+          <a:prstGeom prst="line">
+            <a:avLst/>
+          </a:prstGeom>
+          <a:ln w="19050">
+            <a:solidFill>
+              <a:schemeClr val="tx1"/>
+            </a:solidFill>
+          </a:ln>
+          <a:effectLst/>
+          <a:scene3d>
+            <a:camera prst="orthographicFront"/>
+            <a:lightRig rig="threePt" dir="t"/>
+          </a:scene3d>
+          <a:sp3d>
+            <a:bevelT prst="angle"/>
+          </a:sp3d>
+        </p:spPr>
+        <p:style>
+          <a:lnRef idx="2">
+            <a:schemeClr val="accent1"/>
+          </a:lnRef>
+          <a:fillRef idx="0">
+            <a:schemeClr val="accent1"/>
+          </a:fillRef>
+          <a:effectRef idx="1">
+            <a:schemeClr val="accent1"/>
+          </a:effectRef>
+          <a:fontRef idx="minor">
+            <a:schemeClr val="tx1"/>
+          </a:fontRef>
+        </p:style>
+      </p:cxnSp>
+      <p:cxnSp>
+        <p:nvCxnSpPr>
+          <p:cNvPr id="24" name="Straight Arrow Connector 23">
+            <a:extLst>
+              <a:ext uri="{FF2B5EF4-FFF2-40B4-BE49-F238E27FC236}">
+                <a16:creationId xmlns:a16="http://schemas.microsoft.com/office/drawing/2014/main" id="{6D890E73-FE21-36EC-D839-D21CC626A710}"/>
+              </a:ext>
+            </a:extLst>
+          </p:cNvPr>
+          <p:cNvCxnSpPr>
+            <a:cxnSpLocks/>
+          </p:cNvCxnSpPr>
+          <p:nvPr/>
+        </p:nvCxnSpPr>
+        <p:spPr>
+          <a:xfrm>
+            <a:off x="10309317" y="3721496"/>
+            <a:ext cx="3083" cy="1058622"/>
+          </a:xfrm>
+          <a:prstGeom prst="straightConnector1">
+            <a:avLst/>
+          </a:prstGeom>
+          <a:ln w="19050">
+            <a:solidFill>
+              <a:schemeClr val="tx1"/>
+            </a:solidFill>
+            <a:tailEnd type="triangle"/>
+          </a:ln>
+          <a:effectLst/>
+          <a:scene3d>
+            <a:camera prst="orthographicFront"/>
+            <a:lightRig rig="threePt" dir="t"/>
+          </a:scene3d>
+          <a:sp3d>
+            <a:bevelT prst="angle"/>
+          </a:sp3d>
+        </p:spPr>
+        <p:style>
+          <a:lnRef idx="2">
+            <a:schemeClr val="accent1"/>
+          </a:lnRef>
+          <a:fillRef idx="0">
+            <a:schemeClr val="accent1"/>
+          </a:fillRef>
+          <a:effectRef idx="1">
+            <a:schemeClr val="accent1"/>
+          </a:effectRef>
+          <a:fontRef idx="minor">
+            <a:schemeClr val="tx1"/>
+          </a:fontRef>
+        </p:style>
+      </p:cxnSp>
+      <p:cxnSp>
+        <p:nvCxnSpPr>
+          <p:cNvPr id="33" name="Straight Arrow Connector 32">
+            <a:extLst>
+              <a:ext uri="{FF2B5EF4-FFF2-40B4-BE49-F238E27FC236}">
+                <a16:creationId xmlns:a16="http://schemas.microsoft.com/office/drawing/2014/main" id="{778857A0-E63F-DE5D-30F2-0554AC459FC0}"/>
+              </a:ext>
+            </a:extLst>
+          </p:cNvPr>
+          <p:cNvCxnSpPr>
+            <a:cxnSpLocks/>
+          </p:cNvCxnSpPr>
+          <p:nvPr/>
+        </p:nvCxnSpPr>
+        <p:spPr>
+          <a:xfrm>
+            <a:off x="8737600" y="3731037"/>
+            <a:ext cx="0" cy="1026846"/>
+          </a:xfrm>
+          <a:prstGeom prst="straightConnector1">
+            <a:avLst/>
+          </a:prstGeom>
+          <a:ln w="19050">
+            <a:solidFill>
+              <a:schemeClr val="tx1"/>
+            </a:solidFill>
+            <a:tailEnd type="triangle"/>
+          </a:ln>
+          <a:effectLst/>
+          <a:scene3d>
+            <a:camera prst="orthographicFront"/>
+            <a:lightRig rig="threePt" dir="t"/>
+          </a:scene3d>
+          <a:sp3d>
+            <a:bevelT prst="angle"/>
+          </a:sp3d>
+        </p:spPr>
+        <p:style>
+          <a:lnRef idx="2">
+            <a:schemeClr val="accent1"/>
+          </a:lnRef>
+          <a:fillRef idx="0">
+            <a:schemeClr val="accent1"/>
+          </a:fillRef>
+          <a:effectRef idx="1">
+            <a:schemeClr val="accent1"/>
+          </a:effectRef>
+          <a:fontRef idx="minor">
+            <a:schemeClr val="tx1"/>
+          </a:fontRef>
+        </p:style>
+      </p:cxnSp>
+      <p:sp>
+        <p:nvSpPr>
+          <p:cNvPr id="40" name="Oval 39">
+            <a:extLst>
+              <a:ext uri="{FF2B5EF4-FFF2-40B4-BE49-F238E27FC236}">
+                <a16:creationId xmlns:a16="http://schemas.microsoft.com/office/drawing/2014/main" id="{CAE9DC3E-096D-55C4-29F3-5F4EF1CA4C91}"/>
+              </a:ext>
+            </a:extLst>
+          </p:cNvPr>
+          <p:cNvSpPr/>
+          <p:nvPr/>
+        </p:nvSpPr>
+        <p:spPr>
+          <a:xfrm>
+            <a:off x="7265988" y="3660018"/>
+            <a:ext cx="103877" cy="115058"/>
+          </a:xfrm>
+          <a:prstGeom prst="ellipse">
+            <a:avLst/>
+          </a:prstGeom>
+          <a:solidFill>
+            <a:schemeClr val="tx1"/>
+          </a:solidFill>
+          <a:ln w="19050">
+            <a:solidFill>
+              <a:schemeClr val="tx1"/>
+            </a:solidFill>
+            <a:miter lim="800000"/>
+          </a:ln>
+          <a:effectLst/>
+          <a:scene3d>
+            <a:camera prst="orthographicFront"/>
+            <a:lightRig rig="threePt" dir="t"/>
+          </a:scene3d>
+          <a:sp3d>
+            <a:bevelT prst="angle"/>
+          </a:sp3d>
+        </p:spPr>
+        <p:style>
+          <a:lnRef idx="1">
+            <a:schemeClr val="accent1"/>
+          </a:lnRef>
+          <a:fillRef idx="3">
+            <a:schemeClr val="accent1"/>
+          </a:fillRef>
+          <a:effectRef idx="2">
+            <a:schemeClr val="accent1"/>
+          </a:effectRef>
+          <a:fontRef idx="minor">
+            <a:schemeClr val="lt1"/>
+          </a:fontRef>
+        </p:style>
+        <p:txBody>
+          <a:bodyPr rtlCol="0" anchor="ctr"/>
+          <a:lstStyle/>
+          <a:p>
+            <a:pPr algn="l" defTabSz="457200">
+              <a:spcBef>
+                <a:spcPts val="600"/>
+              </a:spcBef>
+              <a:spcAft>
+                <a:spcPts val="800"/>
+              </a:spcAft>
+              <a:buClr>
+                <a:schemeClr val="accent1"/>
+              </a:buClr>
+              <a:buSzPct val="70000"/>
+            </a:pPr>
+            <a:endParaRPr lang="en-US" err="1">
+              <a:solidFill>
+                <a:srgbClr val="000000"/>
+              </a:solidFill>
+              <a:latin typeface="Barlow" pitchFamily="2" charset="77"/>
+              <a:cs typeface="Arial" panose="020B0604020202020204" pitchFamily="34" charset="0"/>
+            </a:endParaRPr>
+          </a:p>
+        </p:txBody>
+      </p:sp>
+      <p:sp>
+        <p:nvSpPr>
+          <p:cNvPr id="48" name="Oval 47">
+            <a:extLst>
+              <a:ext uri="{FF2B5EF4-FFF2-40B4-BE49-F238E27FC236}">
+                <a16:creationId xmlns:a16="http://schemas.microsoft.com/office/drawing/2014/main" id="{D71E87E3-4376-CD7F-13C5-DFA4AE2FF319}"/>
+              </a:ext>
+            </a:extLst>
+          </p:cNvPr>
+          <p:cNvSpPr/>
+          <p:nvPr/>
+        </p:nvSpPr>
+        <p:spPr>
+          <a:xfrm>
+            <a:off x="8682209" y="3673507"/>
+            <a:ext cx="103877" cy="115058"/>
+          </a:xfrm>
+          <a:prstGeom prst="ellipse">
+            <a:avLst/>
+          </a:prstGeom>
+          <a:solidFill>
+            <a:schemeClr val="tx1"/>
+          </a:solidFill>
+          <a:ln w="19050">
+            <a:solidFill>
+              <a:schemeClr val="tx1"/>
+            </a:solidFill>
+            <a:miter lim="800000"/>
+          </a:ln>
+          <a:effectLst/>
+          <a:scene3d>
+            <a:camera prst="orthographicFront"/>
+            <a:lightRig rig="threePt" dir="t"/>
+          </a:scene3d>
+          <a:sp3d>
+            <a:bevelT prst="angle"/>
+          </a:sp3d>
+        </p:spPr>
+        <p:style>
+          <a:lnRef idx="1">
+            <a:schemeClr val="accent1"/>
+          </a:lnRef>
+          <a:fillRef idx="3">
+            <a:schemeClr val="accent1"/>
+          </a:fillRef>
+          <a:effectRef idx="2">
+            <a:schemeClr val="accent1"/>
+          </a:effectRef>
+          <a:fontRef idx="minor">
+            <a:schemeClr val="lt1"/>
+          </a:fontRef>
+        </p:style>
+        <p:txBody>
+          <a:bodyPr rtlCol="0" anchor="ctr"/>
+          <a:lstStyle/>
+          <a:p>
+            <a:pPr algn="l" defTabSz="457200">
+              <a:spcBef>
+                <a:spcPts val="600"/>
+              </a:spcBef>
+              <a:spcAft>
+                <a:spcPts val="800"/>
+              </a:spcAft>
+              <a:buClr>
+                <a:schemeClr val="accent1"/>
+              </a:buClr>
+              <a:buSzPct val="70000"/>
+            </a:pPr>
+            <a:endParaRPr lang="en-US" err="1">
+              <a:solidFill>
+                <a:srgbClr val="000000"/>
+              </a:solidFill>
+              <a:latin typeface="Barlow" pitchFamily="2" charset="77"/>
+              <a:cs typeface="Arial" panose="020B0604020202020204" pitchFamily="34" charset="0"/>
+            </a:endParaRPr>
+          </a:p>
+        </p:txBody>
+      </p:sp>
+      <p:cxnSp>
+        <p:nvCxnSpPr>
+          <p:cNvPr id="50" name="Straight Arrow Connector 49">
+            <a:extLst>
+              <a:ext uri="{FF2B5EF4-FFF2-40B4-BE49-F238E27FC236}">
+                <a16:creationId xmlns:a16="http://schemas.microsoft.com/office/drawing/2014/main" id="{2C9DB06C-C203-CB69-677B-5BF248267C8E}"/>
+              </a:ext>
+            </a:extLst>
+          </p:cNvPr>
+          <p:cNvCxnSpPr>
+            <a:cxnSpLocks/>
+          </p:cNvCxnSpPr>
+          <p:nvPr/>
+        </p:nvCxnSpPr>
+        <p:spPr>
+          <a:xfrm flipV="1">
+            <a:off x="4980189" y="2118558"/>
+            <a:ext cx="0" cy="961505"/>
+          </a:xfrm>
+          <a:prstGeom prst="straightConnector1">
+            <a:avLst/>
+          </a:prstGeom>
+          <a:ln w="19050">
+            <a:solidFill>
+              <a:schemeClr val="tx1"/>
+            </a:solidFill>
+            <a:headEnd type="triangle" w="med" len="med"/>
+            <a:tailEnd type="triangle" w="med" len="med"/>
+          </a:ln>
+          <a:effectLst/>
+          <a:scene3d>
+            <a:camera prst="orthographicFront"/>
+            <a:lightRig rig="threePt" dir="t"/>
+          </a:scene3d>
+          <a:sp3d>
+            <a:bevelT prst="angle"/>
+          </a:sp3d>
+        </p:spPr>
+        <p:style>
+          <a:lnRef idx="2">
+            <a:schemeClr val="accent1"/>
+          </a:lnRef>
+          <a:fillRef idx="0">
+            <a:schemeClr val="accent1"/>
+          </a:fillRef>
+          <a:effectRef idx="1">
+            <a:schemeClr val="accent1"/>
+          </a:effectRef>
+          <a:fontRef idx="minor">
+            <a:schemeClr val="tx1"/>
+          </a:fontRef>
+        </p:style>
+      </p:cxnSp>
+      <p:cxnSp>
+        <p:nvCxnSpPr>
+          <p:cNvPr id="67" name="Straight Connector 66">
+            <a:extLst>
+              <a:ext uri="{FF2B5EF4-FFF2-40B4-BE49-F238E27FC236}">
+                <a16:creationId xmlns:a16="http://schemas.microsoft.com/office/drawing/2014/main" id="{355186AD-B5DC-EB41-F6C2-3DCEC793FF46}"/>
+              </a:ext>
+            </a:extLst>
+          </p:cNvPr>
+          <p:cNvCxnSpPr>
+            <a:cxnSpLocks/>
+            <a:endCxn id="10" idx="2"/>
+          </p:cNvCxnSpPr>
+          <p:nvPr/>
+        </p:nvCxnSpPr>
+        <p:spPr>
+          <a:xfrm flipV="1">
+            <a:off x="6072434" y="2244392"/>
+            <a:ext cx="2705" cy="835671"/>
+          </a:xfrm>
+          <a:prstGeom prst="line">
+            <a:avLst/>
+          </a:prstGeom>
+          <a:ln w="19050">
+            <a:solidFill>
+              <a:schemeClr val="tx1"/>
+            </a:solidFill>
+            <a:headEnd type="none" w="med" len="med"/>
+            <a:tailEnd type="triangle" w="med" len="med"/>
+          </a:ln>
+          <a:effectLst/>
+          <a:scene3d>
+            <a:camera prst="orthographicFront"/>
+            <a:lightRig rig="threePt" dir="t"/>
+          </a:scene3d>
+          <a:sp3d>
+            <a:bevelT prst="angle"/>
+          </a:sp3d>
+        </p:spPr>
+        <p:style>
+          <a:lnRef idx="2">
+            <a:schemeClr val="accent1"/>
+          </a:lnRef>
+          <a:fillRef idx="0">
+            <a:schemeClr val="accent1"/>
+          </a:fillRef>
+          <a:effectRef idx="1">
+            <a:schemeClr val="accent1"/>
+          </a:effectRef>
+          <a:fontRef idx="minor">
+            <a:schemeClr val="tx1"/>
+          </a:fontRef>
+        </p:style>
+      </p:cxnSp>
+      <p:cxnSp>
+        <p:nvCxnSpPr>
+          <p:cNvPr id="72" name="Straight Arrow Connector 71">
+            <a:extLst>
+              <a:ext uri="{FF2B5EF4-FFF2-40B4-BE49-F238E27FC236}">
+                <a16:creationId xmlns:a16="http://schemas.microsoft.com/office/drawing/2014/main" id="{67D393C0-E5F1-7A90-6FA9-75798C008C75}"/>
+              </a:ext>
+            </a:extLst>
+          </p:cNvPr>
+          <p:cNvCxnSpPr>
+            <a:cxnSpLocks/>
+          </p:cNvCxnSpPr>
+          <p:nvPr/>
+        </p:nvCxnSpPr>
+        <p:spPr>
+          <a:xfrm flipH="1" flipV="1">
+            <a:off x="6178535" y="4813300"/>
+            <a:ext cx="1306" cy="515222"/>
+          </a:xfrm>
+          <a:prstGeom prst="straightConnector1">
+            <a:avLst/>
+          </a:prstGeom>
+          <a:ln w="19050">
+            <a:solidFill>
+              <a:schemeClr val="tx1"/>
+            </a:solidFill>
+            <a:headEnd type="triangle" w="med" len="med"/>
+            <a:tailEnd type="none" w="med" len="med"/>
+          </a:ln>
+          <a:effectLst/>
+          <a:scene3d>
+            <a:camera prst="orthographicFront"/>
+            <a:lightRig rig="threePt" dir="t"/>
+          </a:scene3d>
+          <a:sp3d>
+            <a:bevelT prst="angle"/>
+          </a:sp3d>
+        </p:spPr>
+        <p:style>
+          <a:lnRef idx="2">
+            <a:schemeClr val="accent1"/>
+          </a:lnRef>
+          <a:fillRef idx="0">
+            <a:schemeClr val="accent1"/>
+          </a:fillRef>
+          <a:effectRef idx="1">
+            <a:schemeClr val="accent1"/>
+          </a:effectRef>
+          <a:fontRef idx="minor">
+            <a:schemeClr val="tx1"/>
+          </a:fontRef>
+        </p:style>
+      </p:cxnSp>
+      <p:sp>
+        <p:nvSpPr>
+          <p:cNvPr id="77" name="TextBox 76">
+            <a:extLst>
+              <a:ext uri="{FF2B5EF4-FFF2-40B4-BE49-F238E27FC236}">
+                <a16:creationId xmlns:a16="http://schemas.microsoft.com/office/drawing/2014/main" id="{A2BA2F75-62F1-3A96-BA50-4469301774DC}"/>
+              </a:ext>
+            </a:extLst>
+          </p:cNvPr>
+          <p:cNvSpPr txBox="1"/>
+          <p:nvPr/>
+        </p:nvSpPr>
+        <p:spPr>
+          <a:xfrm>
+            <a:off x="3739983" y="2473483"/>
+            <a:ext cx="1021167" cy="218240"/>
+          </a:xfrm>
+          <a:prstGeom prst="rect">
+            <a:avLst/>
+          </a:prstGeom>
+          <a:ln w="19050">
+            <a:noFill/>
+          </a:ln>
+          <a:effectLst/>
+          <a:scene3d>
+            <a:camera prst="orthographicFront"/>
+            <a:lightRig rig="threePt" dir="t"/>
+          </a:scene3d>
+          <a:sp3d>
+            <a:bevelT prst="angle"/>
+          </a:sp3d>
+        </p:spPr>
+        <p:txBody>
+          <a:bodyPr vert="horz" wrap="square" lIns="0" tIns="0" rIns="0" bIns="0" rtlCol="0" anchor="t" anchorCtr="0">
+            <a:noAutofit/>
+          </a:bodyPr>
+          <a:lstStyle/>
+          <a:p>
+            <a:pPr algn="l"/>
+            <a:r>
+              <a:rPr lang="en-US" sz="800" dirty="0"/>
+              <a:t>VBUS</a:t>
+            </a:r>
+          </a:p>
+        </p:txBody>
+      </p:sp>
+      <p:sp>
+        <p:nvSpPr>
+          <p:cNvPr id="78" name="TextBox 77">
+            <a:extLst>
+              <a:ext uri="{FF2B5EF4-FFF2-40B4-BE49-F238E27FC236}">
+                <a16:creationId xmlns:a16="http://schemas.microsoft.com/office/drawing/2014/main" id="{BC642863-B7C5-F42F-EA01-27C3FAFDF6A6}"/>
+              </a:ext>
+            </a:extLst>
+          </p:cNvPr>
+          <p:cNvSpPr txBox="1"/>
+          <p:nvPr/>
+        </p:nvSpPr>
+        <p:spPr>
+          <a:xfrm>
+            <a:off x="6138357" y="2489146"/>
+            <a:ext cx="351706" cy="218240"/>
+          </a:xfrm>
+          <a:prstGeom prst="rect">
+            <a:avLst/>
+          </a:prstGeom>
+          <a:ln w="19050">
+            <a:noFill/>
+          </a:ln>
+          <a:effectLst/>
+          <a:scene3d>
+            <a:camera prst="orthographicFront"/>
+            <a:lightRig rig="threePt" dir="t"/>
+          </a:scene3d>
+          <a:sp3d>
+            <a:bevelT prst="angle"/>
+          </a:sp3d>
+        </p:spPr>
+        <p:txBody>
+          <a:bodyPr vert="horz" wrap="square" lIns="0" tIns="0" rIns="0" bIns="0" rtlCol="0" anchor="t" anchorCtr="0">
+            <a:noAutofit/>
+          </a:bodyPr>
+          <a:lstStyle/>
+          <a:p>
+            <a:pPr algn="l"/>
+            <a:r>
+              <a:rPr lang="en-US" sz="800"/>
+              <a:t>SDHC</a:t>
+            </a:r>
+          </a:p>
+        </p:txBody>
+      </p:sp>
+      <p:sp>
+        <p:nvSpPr>
+          <p:cNvPr id="79" name="TextBox 78">
+            <a:extLst>
+              <a:ext uri="{FF2B5EF4-FFF2-40B4-BE49-F238E27FC236}">
+                <a16:creationId xmlns:a16="http://schemas.microsoft.com/office/drawing/2014/main" id="{97408C7C-CFC7-3655-89DA-6EE9FAC025A0}"/>
+              </a:ext>
+            </a:extLst>
+          </p:cNvPr>
+          <p:cNvSpPr txBox="1"/>
+          <p:nvPr/>
+        </p:nvSpPr>
+        <p:spPr>
+          <a:xfrm>
+            <a:off x="6655360" y="3319880"/>
+            <a:ext cx="318654" cy="218240"/>
+          </a:xfrm>
+          <a:prstGeom prst="rect">
+            <a:avLst/>
+          </a:prstGeom>
+          <a:ln w="19050">
+            <a:noFill/>
+          </a:ln>
+          <a:effectLst/>
+          <a:scene3d>
+            <a:camera prst="orthographicFront"/>
+            <a:lightRig rig="threePt" dir="t"/>
+          </a:scene3d>
+          <a:sp3d>
+            <a:bevelT prst="angle"/>
+          </a:sp3d>
+        </p:spPr>
+        <p:txBody>
+          <a:bodyPr vert="horz" wrap="square" lIns="0" tIns="0" rIns="0" bIns="0" rtlCol="0" anchor="t" anchorCtr="0">
+            <a:noAutofit/>
+          </a:bodyPr>
+          <a:lstStyle/>
+          <a:p>
+            <a:pPr algn="l"/>
+            <a:r>
+              <a:rPr lang="en-US" sz="900"/>
+              <a:t>I2C</a:t>
+            </a:r>
+          </a:p>
+        </p:txBody>
+      </p:sp>
+      <p:sp>
+        <p:nvSpPr>
+          <p:cNvPr id="80" name="TextBox 79">
+            <a:extLst>
+              <a:ext uri="{FF2B5EF4-FFF2-40B4-BE49-F238E27FC236}">
+                <a16:creationId xmlns:a16="http://schemas.microsoft.com/office/drawing/2014/main" id="{06A0FEB6-F5FB-70C3-22A0-3EB39E48C7CF}"/>
+              </a:ext>
+            </a:extLst>
+          </p:cNvPr>
+          <p:cNvSpPr txBox="1"/>
+          <p:nvPr/>
+        </p:nvSpPr>
+        <p:spPr>
+          <a:xfrm>
+            <a:off x="6210636" y="4904849"/>
+            <a:ext cx="581986" cy="218240"/>
+          </a:xfrm>
+          <a:prstGeom prst="rect">
+            <a:avLst/>
+          </a:prstGeom>
+          <a:ln w="19050">
+            <a:noFill/>
+          </a:ln>
+          <a:effectLst/>
+          <a:scene3d>
+            <a:camera prst="orthographicFront"/>
+            <a:lightRig rig="threePt" dir="t"/>
+          </a:scene3d>
+          <a:sp3d>
+            <a:bevelT prst="angle"/>
+          </a:sp3d>
+        </p:spPr>
+        <p:txBody>
+          <a:bodyPr vert="horz" wrap="square" lIns="0" tIns="0" rIns="0" bIns="0" rtlCol="0" anchor="t" anchorCtr="0">
+            <a:noAutofit/>
+          </a:bodyPr>
+          <a:lstStyle/>
+          <a:p>
+            <a:pPr algn="l"/>
+            <a:r>
+              <a:rPr lang="en-US" sz="900"/>
+              <a:t>GPIO </a:t>
+            </a:r>
+            <a:r>
+              <a:rPr lang="en-US" sz="800"/>
+              <a:t>Control</a:t>
+            </a:r>
+          </a:p>
+        </p:txBody>
+      </p:sp>
+      <p:cxnSp>
+        <p:nvCxnSpPr>
+          <p:cNvPr id="87" name="Straight Arrow Connector 86">
+            <a:extLst>
+              <a:ext uri="{FF2B5EF4-FFF2-40B4-BE49-F238E27FC236}">
+                <a16:creationId xmlns:a16="http://schemas.microsoft.com/office/drawing/2014/main" id="{CD3E181A-5E73-3238-D672-B2A9830C09C9}"/>
+              </a:ext>
+            </a:extLst>
+          </p:cNvPr>
+          <p:cNvCxnSpPr>
+            <a:cxnSpLocks/>
+          </p:cNvCxnSpPr>
+          <p:nvPr/>
+        </p:nvCxnSpPr>
+        <p:spPr>
+          <a:xfrm>
+            <a:off x="4980189" y="2567364"/>
+            <a:ext cx="0" cy="67162"/>
+          </a:xfrm>
+          <a:prstGeom prst="straightConnector1">
+            <a:avLst/>
+          </a:prstGeom>
+          <a:ln w="19050">
+            <a:solidFill>
+              <a:schemeClr val="tx2"/>
+            </a:solidFill>
+            <a:tailEnd type="triangle"/>
+          </a:ln>
+          <a:effectLst/>
+          <a:scene3d>
+            <a:camera prst="orthographicFront"/>
+            <a:lightRig rig="threePt" dir="t"/>
+          </a:scene3d>
+          <a:sp3d>
+            <a:bevelT prst="angle"/>
+          </a:sp3d>
+        </p:spPr>
+        <p:style>
+          <a:lnRef idx="2">
+            <a:schemeClr val="accent1"/>
+          </a:lnRef>
+          <a:fillRef idx="0">
+            <a:schemeClr val="accent1"/>
+          </a:fillRef>
+          <a:effectRef idx="1">
+            <a:schemeClr val="accent1"/>
+          </a:effectRef>
+          <a:fontRef idx="minor">
+            <a:schemeClr val="tx1"/>
+          </a:fontRef>
+        </p:style>
+      </p:cxnSp>
+      <p:cxnSp>
+        <p:nvCxnSpPr>
+          <p:cNvPr id="89" name="Straight Arrow Connector 88">
+            <a:extLst>
+              <a:ext uri="{FF2B5EF4-FFF2-40B4-BE49-F238E27FC236}">
+                <a16:creationId xmlns:a16="http://schemas.microsoft.com/office/drawing/2014/main" id="{4ABA4A98-871E-EC33-705E-6B96CC2BFED6}"/>
+              </a:ext>
+            </a:extLst>
+          </p:cNvPr>
+          <p:cNvCxnSpPr>
+            <a:cxnSpLocks/>
+          </p:cNvCxnSpPr>
+          <p:nvPr/>
+        </p:nvCxnSpPr>
+        <p:spPr>
+          <a:xfrm flipV="1">
+            <a:off x="4980189" y="2483440"/>
+            <a:ext cx="0" cy="33910"/>
+          </a:xfrm>
+          <a:prstGeom prst="straightConnector1">
+            <a:avLst/>
+          </a:prstGeom>
+          <a:ln w="19050">
+            <a:solidFill>
+              <a:schemeClr val="tx2"/>
+            </a:solidFill>
+            <a:tailEnd type="triangle"/>
+          </a:ln>
+          <a:effectLst/>
+          <a:scene3d>
+            <a:camera prst="orthographicFront"/>
+            <a:lightRig rig="threePt" dir="t"/>
+          </a:scene3d>
+          <a:sp3d>
+            <a:bevelT prst="angle"/>
+          </a:sp3d>
+        </p:spPr>
+        <p:style>
+          <a:lnRef idx="2">
+            <a:schemeClr val="accent1"/>
+          </a:lnRef>
+          <a:fillRef idx="0">
+            <a:schemeClr val="accent1"/>
+          </a:fillRef>
+          <a:effectRef idx="1">
+            <a:schemeClr val="accent1"/>
+          </a:effectRef>
+          <a:fontRef idx="minor">
+            <a:schemeClr val="tx1"/>
+          </a:fontRef>
+        </p:style>
+      </p:cxnSp>
+      <p:pic>
+        <p:nvPicPr>
+          <p:cNvPr id="111" name="Picture 110">
+            <a:extLst>
+              <a:ext uri="{FF2B5EF4-FFF2-40B4-BE49-F238E27FC236}">
+                <a16:creationId xmlns:a16="http://schemas.microsoft.com/office/drawing/2014/main" id="{B2C4789E-FAA2-5344-41D5-28124EF6D574}"/>
+              </a:ext>
+            </a:extLst>
+          </p:cNvPr>
+          <p:cNvPicPr>
+            <a:picLocks noChangeAspect="1"/>
+          </p:cNvPicPr>
+          <p:nvPr/>
+        </p:nvPicPr>
+        <p:blipFill>
+          <a:blip r:embed="rId3"/>
+          <a:stretch>
+            <a:fillRect/>
+          </a:stretch>
+        </p:blipFill>
+        <p:spPr>
+          <a:xfrm>
+            <a:off x="5680005" y="1536075"/>
+            <a:ext cx="817614" cy="435238"/>
+          </a:xfrm>
+          <a:prstGeom prst="rect">
+            <a:avLst/>
+          </a:prstGeom>
+          <a:blipFill>
+            <a:blip r:embed="rId4"/>
+            <a:tile tx="0" ty="0" sx="100000" sy="100000" flip="none" algn="tl"/>
+          </a:blipFill>
+          <a:ln w="19050">
+            <a:noFill/>
+          </a:ln>
+          <a:effectLst/>
+          <a:scene3d>
+            <a:camera prst="orthographicFront"/>
+            <a:lightRig rig="threePt" dir="t"/>
+          </a:scene3d>
+          <a:sp3d>
+            <a:bevelT prst="angle"/>
+          </a:sp3d>
+        </p:spPr>
+      </p:pic>
+      <p:sp>
+        <p:nvSpPr>
+          <p:cNvPr id="113" name="TextBox 112">
+            <a:extLst>
+              <a:ext uri="{FF2B5EF4-FFF2-40B4-BE49-F238E27FC236}">
+                <a16:creationId xmlns:a16="http://schemas.microsoft.com/office/drawing/2014/main" id="{68E0AEA7-A59E-28AE-2AD8-F001F9432856}"/>
+              </a:ext>
+            </a:extLst>
+          </p:cNvPr>
+          <p:cNvSpPr txBox="1"/>
+          <p:nvPr/>
+        </p:nvSpPr>
+        <p:spPr>
+          <a:xfrm>
+            <a:off x="5823078" y="2044423"/>
+            <a:ext cx="535445" cy="120754"/>
+          </a:xfrm>
+          <a:prstGeom prst="rect">
+            <a:avLst/>
+          </a:prstGeom>
+          <a:noFill/>
+          <a:ln w="19050">
+            <a:noFill/>
+          </a:ln>
+          <a:effectLst/>
+          <a:scene3d>
+            <a:camera prst="orthographicFront"/>
+            <a:lightRig rig="threePt" dir="t"/>
+          </a:scene3d>
+          <a:sp3d>
+            <a:bevelT prst="angle"/>
+          </a:sp3d>
+        </p:spPr>
+        <p:txBody>
+          <a:bodyPr vert="horz" wrap="square" lIns="0" tIns="0" rIns="0" bIns="0" rtlCol="0" anchor="t" anchorCtr="0">
+            <a:normAutofit fontScale="77500" lnSpcReduction="20000"/>
+          </a:bodyPr>
+          <a:lstStyle/>
+          <a:p>
+            <a:pPr algn="ctr"/>
+            <a:r>
+              <a:rPr lang="en-US" sz="800" dirty="0">
+                <a:solidFill>
+                  <a:schemeClr val="bg1"/>
+                </a:solidFill>
+              </a:rPr>
+              <a:t>SD-CARD-BANK</a:t>
+            </a:r>
+          </a:p>
+        </p:txBody>
+      </p:sp>
+      <p:cxnSp>
+        <p:nvCxnSpPr>
+          <p:cNvPr id="120" name="Straight Arrow Connector 119">
+            <a:extLst>
+              <a:ext uri="{FF2B5EF4-FFF2-40B4-BE49-F238E27FC236}">
+                <a16:creationId xmlns:a16="http://schemas.microsoft.com/office/drawing/2014/main" id="{976E852D-7DA1-464E-22DB-181FE5CCB203}"/>
+              </a:ext>
+            </a:extLst>
+          </p:cNvPr>
+          <p:cNvCxnSpPr>
+            <a:cxnSpLocks/>
+          </p:cNvCxnSpPr>
+          <p:nvPr/>
+        </p:nvCxnSpPr>
+        <p:spPr>
+          <a:xfrm flipV="1">
+            <a:off x="6072434" y="2999738"/>
+            <a:ext cx="0" cy="50014"/>
+          </a:xfrm>
+          <a:prstGeom prst="straightConnector1">
+            <a:avLst/>
+          </a:prstGeom>
+          <a:ln w="19050">
+            <a:solidFill>
+              <a:schemeClr val="tx2"/>
+            </a:solidFill>
+            <a:tailEnd type="triangle"/>
+          </a:ln>
+          <a:effectLst/>
+          <a:scene3d>
+            <a:camera prst="orthographicFront"/>
+            <a:lightRig rig="threePt" dir="t"/>
+          </a:scene3d>
+          <a:sp3d>
+            <a:bevelT prst="angle"/>
+          </a:sp3d>
+        </p:spPr>
+        <p:style>
+          <a:lnRef idx="2">
+            <a:schemeClr val="accent1"/>
+          </a:lnRef>
+          <a:fillRef idx="0">
+            <a:schemeClr val="accent1"/>
+          </a:fillRef>
+          <a:effectRef idx="1">
+            <a:schemeClr val="accent1"/>
+          </a:effectRef>
+          <a:fontRef idx="minor">
+            <a:schemeClr val="tx1"/>
+          </a:fontRef>
+        </p:style>
+      </p:cxnSp>
+      <p:sp>
+        <p:nvSpPr>
+          <p:cNvPr id="131" name="TextBox 130">
+            <a:extLst>
+              <a:ext uri="{FF2B5EF4-FFF2-40B4-BE49-F238E27FC236}">
+                <a16:creationId xmlns:a16="http://schemas.microsoft.com/office/drawing/2014/main" id="{0B3C2EC4-B3C6-FE5B-89B9-8502E1D00A2D}"/>
+              </a:ext>
+            </a:extLst>
+          </p:cNvPr>
+          <p:cNvSpPr txBox="1"/>
+          <p:nvPr/>
+        </p:nvSpPr>
+        <p:spPr>
+          <a:xfrm>
+            <a:off x="5202252" y="4561599"/>
+            <a:ext cx="704685" cy="147846"/>
+          </a:xfrm>
+          <a:prstGeom prst="rect">
+            <a:avLst/>
+          </a:prstGeom>
+          <a:noFill/>
+          <a:ln w="19050">
+            <a:noFill/>
+          </a:ln>
+          <a:effectLst/>
+          <a:scene3d>
+            <a:camera prst="orthographicFront"/>
+            <a:lightRig rig="threePt" dir="t"/>
+          </a:scene3d>
+          <a:sp3d>
+            <a:bevelT prst="angle"/>
+          </a:sp3d>
+        </p:spPr>
+        <p:txBody>
+          <a:bodyPr vert="horz" wrap="square" lIns="0" tIns="0" rIns="0" bIns="0" rtlCol="0" anchor="t" anchorCtr="0">
+            <a:noAutofit/>
+          </a:bodyPr>
+          <a:lstStyle/>
+          <a:p>
+            <a:pPr algn="l"/>
+            <a:r>
+              <a:rPr lang="en-US" sz="800" dirty="0" err="1">
+                <a:solidFill>
+                  <a:schemeClr val="bg1"/>
+                </a:solidFill>
+              </a:rPr>
+              <a:t>uC</a:t>
+            </a:r>
+            <a:r>
+              <a:rPr lang="en-US" sz="800" dirty="0">
+                <a:solidFill>
+                  <a:schemeClr val="bg1"/>
+                </a:solidFill>
+              </a:rPr>
+              <a:t> MAX32666</a:t>
+            </a:r>
+          </a:p>
+        </p:txBody>
+      </p:sp>
+      <p:sp>
+        <p:nvSpPr>
+          <p:cNvPr id="134" name="TextBox 133">
+            <a:extLst>
+              <a:ext uri="{FF2B5EF4-FFF2-40B4-BE49-F238E27FC236}">
+                <a16:creationId xmlns:a16="http://schemas.microsoft.com/office/drawing/2014/main" id="{8E77DC06-88E5-1CF8-BDE2-82265925C771}"/>
+              </a:ext>
+            </a:extLst>
+          </p:cNvPr>
+          <p:cNvSpPr txBox="1"/>
+          <p:nvPr/>
+        </p:nvSpPr>
+        <p:spPr>
+          <a:xfrm>
+            <a:off x="2705869" y="3589825"/>
+            <a:ext cx="424669" cy="218240"/>
+          </a:xfrm>
+          <a:prstGeom prst="rect">
+            <a:avLst/>
+          </a:prstGeom>
+          <a:noFill/>
+          <a:ln w="19050">
+            <a:noFill/>
+          </a:ln>
+          <a:effectLst/>
+        </p:spPr>
+        <p:txBody>
+          <a:bodyPr vert="horz" wrap="square" lIns="0" tIns="0" rIns="0" bIns="0" rtlCol="0" anchor="t" anchorCtr="0">
+            <a:noAutofit/>
+          </a:bodyPr>
+          <a:lstStyle/>
+          <a:p>
+            <a:pPr algn="ctr"/>
+            <a:r>
+              <a:rPr lang="en-US" sz="800" dirty="0">
+                <a:solidFill>
+                  <a:schemeClr val="bg1"/>
+                </a:solidFill>
+              </a:rPr>
+              <a:t>AD4630</a:t>
+            </a:r>
+          </a:p>
+        </p:txBody>
+      </p:sp>
+      <p:cxnSp>
+        <p:nvCxnSpPr>
+          <p:cNvPr id="135" name="Straight Arrow Connector 134">
+            <a:extLst>
+              <a:ext uri="{FF2B5EF4-FFF2-40B4-BE49-F238E27FC236}">
+                <a16:creationId xmlns:a16="http://schemas.microsoft.com/office/drawing/2014/main" id="{7507BFD1-B80B-E729-5E1B-D591BF86802F}"/>
+              </a:ext>
+            </a:extLst>
+          </p:cNvPr>
+          <p:cNvCxnSpPr>
+            <a:cxnSpLocks/>
+          </p:cNvCxnSpPr>
+          <p:nvPr/>
+        </p:nvCxnSpPr>
+        <p:spPr>
+          <a:xfrm flipH="1">
+            <a:off x="3764751" y="3592641"/>
+            <a:ext cx="69488" cy="0"/>
+          </a:xfrm>
+          <a:prstGeom prst="straightConnector1">
+            <a:avLst/>
+          </a:prstGeom>
+          <a:ln w="19050">
+            <a:solidFill>
+              <a:schemeClr val="accent3">
+                <a:lumMod val="75000"/>
+              </a:schemeClr>
+            </a:solidFill>
+            <a:tailEnd type="triangle"/>
+          </a:ln>
+          <a:effectLst/>
+          <a:scene3d>
+            <a:camera prst="orthographicFront"/>
+            <a:lightRig rig="threePt" dir="t"/>
+          </a:scene3d>
+          <a:sp3d>
+            <a:bevelT prst="angle"/>
+          </a:sp3d>
+        </p:spPr>
+        <p:style>
+          <a:lnRef idx="2">
+            <a:schemeClr val="accent1"/>
+          </a:lnRef>
+          <a:fillRef idx="0">
+            <a:schemeClr val="accent1"/>
+          </a:fillRef>
+          <a:effectRef idx="1">
+            <a:schemeClr val="accent1"/>
+          </a:effectRef>
+          <a:fontRef idx="minor">
+            <a:schemeClr val="tx1"/>
+          </a:fontRef>
+        </p:style>
+      </p:cxnSp>
+      <p:cxnSp>
+        <p:nvCxnSpPr>
+          <p:cNvPr id="137" name="Straight Arrow Connector 136">
+            <a:extLst>
+              <a:ext uri="{FF2B5EF4-FFF2-40B4-BE49-F238E27FC236}">
+                <a16:creationId xmlns:a16="http://schemas.microsoft.com/office/drawing/2014/main" id="{B920981E-D75F-CD39-01A9-9BDE1D3146FE}"/>
+              </a:ext>
+            </a:extLst>
+          </p:cNvPr>
+          <p:cNvCxnSpPr>
+            <a:cxnSpLocks/>
+          </p:cNvCxnSpPr>
+          <p:nvPr/>
+        </p:nvCxnSpPr>
+        <p:spPr>
+          <a:xfrm>
+            <a:off x="3850114" y="3592641"/>
+            <a:ext cx="67037" cy="0"/>
+          </a:xfrm>
+          <a:prstGeom prst="straightConnector1">
+            <a:avLst/>
+          </a:prstGeom>
+          <a:ln w="19050">
+            <a:solidFill>
+              <a:schemeClr val="accent3">
+                <a:lumMod val="75000"/>
+              </a:schemeClr>
+            </a:solidFill>
+            <a:tailEnd type="triangle"/>
+          </a:ln>
+          <a:effectLst/>
+          <a:scene3d>
+            <a:camera prst="orthographicFront"/>
+            <a:lightRig rig="threePt" dir="t"/>
+          </a:scene3d>
+          <a:sp3d>
+            <a:bevelT prst="angle"/>
+          </a:sp3d>
+        </p:spPr>
+        <p:style>
+          <a:lnRef idx="2">
+            <a:schemeClr val="accent1"/>
+          </a:lnRef>
+          <a:fillRef idx="0">
+            <a:schemeClr val="accent1"/>
+          </a:fillRef>
+          <a:effectRef idx="1">
+            <a:schemeClr val="accent1"/>
+          </a:effectRef>
+          <a:fontRef idx="minor">
+            <a:schemeClr val="tx1"/>
+          </a:fontRef>
+        </p:style>
+      </p:cxnSp>
+      <p:cxnSp>
+        <p:nvCxnSpPr>
+          <p:cNvPr id="143" name="Straight Arrow Connector 142">
+            <a:extLst>
+              <a:ext uri="{FF2B5EF4-FFF2-40B4-BE49-F238E27FC236}">
+                <a16:creationId xmlns:a16="http://schemas.microsoft.com/office/drawing/2014/main" id="{E5E3F7EB-EB1B-C636-AD17-33345D37E78B}"/>
+              </a:ext>
+            </a:extLst>
+          </p:cNvPr>
+          <p:cNvCxnSpPr>
+            <a:cxnSpLocks/>
+          </p:cNvCxnSpPr>
+          <p:nvPr/>
+        </p:nvCxnSpPr>
+        <p:spPr>
+          <a:xfrm flipH="1">
+            <a:off x="3759195" y="3708524"/>
+            <a:ext cx="69488" cy="0"/>
+          </a:xfrm>
+          <a:prstGeom prst="straightConnector1">
+            <a:avLst/>
+          </a:prstGeom>
+          <a:ln w="19050">
+            <a:solidFill>
+              <a:schemeClr val="accent3">
+                <a:lumMod val="75000"/>
+              </a:schemeClr>
+            </a:solidFill>
+            <a:tailEnd type="triangle"/>
+          </a:ln>
+          <a:effectLst/>
+          <a:scene3d>
+            <a:camera prst="orthographicFront"/>
+            <a:lightRig rig="threePt" dir="t"/>
+          </a:scene3d>
+          <a:sp3d>
+            <a:bevelT prst="angle"/>
+          </a:sp3d>
+        </p:spPr>
+        <p:style>
+          <a:lnRef idx="2">
+            <a:schemeClr val="accent1"/>
+          </a:lnRef>
+          <a:fillRef idx="0">
+            <a:schemeClr val="accent1"/>
+          </a:fillRef>
+          <a:effectRef idx="1">
+            <a:schemeClr val="accent1"/>
+          </a:effectRef>
+          <a:fontRef idx="minor">
+            <a:schemeClr val="tx1"/>
+          </a:fontRef>
+        </p:style>
+      </p:cxnSp>
+      <p:cxnSp>
+        <p:nvCxnSpPr>
+          <p:cNvPr id="144" name="Straight Arrow Connector 143">
+            <a:extLst>
+              <a:ext uri="{FF2B5EF4-FFF2-40B4-BE49-F238E27FC236}">
+                <a16:creationId xmlns:a16="http://schemas.microsoft.com/office/drawing/2014/main" id="{606CA05F-CD14-1C57-810D-AFD4D85E091B}"/>
+              </a:ext>
+            </a:extLst>
+          </p:cNvPr>
+          <p:cNvCxnSpPr>
+            <a:cxnSpLocks/>
+          </p:cNvCxnSpPr>
+          <p:nvPr/>
+        </p:nvCxnSpPr>
+        <p:spPr>
+          <a:xfrm>
+            <a:off x="3854084" y="3708524"/>
+            <a:ext cx="67037" cy="0"/>
+          </a:xfrm>
+          <a:prstGeom prst="straightConnector1">
+            <a:avLst/>
+          </a:prstGeom>
+          <a:ln w="19050">
+            <a:solidFill>
+              <a:schemeClr val="accent3">
+                <a:lumMod val="75000"/>
+              </a:schemeClr>
+            </a:solidFill>
+            <a:tailEnd type="triangle"/>
+          </a:ln>
+          <a:effectLst/>
+          <a:scene3d>
+            <a:camera prst="orthographicFront"/>
+            <a:lightRig rig="threePt" dir="t"/>
+          </a:scene3d>
+          <a:sp3d>
+            <a:bevelT prst="angle"/>
+          </a:sp3d>
+        </p:spPr>
+        <p:style>
+          <a:lnRef idx="2">
+            <a:schemeClr val="accent1"/>
+          </a:lnRef>
+          <a:fillRef idx="0">
+            <a:schemeClr val="accent1"/>
+          </a:fillRef>
+          <a:effectRef idx="1">
+            <a:schemeClr val="accent1"/>
+          </a:effectRef>
+          <a:fontRef idx="minor">
+            <a:schemeClr val="tx1"/>
+          </a:fontRef>
+        </p:style>
+      </p:cxnSp>
+      <p:cxnSp>
+        <p:nvCxnSpPr>
+          <p:cNvPr id="145" name="Straight Arrow Connector 144">
+            <a:extLst>
+              <a:ext uri="{FF2B5EF4-FFF2-40B4-BE49-F238E27FC236}">
+                <a16:creationId xmlns:a16="http://schemas.microsoft.com/office/drawing/2014/main" id="{569964A7-3DA9-5D05-4168-C920F9D54433}"/>
+              </a:ext>
+            </a:extLst>
+          </p:cNvPr>
+          <p:cNvCxnSpPr>
+            <a:cxnSpLocks/>
+          </p:cNvCxnSpPr>
+          <p:nvPr/>
+        </p:nvCxnSpPr>
+        <p:spPr>
+          <a:xfrm>
+            <a:off x="6180438" y="4825706"/>
+            <a:ext cx="0" cy="67162"/>
+          </a:xfrm>
+          <a:prstGeom prst="straightConnector1">
+            <a:avLst/>
+          </a:prstGeom>
+          <a:ln w="19050">
+            <a:solidFill>
+              <a:srgbClr val="00B050"/>
+            </a:solidFill>
+            <a:tailEnd type="triangle"/>
+          </a:ln>
+          <a:effectLst/>
+          <a:scene3d>
+            <a:camera prst="orthographicFront"/>
+            <a:lightRig rig="threePt" dir="t"/>
+          </a:scene3d>
+          <a:sp3d>
+            <a:bevelT prst="angle"/>
+          </a:sp3d>
+        </p:spPr>
+        <p:style>
+          <a:lnRef idx="2">
+            <a:schemeClr val="accent1"/>
+          </a:lnRef>
+          <a:fillRef idx="0">
+            <a:schemeClr val="accent1"/>
+          </a:fillRef>
+          <a:effectRef idx="1">
+            <a:schemeClr val="accent1"/>
+          </a:effectRef>
+          <a:fontRef idx="minor">
+            <a:schemeClr val="tx1"/>
+          </a:fontRef>
+        </p:style>
+      </p:cxnSp>
+      <p:cxnSp>
+        <p:nvCxnSpPr>
+          <p:cNvPr id="210" name="Straight Arrow Connector 209">
+            <a:extLst>
+              <a:ext uri="{FF2B5EF4-FFF2-40B4-BE49-F238E27FC236}">
+                <a16:creationId xmlns:a16="http://schemas.microsoft.com/office/drawing/2014/main" id="{00DB3EF4-A152-9858-24FF-7FF0D3EC8E4C}"/>
+              </a:ext>
+            </a:extLst>
+          </p:cNvPr>
+          <p:cNvCxnSpPr>
+            <a:cxnSpLocks/>
+          </p:cNvCxnSpPr>
+          <p:nvPr/>
+        </p:nvCxnSpPr>
+        <p:spPr>
+          <a:xfrm flipH="1">
+            <a:off x="6684512" y="3731036"/>
+            <a:ext cx="69488" cy="0"/>
+          </a:xfrm>
+          <a:prstGeom prst="straightConnector1">
+            <a:avLst/>
+          </a:prstGeom>
+          <a:ln w="19050">
+            <a:solidFill>
+              <a:schemeClr val="accent6"/>
+            </a:solidFill>
+            <a:tailEnd type="triangle"/>
+          </a:ln>
+          <a:effectLst/>
+          <a:scene3d>
+            <a:camera prst="orthographicFront"/>
+            <a:lightRig rig="threePt" dir="t"/>
+          </a:scene3d>
+          <a:sp3d>
+            <a:bevelT prst="angle"/>
+          </a:sp3d>
+        </p:spPr>
+        <p:style>
+          <a:lnRef idx="2">
+            <a:schemeClr val="accent1"/>
+          </a:lnRef>
+          <a:fillRef idx="0">
+            <a:schemeClr val="accent1"/>
+          </a:fillRef>
+          <a:effectRef idx="1">
+            <a:schemeClr val="accent1"/>
+          </a:effectRef>
+          <a:fontRef idx="minor">
+            <a:schemeClr val="tx1"/>
+          </a:fontRef>
+        </p:style>
+      </p:cxnSp>
+      <p:cxnSp>
+        <p:nvCxnSpPr>
+          <p:cNvPr id="211" name="Straight Arrow Connector 210">
+            <a:extLst>
+              <a:ext uri="{FF2B5EF4-FFF2-40B4-BE49-F238E27FC236}">
+                <a16:creationId xmlns:a16="http://schemas.microsoft.com/office/drawing/2014/main" id="{6FDA0622-1486-870C-21D4-E037D59621FD}"/>
+              </a:ext>
+            </a:extLst>
+          </p:cNvPr>
+          <p:cNvCxnSpPr>
+            <a:cxnSpLocks/>
+          </p:cNvCxnSpPr>
+          <p:nvPr/>
+        </p:nvCxnSpPr>
+        <p:spPr>
+          <a:xfrm>
+            <a:off x="6769875" y="3731036"/>
+            <a:ext cx="67037" cy="0"/>
+          </a:xfrm>
+          <a:prstGeom prst="straightConnector1">
+            <a:avLst/>
+          </a:prstGeom>
+          <a:ln w="19050">
+            <a:solidFill>
+              <a:schemeClr val="accent6"/>
+            </a:solidFill>
+            <a:tailEnd type="triangle"/>
+          </a:ln>
+          <a:effectLst/>
+          <a:scene3d>
+            <a:camera prst="orthographicFront"/>
+            <a:lightRig rig="threePt" dir="t"/>
+          </a:scene3d>
+          <a:sp3d>
+            <a:bevelT prst="angle"/>
+          </a:sp3d>
+        </p:spPr>
+        <p:style>
+          <a:lnRef idx="2">
+            <a:schemeClr val="accent1"/>
+          </a:lnRef>
+          <a:fillRef idx="0">
+            <a:schemeClr val="accent1"/>
+          </a:fillRef>
+          <a:effectRef idx="1">
+            <a:schemeClr val="accent1"/>
+          </a:effectRef>
+          <a:fontRef idx="minor">
+            <a:schemeClr val="tx1"/>
+          </a:fontRef>
+        </p:style>
+      </p:cxnSp>
+      <p:cxnSp>
+        <p:nvCxnSpPr>
+          <p:cNvPr id="216" name="Straight Arrow Connector 215">
+            <a:extLst>
+              <a:ext uri="{FF2B5EF4-FFF2-40B4-BE49-F238E27FC236}">
+                <a16:creationId xmlns:a16="http://schemas.microsoft.com/office/drawing/2014/main" id="{E37C7A0D-5099-181C-ABDF-177646F49A06}"/>
+              </a:ext>
+            </a:extLst>
+          </p:cNvPr>
+          <p:cNvCxnSpPr>
+            <a:cxnSpLocks/>
+          </p:cNvCxnSpPr>
+          <p:nvPr/>
+        </p:nvCxnSpPr>
+        <p:spPr>
+          <a:xfrm flipH="1">
+            <a:off x="7841903" y="3731020"/>
+            <a:ext cx="69488" cy="0"/>
+          </a:xfrm>
+          <a:prstGeom prst="straightConnector1">
+            <a:avLst/>
+          </a:prstGeom>
+          <a:ln w="19050">
+            <a:solidFill>
+              <a:schemeClr val="accent6"/>
+            </a:solidFill>
+            <a:tailEnd type="triangle"/>
+          </a:ln>
+          <a:effectLst/>
+          <a:scene3d>
+            <a:camera prst="orthographicFront"/>
+            <a:lightRig rig="threePt" dir="t"/>
+          </a:scene3d>
+          <a:sp3d>
+            <a:bevelT prst="angle"/>
+          </a:sp3d>
+        </p:spPr>
+        <p:style>
+          <a:lnRef idx="2">
+            <a:schemeClr val="accent1"/>
+          </a:lnRef>
+          <a:fillRef idx="0">
+            <a:schemeClr val="accent1"/>
+          </a:fillRef>
+          <a:effectRef idx="1">
+            <a:schemeClr val="accent1"/>
+          </a:effectRef>
+          <a:fontRef idx="minor">
+            <a:schemeClr val="tx1"/>
+          </a:fontRef>
+        </p:style>
+      </p:cxnSp>
+      <p:cxnSp>
+        <p:nvCxnSpPr>
+          <p:cNvPr id="217" name="Straight Arrow Connector 216">
+            <a:extLst>
+              <a:ext uri="{FF2B5EF4-FFF2-40B4-BE49-F238E27FC236}">
+                <a16:creationId xmlns:a16="http://schemas.microsoft.com/office/drawing/2014/main" id="{2C8AEB8D-112B-3357-58B8-C259697D0183}"/>
+              </a:ext>
+            </a:extLst>
+          </p:cNvPr>
+          <p:cNvCxnSpPr>
+            <a:cxnSpLocks/>
+          </p:cNvCxnSpPr>
+          <p:nvPr/>
+        </p:nvCxnSpPr>
+        <p:spPr>
+          <a:xfrm>
+            <a:off x="7927266" y="3731020"/>
+            <a:ext cx="67037" cy="0"/>
+          </a:xfrm>
+          <a:prstGeom prst="straightConnector1">
+            <a:avLst/>
+          </a:prstGeom>
+          <a:ln w="19050">
+            <a:solidFill>
+              <a:schemeClr val="accent6"/>
+            </a:solidFill>
+            <a:tailEnd type="triangle"/>
+          </a:ln>
+          <a:effectLst/>
+          <a:scene3d>
+            <a:camera prst="orthographicFront"/>
+            <a:lightRig rig="threePt" dir="t"/>
+          </a:scene3d>
+          <a:sp3d>
+            <a:bevelT prst="angle"/>
+          </a:sp3d>
+        </p:spPr>
+        <p:style>
+          <a:lnRef idx="2">
+            <a:schemeClr val="accent1"/>
+          </a:lnRef>
+          <a:fillRef idx="0">
+            <a:schemeClr val="accent1"/>
+          </a:fillRef>
+          <a:effectRef idx="1">
+            <a:schemeClr val="accent1"/>
+          </a:effectRef>
+          <a:fontRef idx="minor">
+            <a:schemeClr val="tx1"/>
+          </a:fontRef>
+        </p:style>
+      </p:cxnSp>
+      <p:cxnSp>
+        <p:nvCxnSpPr>
+          <p:cNvPr id="243" name="Straight Arrow Connector 242">
+            <a:extLst>
+              <a:ext uri="{FF2B5EF4-FFF2-40B4-BE49-F238E27FC236}">
+                <a16:creationId xmlns:a16="http://schemas.microsoft.com/office/drawing/2014/main" id="{8BAA549E-2170-7995-7223-FA7C4CAA94E8}"/>
+              </a:ext>
+            </a:extLst>
+          </p:cNvPr>
+          <p:cNvCxnSpPr>
+            <a:cxnSpLocks/>
+          </p:cNvCxnSpPr>
+          <p:nvPr/>
+        </p:nvCxnSpPr>
+        <p:spPr>
+          <a:xfrm flipH="1">
+            <a:off x="9273828" y="3731020"/>
+            <a:ext cx="69488" cy="0"/>
+          </a:xfrm>
+          <a:prstGeom prst="straightConnector1">
+            <a:avLst/>
+          </a:prstGeom>
+          <a:ln w="19050">
+            <a:solidFill>
+              <a:schemeClr val="accent6"/>
+            </a:solidFill>
+            <a:tailEnd type="triangle"/>
+          </a:ln>
+          <a:effectLst/>
+          <a:scene3d>
+            <a:camera prst="orthographicFront"/>
+            <a:lightRig rig="threePt" dir="t"/>
+          </a:scene3d>
+          <a:sp3d>
+            <a:bevelT prst="angle"/>
+          </a:sp3d>
+        </p:spPr>
+        <p:style>
+          <a:lnRef idx="2">
+            <a:schemeClr val="accent1"/>
+          </a:lnRef>
+          <a:fillRef idx="0">
+            <a:schemeClr val="accent1"/>
+          </a:fillRef>
+          <a:effectRef idx="1">
+            <a:schemeClr val="accent1"/>
+          </a:effectRef>
+          <a:fontRef idx="minor">
+            <a:schemeClr val="tx1"/>
+          </a:fontRef>
+        </p:style>
+      </p:cxnSp>
+      <p:cxnSp>
+        <p:nvCxnSpPr>
+          <p:cNvPr id="244" name="Straight Arrow Connector 243">
+            <a:extLst>
+              <a:ext uri="{FF2B5EF4-FFF2-40B4-BE49-F238E27FC236}">
+                <a16:creationId xmlns:a16="http://schemas.microsoft.com/office/drawing/2014/main" id="{BA91B0C8-77F1-9C4D-4DF9-A2AE4C282D66}"/>
+              </a:ext>
+            </a:extLst>
+          </p:cNvPr>
+          <p:cNvCxnSpPr>
+            <a:cxnSpLocks/>
+          </p:cNvCxnSpPr>
+          <p:nvPr/>
+        </p:nvCxnSpPr>
+        <p:spPr>
+          <a:xfrm>
+            <a:off x="9359191" y="3731020"/>
+            <a:ext cx="67037" cy="0"/>
+          </a:xfrm>
+          <a:prstGeom prst="straightConnector1">
+            <a:avLst/>
+          </a:prstGeom>
+          <a:ln w="19050">
+            <a:solidFill>
+              <a:schemeClr val="accent6"/>
+            </a:solidFill>
+            <a:tailEnd type="triangle"/>
+          </a:ln>
+          <a:effectLst/>
+          <a:scene3d>
+            <a:camera prst="orthographicFront"/>
+            <a:lightRig rig="threePt" dir="t"/>
+          </a:scene3d>
+          <a:sp3d>
+            <a:bevelT prst="angle"/>
+          </a:sp3d>
+        </p:spPr>
+        <p:style>
+          <a:lnRef idx="2">
+            <a:schemeClr val="accent1"/>
+          </a:lnRef>
+          <a:fillRef idx="0">
+            <a:schemeClr val="accent1"/>
+          </a:fillRef>
+          <a:effectRef idx="1">
+            <a:schemeClr val="accent1"/>
+          </a:effectRef>
+          <a:fontRef idx="minor">
+            <a:schemeClr val="tx1"/>
+          </a:fontRef>
+        </p:style>
+      </p:cxnSp>
+      <p:cxnSp>
+        <p:nvCxnSpPr>
+          <p:cNvPr id="249" name="Straight Arrow Connector 248">
+            <a:extLst>
+              <a:ext uri="{FF2B5EF4-FFF2-40B4-BE49-F238E27FC236}">
+                <a16:creationId xmlns:a16="http://schemas.microsoft.com/office/drawing/2014/main" id="{AC4680F0-88CC-A091-9852-DEBF520525F2}"/>
+              </a:ext>
+            </a:extLst>
+          </p:cNvPr>
+          <p:cNvCxnSpPr>
+            <a:cxnSpLocks/>
+          </p:cNvCxnSpPr>
+          <p:nvPr/>
+        </p:nvCxnSpPr>
+        <p:spPr>
+          <a:xfrm>
+            <a:off x="8737293" y="4191407"/>
+            <a:ext cx="0" cy="67162"/>
+          </a:xfrm>
+          <a:prstGeom prst="straightConnector1">
+            <a:avLst/>
+          </a:prstGeom>
+          <a:ln w="19050">
+            <a:solidFill>
+              <a:schemeClr val="accent6"/>
+            </a:solidFill>
+            <a:tailEnd type="triangle"/>
+          </a:ln>
+          <a:effectLst/>
+          <a:scene3d>
+            <a:camera prst="orthographicFront"/>
+            <a:lightRig rig="threePt" dir="t"/>
+          </a:scene3d>
+          <a:sp3d>
+            <a:bevelT prst="angle"/>
+          </a:sp3d>
+        </p:spPr>
+        <p:style>
+          <a:lnRef idx="2">
+            <a:schemeClr val="accent1"/>
+          </a:lnRef>
+          <a:fillRef idx="0">
+            <a:schemeClr val="accent1"/>
+          </a:fillRef>
+          <a:effectRef idx="1">
+            <a:schemeClr val="accent1"/>
+          </a:effectRef>
+          <a:fontRef idx="minor">
+            <a:schemeClr val="tx1"/>
+          </a:fontRef>
+        </p:style>
+      </p:cxnSp>
+      <p:cxnSp>
+        <p:nvCxnSpPr>
+          <p:cNvPr id="250" name="Straight Arrow Connector 249">
+            <a:extLst>
+              <a:ext uri="{FF2B5EF4-FFF2-40B4-BE49-F238E27FC236}">
+                <a16:creationId xmlns:a16="http://schemas.microsoft.com/office/drawing/2014/main" id="{88C6908A-6A0B-048D-49EF-5A50CADEEBA7}"/>
+              </a:ext>
+            </a:extLst>
+          </p:cNvPr>
+          <p:cNvCxnSpPr>
+            <a:cxnSpLocks/>
+          </p:cNvCxnSpPr>
+          <p:nvPr/>
+        </p:nvCxnSpPr>
+        <p:spPr>
+          <a:xfrm flipV="1">
+            <a:off x="8737293" y="4107483"/>
+            <a:ext cx="0" cy="33910"/>
+          </a:xfrm>
+          <a:prstGeom prst="straightConnector1">
+            <a:avLst/>
+          </a:prstGeom>
+          <a:ln w="19050">
+            <a:solidFill>
+              <a:schemeClr val="accent6"/>
+            </a:solidFill>
+            <a:tailEnd type="triangle"/>
+          </a:ln>
+          <a:effectLst/>
+          <a:scene3d>
+            <a:camera prst="orthographicFront"/>
+            <a:lightRig rig="threePt" dir="t"/>
+          </a:scene3d>
+          <a:sp3d>
+            <a:bevelT prst="angle"/>
+          </a:sp3d>
+        </p:spPr>
+        <p:style>
+          <a:lnRef idx="2">
+            <a:schemeClr val="accent1"/>
+          </a:lnRef>
+          <a:fillRef idx="0">
+            <a:schemeClr val="accent1"/>
+          </a:fillRef>
+          <a:effectRef idx="1">
+            <a:schemeClr val="accent1"/>
+          </a:effectRef>
+          <a:fontRef idx="minor">
+            <a:schemeClr val="tx1"/>
+          </a:fontRef>
+        </p:style>
+      </p:cxnSp>
+      <p:cxnSp>
+        <p:nvCxnSpPr>
+          <p:cNvPr id="251" name="Straight Arrow Connector 250">
+            <a:extLst>
+              <a:ext uri="{FF2B5EF4-FFF2-40B4-BE49-F238E27FC236}">
+                <a16:creationId xmlns:a16="http://schemas.microsoft.com/office/drawing/2014/main" id="{E9B669E1-173E-7F0E-52D4-ADE66F06B1C7}"/>
+              </a:ext>
+            </a:extLst>
+          </p:cNvPr>
+          <p:cNvCxnSpPr>
+            <a:cxnSpLocks/>
+          </p:cNvCxnSpPr>
+          <p:nvPr/>
+        </p:nvCxnSpPr>
+        <p:spPr>
+          <a:xfrm>
+            <a:off x="10309317" y="4224870"/>
+            <a:ext cx="0" cy="67162"/>
+          </a:xfrm>
+          <a:prstGeom prst="straightConnector1">
+            <a:avLst/>
+          </a:prstGeom>
+          <a:ln w="19050">
+            <a:solidFill>
+              <a:schemeClr val="accent6"/>
+            </a:solidFill>
+            <a:tailEnd type="triangle"/>
+          </a:ln>
+          <a:effectLst/>
+          <a:scene3d>
+            <a:camera prst="orthographicFront"/>
+            <a:lightRig rig="threePt" dir="t"/>
+          </a:scene3d>
+          <a:sp3d>
+            <a:bevelT prst="angle"/>
+          </a:sp3d>
+        </p:spPr>
+        <p:style>
+          <a:lnRef idx="2">
+            <a:schemeClr val="accent1"/>
+          </a:lnRef>
+          <a:fillRef idx="0">
+            <a:schemeClr val="accent1"/>
+          </a:fillRef>
+          <a:effectRef idx="1">
+            <a:schemeClr val="accent1"/>
+          </a:effectRef>
+          <a:fontRef idx="minor">
+            <a:schemeClr val="tx1"/>
+          </a:fontRef>
+        </p:style>
+      </p:cxnSp>
+      <p:cxnSp>
+        <p:nvCxnSpPr>
+          <p:cNvPr id="252" name="Straight Arrow Connector 251">
+            <a:extLst>
+              <a:ext uri="{FF2B5EF4-FFF2-40B4-BE49-F238E27FC236}">
+                <a16:creationId xmlns:a16="http://schemas.microsoft.com/office/drawing/2014/main" id="{064735BD-4062-2F70-4AE1-1FDB08440F1F}"/>
+              </a:ext>
+            </a:extLst>
+          </p:cNvPr>
+          <p:cNvCxnSpPr>
+            <a:cxnSpLocks/>
+          </p:cNvCxnSpPr>
+          <p:nvPr/>
+        </p:nvCxnSpPr>
+        <p:spPr>
+          <a:xfrm flipV="1">
+            <a:off x="10309317" y="4140946"/>
+            <a:ext cx="0" cy="33910"/>
+          </a:xfrm>
+          <a:prstGeom prst="straightConnector1">
+            <a:avLst/>
+          </a:prstGeom>
+          <a:ln w="19050">
+            <a:solidFill>
+              <a:schemeClr val="accent6"/>
+            </a:solidFill>
+            <a:tailEnd type="triangle"/>
+          </a:ln>
+          <a:effectLst/>
+          <a:scene3d>
+            <a:camera prst="orthographicFront"/>
+            <a:lightRig rig="threePt" dir="t"/>
+          </a:scene3d>
+          <a:sp3d>
+            <a:bevelT prst="angle"/>
+          </a:sp3d>
+        </p:spPr>
+        <p:style>
+          <a:lnRef idx="2">
+            <a:schemeClr val="accent1"/>
+          </a:lnRef>
+          <a:fillRef idx="0">
+            <a:schemeClr val="accent1"/>
+          </a:fillRef>
+          <a:effectRef idx="1">
+            <a:schemeClr val="accent1"/>
+          </a:effectRef>
+          <a:fontRef idx="minor">
+            <a:schemeClr val="tx1"/>
+          </a:fontRef>
+        </p:style>
+      </p:cxnSp>
+      <p:pic>
+        <p:nvPicPr>
+          <p:cNvPr id="254" name="Picture 253">
+            <a:extLst>
+              <a:ext uri="{FF2B5EF4-FFF2-40B4-BE49-F238E27FC236}">
+                <a16:creationId xmlns:a16="http://schemas.microsoft.com/office/drawing/2014/main" id="{8C97C0F9-E6D6-EF03-D5D5-76CBBA22944F}"/>
+              </a:ext>
+            </a:extLst>
+          </p:cNvPr>
+          <p:cNvPicPr>
+            <a:picLocks noChangeAspect="1"/>
+          </p:cNvPicPr>
+          <p:nvPr/>
+        </p:nvPicPr>
+        <p:blipFill>
+          <a:blip r:embed="rId5"/>
+          <a:stretch>
+            <a:fillRect/>
+          </a:stretch>
+        </p:blipFill>
+        <p:spPr>
+          <a:xfrm>
+            <a:off x="5977883" y="5373181"/>
+            <a:ext cx="378993" cy="414898"/>
+          </a:xfrm>
+          <a:prstGeom prst="rect">
+            <a:avLst/>
+          </a:prstGeom>
+          <a:ln w="19050">
+            <a:noFill/>
+          </a:ln>
+          <a:effectLst/>
+        </p:spPr>
+      </p:pic>
+      <p:cxnSp>
+        <p:nvCxnSpPr>
+          <p:cNvPr id="263" name="Straight Arrow Connector 262">
+            <a:extLst>
+              <a:ext uri="{FF2B5EF4-FFF2-40B4-BE49-F238E27FC236}">
+                <a16:creationId xmlns:a16="http://schemas.microsoft.com/office/drawing/2014/main" id="{383CBF4D-6BC6-2E64-F8ED-A890E74C2C15}"/>
+              </a:ext>
+            </a:extLst>
+          </p:cNvPr>
+          <p:cNvCxnSpPr>
+            <a:cxnSpLocks/>
+          </p:cNvCxnSpPr>
+          <p:nvPr/>
+        </p:nvCxnSpPr>
+        <p:spPr>
+          <a:xfrm flipH="1" flipV="1">
+            <a:off x="4902185" y="4826000"/>
+            <a:ext cx="1306" cy="515222"/>
+          </a:xfrm>
+          <a:prstGeom prst="straightConnector1">
+            <a:avLst/>
+          </a:prstGeom>
+          <a:ln w="19050">
+            <a:solidFill>
+              <a:schemeClr val="tx1"/>
+            </a:solidFill>
+            <a:headEnd type="triangle" w="med" len="med"/>
+            <a:tailEnd type="none" w="med" len="med"/>
+          </a:ln>
+          <a:effectLst/>
+          <a:scene3d>
+            <a:camera prst="orthographicFront"/>
+            <a:lightRig rig="threePt" dir="t"/>
+          </a:scene3d>
+          <a:sp3d>
+            <a:bevelT prst="angle"/>
+          </a:sp3d>
+        </p:spPr>
+        <p:style>
+          <a:lnRef idx="2">
+            <a:schemeClr val="accent1"/>
+          </a:lnRef>
+          <a:fillRef idx="0">
+            <a:schemeClr val="accent1"/>
+          </a:fillRef>
+          <a:effectRef idx="1">
+            <a:schemeClr val="accent1"/>
+          </a:effectRef>
+          <a:fontRef idx="minor">
+            <a:schemeClr val="tx1"/>
+          </a:fontRef>
+        </p:style>
+      </p:cxnSp>
+      <p:sp>
+        <p:nvSpPr>
+          <p:cNvPr id="264" name="TextBox 263">
+            <a:extLst>
+              <a:ext uri="{FF2B5EF4-FFF2-40B4-BE49-F238E27FC236}">
+                <a16:creationId xmlns:a16="http://schemas.microsoft.com/office/drawing/2014/main" id="{E47884EA-C218-C3AF-FCF3-ED092301ED14}"/>
+              </a:ext>
+            </a:extLst>
+          </p:cNvPr>
+          <p:cNvSpPr txBox="1"/>
+          <p:nvPr/>
+        </p:nvSpPr>
+        <p:spPr>
+          <a:xfrm>
+            <a:off x="4928039" y="4917040"/>
+            <a:ext cx="581986" cy="218240"/>
+          </a:xfrm>
+          <a:prstGeom prst="rect">
+            <a:avLst/>
+          </a:prstGeom>
+          <a:ln w="19050">
+            <a:noFill/>
+          </a:ln>
+          <a:effectLst/>
+          <a:scene3d>
+            <a:camera prst="orthographicFront"/>
+            <a:lightRig rig="threePt" dir="t"/>
+          </a:scene3d>
+          <a:sp3d>
+            <a:bevelT prst="angle"/>
+          </a:sp3d>
+        </p:spPr>
+        <p:txBody>
+          <a:bodyPr vert="horz" wrap="square" lIns="0" tIns="0" rIns="0" bIns="0" rtlCol="0" anchor="t" anchorCtr="0">
+            <a:noAutofit/>
+          </a:bodyPr>
+          <a:lstStyle/>
+          <a:p>
+            <a:pPr algn="l"/>
+            <a:r>
+              <a:rPr lang="en-US" sz="800"/>
+              <a:t>GPIO</a:t>
+            </a:r>
+            <a:r>
+              <a:rPr lang="en-US" sz="900"/>
+              <a:t> Control</a:t>
+            </a:r>
+          </a:p>
+        </p:txBody>
+      </p:sp>
+      <p:cxnSp>
+        <p:nvCxnSpPr>
+          <p:cNvPr id="265" name="Straight Arrow Connector 264">
+            <a:extLst>
+              <a:ext uri="{FF2B5EF4-FFF2-40B4-BE49-F238E27FC236}">
+                <a16:creationId xmlns:a16="http://schemas.microsoft.com/office/drawing/2014/main" id="{03805CE2-05D2-9ECF-05DF-50641029C6E2}"/>
+              </a:ext>
+            </a:extLst>
+          </p:cNvPr>
+          <p:cNvCxnSpPr>
+            <a:cxnSpLocks/>
+          </p:cNvCxnSpPr>
+          <p:nvPr/>
+        </p:nvCxnSpPr>
+        <p:spPr>
+          <a:xfrm>
+            <a:off x="4902185" y="4825706"/>
+            <a:ext cx="0" cy="67162"/>
+          </a:xfrm>
+          <a:prstGeom prst="straightConnector1">
+            <a:avLst/>
+          </a:prstGeom>
+          <a:ln w="19050">
+            <a:solidFill>
+              <a:schemeClr val="accent3"/>
+            </a:solidFill>
+            <a:tailEnd type="triangle"/>
+          </a:ln>
+          <a:effectLst/>
+          <a:scene3d>
+            <a:camera prst="orthographicFront"/>
+            <a:lightRig rig="threePt" dir="t"/>
+          </a:scene3d>
+          <a:sp3d>
+            <a:bevelT prst="angle"/>
+          </a:sp3d>
+        </p:spPr>
+        <p:style>
+          <a:lnRef idx="2">
+            <a:schemeClr val="accent1"/>
+          </a:lnRef>
+          <a:fillRef idx="0">
+            <a:schemeClr val="accent1"/>
+          </a:fillRef>
+          <a:effectRef idx="1">
+            <a:schemeClr val="accent1"/>
+          </a:effectRef>
+          <a:fontRef idx="minor">
+            <a:schemeClr val="tx1"/>
+          </a:fontRef>
+        </p:style>
+      </p:cxnSp>
+      <p:grpSp>
+        <p:nvGrpSpPr>
+          <p:cNvPr id="279" name="Group 278">
+            <a:extLst>
+              <a:ext uri="{FF2B5EF4-FFF2-40B4-BE49-F238E27FC236}">
+                <a16:creationId xmlns:a16="http://schemas.microsoft.com/office/drawing/2014/main" id="{2330837A-0A39-C58B-1D68-87365500AF8E}"/>
+              </a:ext>
+            </a:extLst>
+          </p:cNvPr>
+          <p:cNvGrpSpPr/>
+          <p:nvPr/>
+        </p:nvGrpSpPr>
+        <p:grpSpPr>
+          <a:xfrm>
+            <a:off x="4649276" y="5437652"/>
+            <a:ext cx="372925" cy="374886"/>
+            <a:chOff x="8207375" y="1486102"/>
+            <a:chExt cx="829536" cy="374886"/>
+          </a:xfrm>
+          <a:solidFill>
+            <a:schemeClr val="bg1"/>
+          </a:solidFill>
+          <a:effectLst/>
+        </p:grpSpPr>
+        <p:sp>
+          <p:nvSpPr>
+            <p:cNvPr id="268" name="Isosceles Triangle 267">
+              <a:extLst>
+                <a:ext uri="{FF2B5EF4-FFF2-40B4-BE49-F238E27FC236}">
+                  <a16:creationId xmlns:a16="http://schemas.microsoft.com/office/drawing/2014/main" id="{99F78422-82D9-F557-5C1C-34CB157B37F4}"/>
+                </a:ext>
+              </a:extLst>
+            </p:cNvPr>
+            <p:cNvSpPr/>
+            <p:nvPr/>
+          </p:nvSpPr>
+          <p:spPr>
+            <a:xfrm rot="5400000">
+              <a:off x="8458200" y="1558945"/>
+              <a:ext cx="327886" cy="276200"/>
+            </a:xfrm>
+            <a:prstGeom prst="triangle">
+              <a:avLst/>
+            </a:prstGeom>
+            <a:grpFill/>
+            <a:ln w="19050">
+              <a:solidFill>
+                <a:schemeClr val="bg1"/>
+              </a:solidFill>
+              <a:miter lim="800000"/>
+            </a:ln>
+            <a:effectLst/>
+          </p:spPr>
+          <p:style>
+            <a:lnRef idx="1">
+              <a:schemeClr val="accent1"/>
+            </a:lnRef>
+            <a:fillRef idx="3">
+              <a:schemeClr val="accent1"/>
+            </a:fillRef>
+            <a:effectRef idx="2">
+              <a:schemeClr val="accent1"/>
+            </a:effectRef>
+            <a:fontRef idx="minor">
+              <a:schemeClr val="lt1"/>
+            </a:fontRef>
+          </p:style>
+          <p:txBody>
+            <a:bodyPr rtlCol="0" anchor="ctr"/>
+            <a:lstStyle/>
+            <a:p>
+              <a:pPr algn="l" defTabSz="457200">
+                <a:spcBef>
+                  <a:spcPts val="600"/>
+                </a:spcBef>
+                <a:spcAft>
+                  <a:spcPts val="800"/>
+                </a:spcAft>
+                <a:buClr>
+                  <a:schemeClr val="accent1"/>
+                </a:buClr>
+                <a:buSzPct val="70000"/>
+              </a:pPr>
+              <a:endParaRPr lang="en-US" err="1">
+                <a:solidFill>
+                  <a:srgbClr val="000000"/>
+                </a:solidFill>
+                <a:latin typeface="Barlow" pitchFamily="2" charset="77"/>
+                <a:cs typeface="Arial" panose="020B0604020202020204" pitchFamily="34" charset="0"/>
+              </a:endParaRPr>
+            </a:p>
+          </p:txBody>
+        </p:sp>
+        <p:cxnSp>
+          <p:nvCxnSpPr>
+            <p:cNvPr id="270" name="Straight Connector 269">
+              <a:extLst>
+                <a:ext uri="{FF2B5EF4-FFF2-40B4-BE49-F238E27FC236}">
+                  <a16:creationId xmlns:a16="http://schemas.microsoft.com/office/drawing/2014/main" id="{1E9A2BE1-0170-F27D-7B97-CDE6EA00E41E}"/>
+                </a:ext>
+              </a:extLst>
+            </p:cNvPr>
+            <p:cNvCxnSpPr>
+              <a:cxnSpLocks/>
+              <a:endCxn id="268" idx="3"/>
+            </p:cNvCxnSpPr>
+            <p:nvPr/>
+          </p:nvCxnSpPr>
+          <p:spPr>
+            <a:xfrm>
+              <a:off x="8207375" y="1697045"/>
+              <a:ext cx="276668" cy="0"/>
+            </a:xfrm>
+            <a:prstGeom prst="line">
+              <a:avLst/>
+            </a:prstGeom>
+            <a:grpFill/>
+            <a:ln w="19050">
+              <a:solidFill>
+                <a:schemeClr val="bg1"/>
+              </a:solidFill>
+            </a:ln>
+            <a:effectLst/>
+          </p:spPr>
+          <p:style>
+            <a:lnRef idx="2">
+              <a:schemeClr val="accent1"/>
+            </a:lnRef>
+            <a:fillRef idx="0">
+              <a:schemeClr val="accent1"/>
+            </a:fillRef>
+            <a:effectRef idx="1">
+              <a:schemeClr val="accent1"/>
+            </a:effectRef>
+            <a:fontRef idx="minor">
+              <a:schemeClr val="tx1"/>
+            </a:fontRef>
+          </p:style>
+        </p:cxnSp>
+        <p:cxnSp>
+          <p:nvCxnSpPr>
+            <p:cNvPr id="272" name="Straight Connector 271">
+              <a:extLst>
+                <a:ext uri="{FF2B5EF4-FFF2-40B4-BE49-F238E27FC236}">
+                  <a16:creationId xmlns:a16="http://schemas.microsoft.com/office/drawing/2014/main" id="{218112F1-CAB2-69A6-2F62-C1247CAA2B3C}"/>
+                </a:ext>
+              </a:extLst>
+            </p:cNvPr>
+            <p:cNvCxnSpPr>
+              <a:cxnSpLocks/>
+            </p:cNvCxnSpPr>
+            <p:nvPr/>
+          </p:nvCxnSpPr>
+          <p:spPr>
+            <a:xfrm>
+              <a:off x="8760243" y="1697045"/>
+              <a:ext cx="276668" cy="0"/>
+            </a:xfrm>
+            <a:prstGeom prst="line">
+              <a:avLst/>
+            </a:prstGeom>
+            <a:grpFill/>
+            <a:ln w="19050">
+              <a:solidFill>
+                <a:schemeClr val="bg1"/>
+              </a:solidFill>
+            </a:ln>
+            <a:effectLst/>
+          </p:spPr>
+          <p:style>
+            <a:lnRef idx="2">
+              <a:schemeClr val="accent1"/>
+            </a:lnRef>
+            <a:fillRef idx="0">
+              <a:schemeClr val="accent1"/>
+            </a:fillRef>
+            <a:effectRef idx="1">
+              <a:schemeClr val="accent1"/>
+            </a:effectRef>
+            <a:fontRef idx="minor">
+              <a:schemeClr val="tx1"/>
+            </a:fontRef>
+          </p:style>
+        </p:cxnSp>
+        <p:cxnSp>
+          <p:nvCxnSpPr>
+            <p:cNvPr id="273" name="Straight Connector 272">
+              <a:extLst>
+                <a:ext uri="{FF2B5EF4-FFF2-40B4-BE49-F238E27FC236}">
+                  <a16:creationId xmlns:a16="http://schemas.microsoft.com/office/drawing/2014/main" id="{D822B6BE-1E35-3944-5DAE-2760EFCEBFEE}"/>
+                </a:ext>
+              </a:extLst>
+            </p:cNvPr>
+            <p:cNvCxnSpPr>
+              <a:cxnSpLocks/>
+            </p:cNvCxnSpPr>
+            <p:nvPr/>
+          </p:nvCxnSpPr>
+          <p:spPr>
+            <a:xfrm>
+              <a:off x="8760243" y="1586139"/>
+              <a:ext cx="0" cy="221812"/>
+            </a:xfrm>
+            <a:prstGeom prst="line">
+              <a:avLst/>
+            </a:prstGeom>
+            <a:grpFill/>
+            <a:ln w="19050">
+              <a:solidFill>
+                <a:schemeClr val="bg1"/>
+              </a:solidFill>
+            </a:ln>
+            <a:effectLst/>
+          </p:spPr>
+          <p:style>
+            <a:lnRef idx="2">
+              <a:schemeClr val="accent1"/>
+            </a:lnRef>
+            <a:fillRef idx="0">
+              <a:schemeClr val="accent1"/>
+            </a:fillRef>
+            <a:effectRef idx="1">
+              <a:schemeClr val="accent1"/>
+            </a:effectRef>
+            <a:fontRef idx="minor">
+              <a:schemeClr val="tx1"/>
+            </a:fontRef>
+          </p:style>
+        </p:cxnSp>
+        <p:cxnSp>
+          <p:nvCxnSpPr>
+            <p:cNvPr id="277" name="Straight Arrow Connector 276">
+              <a:extLst>
+                <a:ext uri="{FF2B5EF4-FFF2-40B4-BE49-F238E27FC236}">
+                  <a16:creationId xmlns:a16="http://schemas.microsoft.com/office/drawing/2014/main" id="{42FF30A1-67DD-53C3-AA6B-19A6F19CF0C3}"/>
+                </a:ext>
+              </a:extLst>
+            </p:cNvPr>
+            <p:cNvCxnSpPr/>
+            <p:nvPr/>
+          </p:nvCxnSpPr>
+          <p:spPr>
+            <a:xfrm flipV="1">
+              <a:off x="8800165" y="1486102"/>
+              <a:ext cx="102394" cy="118639"/>
+            </a:xfrm>
+            <a:prstGeom prst="straightConnector1">
+              <a:avLst/>
+            </a:prstGeom>
+            <a:grpFill/>
+            <a:ln w="19050">
+              <a:solidFill>
+                <a:schemeClr val="bg1"/>
+              </a:solidFill>
+              <a:tailEnd type="triangle"/>
+            </a:ln>
+            <a:effectLst/>
+          </p:spPr>
+          <p:style>
+            <a:lnRef idx="2">
+              <a:schemeClr val="accent1"/>
+            </a:lnRef>
+            <a:fillRef idx="0">
+              <a:schemeClr val="accent1"/>
+            </a:fillRef>
+            <a:effectRef idx="1">
+              <a:schemeClr val="accent1"/>
+            </a:effectRef>
+            <a:fontRef idx="minor">
+              <a:schemeClr val="tx1"/>
+            </a:fontRef>
+          </p:style>
+        </p:cxnSp>
+        <p:cxnSp>
+          <p:nvCxnSpPr>
+            <p:cNvPr id="278" name="Straight Arrow Connector 277">
+              <a:extLst>
+                <a:ext uri="{FF2B5EF4-FFF2-40B4-BE49-F238E27FC236}">
+                  <a16:creationId xmlns:a16="http://schemas.microsoft.com/office/drawing/2014/main" id="{5213918E-E374-075A-59A8-854DF7F6EF18}"/>
+                </a:ext>
+              </a:extLst>
+            </p:cNvPr>
+            <p:cNvCxnSpPr/>
+            <p:nvPr/>
+          </p:nvCxnSpPr>
+          <p:spPr>
+            <a:xfrm flipV="1">
+              <a:off x="8879749" y="1534368"/>
+              <a:ext cx="102394" cy="118639"/>
+            </a:xfrm>
+            <a:prstGeom prst="straightConnector1">
+              <a:avLst/>
+            </a:prstGeom>
+            <a:grpFill/>
+            <a:ln w="19050">
+              <a:solidFill>
+                <a:schemeClr val="bg1"/>
+              </a:solidFill>
+              <a:tailEnd type="triangle"/>
+            </a:ln>
+            <a:effectLst/>
+          </p:spPr>
+          <p:style>
+            <a:lnRef idx="2">
+              <a:schemeClr val="accent1"/>
+            </a:lnRef>
+            <a:fillRef idx="0">
+              <a:schemeClr val="accent1"/>
+            </a:fillRef>
+            <a:effectRef idx="1">
+              <a:schemeClr val="accent1"/>
+            </a:effectRef>
+            <a:fontRef idx="minor">
+              <a:schemeClr val="tx1"/>
+            </a:fontRef>
+          </p:style>
+        </p:cxnSp>
+      </p:grpSp>
+      <p:sp>
+        <p:nvSpPr>
+          <p:cNvPr id="308" name="TextBox 307">
+            <a:extLst>
+              <a:ext uri="{FF2B5EF4-FFF2-40B4-BE49-F238E27FC236}">
+                <a16:creationId xmlns:a16="http://schemas.microsoft.com/office/drawing/2014/main" id="{54A31BAD-0B0B-8E92-A685-4082D951FF08}"/>
+              </a:ext>
+            </a:extLst>
+          </p:cNvPr>
+          <p:cNvSpPr txBox="1"/>
+          <p:nvPr/>
+        </p:nvSpPr>
+        <p:spPr>
+          <a:xfrm>
+            <a:off x="4976604" y="5715347"/>
+            <a:ext cx="243995" cy="190429"/>
+          </a:xfrm>
+          <a:prstGeom prst="rect">
+            <a:avLst/>
+          </a:prstGeom>
+          <a:noFill/>
+          <a:ln w="19050">
+            <a:noFill/>
+          </a:ln>
+          <a:effectLst/>
+          <a:scene3d>
+            <a:camera prst="orthographicFront"/>
+            <a:lightRig rig="threePt" dir="t"/>
+          </a:scene3d>
+          <a:sp3d>
+            <a:bevelT prst="angle"/>
+          </a:sp3d>
+        </p:spPr>
+        <p:txBody>
+          <a:bodyPr vert="horz" wrap="square" lIns="0" tIns="0" rIns="0" bIns="0" rtlCol="0" anchor="t" anchorCtr="0">
+            <a:normAutofit/>
+          </a:bodyPr>
+          <a:lstStyle/>
+          <a:p>
+            <a:pPr algn="l"/>
+            <a:r>
+              <a:rPr lang="en-US" sz="900" dirty="0">
+                <a:solidFill>
+                  <a:schemeClr val="bg1"/>
+                </a:solidFill>
+              </a:rPr>
+              <a:t>LED</a:t>
+            </a:r>
+          </a:p>
+        </p:txBody>
+      </p:sp>
+      <p:sp>
+        <p:nvSpPr>
+          <p:cNvPr id="309" name="TextBox 308">
+            <a:extLst>
+              <a:ext uri="{FF2B5EF4-FFF2-40B4-BE49-F238E27FC236}">
+                <a16:creationId xmlns:a16="http://schemas.microsoft.com/office/drawing/2014/main" id="{1C528F89-7FA8-B013-6C3F-F55FC5C84113}"/>
+              </a:ext>
+            </a:extLst>
+          </p:cNvPr>
+          <p:cNvSpPr txBox="1"/>
+          <p:nvPr/>
+        </p:nvSpPr>
+        <p:spPr>
+          <a:xfrm>
+            <a:off x="5942332" y="5777234"/>
+            <a:ext cx="443824" cy="149155"/>
+          </a:xfrm>
+          <a:prstGeom prst="rect">
+            <a:avLst/>
+          </a:prstGeom>
+          <a:noFill/>
+          <a:ln w="19050">
+            <a:noFill/>
+          </a:ln>
+          <a:effectLst/>
+          <a:scene3d>
+            <a:camera prst="orthographicFront"/>
+            <a:lightRig rig="threePt" dir="t"/>
+          </a:scene3d>
+          <a:sp3d>
+            <a:bevelT prst="angle"/>
+          </a:sp3d>
+        </p:spPr>
+        <p:txBody>
+          <a:bodyPr vert="horz" wrap="square" lIns="0" tIns="0" rIns="0" bIns="0" rtlCol="0" anchor="t" anchorCtr="0">
+            <a:normAutofit/>
+          </a:bodyPr>
+          <a:lstStyle/>
+          <a:p>
+            <a:pPr algn="ctr"/>
+            <a:r>
+              <a:rPr lang="en-US" sz="900" dirty="0">
+                <a:solidFill>
+                  <a:schemeClr val="bg1"/>
+                </a:solidFill>
+              </a:rPr>
+              <a:t>POWER</a:t>
+            </a:r>
+          </a:p>
+        </p:txBody>
+      </p:sp>
+      <p:sp>
+        <p:nvSpPr>
+          <p:cNvPr id="310" name="Rectangle 309">
+            <a:extLst>
+              <a:ext uri="{FF2B5EF4-FFF2-40B4-BE49-F238E27FC236}">
+                <a16:creationId xmlns:a16="http://schemas.microsoft.com/office/drawing/2014/main" id="{41754CE7-BE0D-7C85-B08A-68BC8770A5DA}"/>
+              </a:ext>
+            </a:extLst>
+          </p:cNvPr>
+          <p:cNvSpPr/>
+          <p:nvPr/>
+        </p:nvSpPr>
+        <p:spPr>
+          <a:xfrm>
+            <a:off x="9915492" y="4799558"/>
+            <a:ext cx="793815" cy="349029"/>
+          </a:xfrm>
+          <a:prstGeom prst="rect">
+            <a:avLst/>
+          </a:prstGeom>
+          <a:solidFill>
+            <a:srgbClr val="00B050"/>
+          </a:solidFill>
+          <a:ln w="19050">
+            <a:noFill/>
+            <a:miter lim="800000"/>
+          </a:ln>
+          <a:effectLst/>
+        </p:spPr>
+        <p:style>
+          <a:lnRef idx="1">
+            <a:schemeClr val="accent1"/>
+          </a:lnRef>
+          <a:fillRef idx="3">
+            <a:schemeClr val="accent1"/>
+          </a:fillRef>
+          <a:effectRef idx="2">
+            <a:schemeClr val="accent1"/>
+          </a:effectRef>
+          <a:fontRef idx="minor">
+            <a:schemeClr val="lt1"/>
+          </a:fontRef>
+        </p:style>
+        <p:txBody>
+          <a:bodyPr rtlCol="0" anchor="ctr"/>
+          <a:lstStyle/>
+          <a:p>
+            <a:pPr algn="l" defTabSz="457200">
+              <a:spcBef>
+                <a:spcPts val="600"/>
+              </a:spcBef>
+              <a:spcAft>
+                <a:spcPts val="800"/>
+              </a:spcAft>
+              <a:buClr>
+                <a:schemeClr val="accent1"/>
+              </a:buClr>
+              <a:buSzPct val="70000"/>
+            </a:pPr>
+            <a:endParaRPr lang="en-US" sz="900">
+              <a:solidFill>
+                <a:schemeClr val="bg1"/>
+              </a:solidFill>
+              <a:latin typeface="Barlow" pitchFamily="2" charset="77"/>
+              <a:cs typeface="Arial" panose="020B0604020202020204" pitchFamily="34" charset="0"/>
+            </a:endParaRPr>
+          </a:p>
+        </p:txBody>
+      </p:sp>
+      <p:sp>
+        <p:nvSpPr>
+          <p:cNvPr id="318" name="TextBox 317">
+            <a:extLst>
+              <a:ext uri="{FF2B5EF4-FFF2-40B4-BE49-F238E27FC236}">
+                <a16:creationId xmlns:a16="http://schemas.microsoft.com/office/drawing/2014/main" id="{1C8E0222-DF04-985D-4AFF-6DD59D1901B6}"/>
+              </a:ext>
+            </a:extLst>
+          </p:cNvPr>
+          <p:cNvSpPr txBox="1"/>
+          <p:nvPr/>
+        </p:nvSpPr>
+        <p:spPr>
+          <a:xfrm>
+            <a:off x="8402817" y="4905466"/>
+            <a:ext cx="622334" cy="200389"/>
+          </a:xfrm>
+          <a:prstGeom prst="rect">
+            <a:avLst/>
+          </a:prstGeom>
+          <a:ln w="19050">
+            <a:noFill/>
+          </a:ln>
+          <a:effectLst/>
+          <a:scene3d>
+            <a:camera prst="orthographicFront"/>
+            <a:lightRig rig="threePt" dir="t"/>
+          </a:scene3d>
+          <a:sp3d>
+            <a:bevelT prst="angle"/>
+          </a:sp3d>
+        </p:spPr>
+        <p:txBody>
+          <a:bodyPr vert="horz" wrap="square" lIns="0" tIns="0" rIns="0" bIns="0" rtlCol="0" anchor="t" anchorCtr="0">
+            <a:noAutofit/>
+          </a:bodyPr>
+          <a:lstStyle/>
+          <a:p>
+            <a:pPr algn="l"/>
+            <a:r>
+              <a:rPr lang="en-US" sz="900" dirty="0">
+                <a:solidFill>
+                  <a:schemeClr val="bg1"/>
+                </a:solidFill>
+              </a:rPr>
+              <a:t>GAS</a:t>
+            </a:r>
+            <a:r>
+              <a:rPr lang="en-US" sz="900" dirty="0"/>
+              <a:t> </a:t>
+            </a:r>
+            <a:r>
+              <a:rPr lang="en-US" sz="900" dirty="0">
+                <a:solidFill>
+                  <a:schemeClr val="bg1"/>
+                </a:solidFill>
+              </a:rPr>
+              <a:t>Sensor</a:t>
+            </a:r>
+            <a:r>
+              <a:rPr lang="en-US" sz="900" dirty="0"/>
+              <a:t>*</a:t>
+            </a:r>
+            <a:endParaRPr lang="en-US" sz="800" dirty="0"/>
+          </a:p>
+        </p:txBody>
+      </p:sp>
+      <p:sp>
+        <p:nvSpPr>
+          <p:cNvPr id="319" name="TextBox 318">
+            <a:extLst>
+              <a:ext uri="{FF2B5EF4-FFF2-40B4-BE49-F238E27FC236}">
+                <a16:creationId xmlns:a16="http://schemas.microsoft.com/office/drawing/2014/main" id="{361455E7-D145-2E18-B5C5-69A85034753F}"/>
+              </a:ext>
+            </a:extLst>
+          </p:cNvPr>
+          <p:cNvSpPr txBox="1"/>
+          <p:nvPr/>
+        </p:nvSpPr>
+        <p:spPr>
+          <a:xfrm>
+            <a:off x="10087286" y="4860210"/>
+            <a:ext cx="444062" cy="186576"/>
+          </a:xfrm>
+          <a:prstGeom prst="rect">
+            <a:avLst/>
+          </a:prstGeom>
+          <a:noFill/>
+          <a:ln w="19050">
+            <a:noFill/>
+          </a:ln>
+          <a:effectLst/>
+          <a:scene3d>
+            <a:camera prst="orthographicFront"/>
+            <a:lightRig rig="threePt" dir="t"/>
+          </a:scene3d>
+          <a:sp3d>
+            <a:bevelT prst="angle"/>
+          </a:sp3d>
+        </p:spPr>
+        <p:txBody>
+          <a:bodyPr vert="horz" wrap="square" lIns="0" tIns="0" rIns="0" bIns="0" rtlCol="0" anchor="t" anchorCtr="0">
+            <a:noAutofit/>
+          </a:bodyPr>
+          <a:lstStyle/>
+          <a:p>
+            <a:pPr algn="l"/>
+            <a:r>
+              <a:rPr lang="en-US" sz="800" dirty="0">
+                <a:solidFill>
+                  <a:schemeClr val="bg1"/>
+                </a:solidFill>
+              </a:rPr>
+              <a:t>MAX17261</a:t>
+            </a:r>
+          </a:p>
+          <a:p>
+            <a:pPr algn="l"/>
+            <a:endParaRPr lang="en-US" sz="800" dirty="0"/>
+          </a:p>
+        </p:txBody>
+      </p:sp>
+      <p:sp>
+        <p:nvSpPr>
+          <p:cNvPr id="18" name="Rectangle 17">
+            <a:extLst>
+              <a:ext uri="{FF2B5EF4-FFF2-40B4-BE49-F238E27FC236}">
+                <a16:creationId xmlns:a16="http://schemas.microsoft.com/office/drawing/2014/main" id="{BE816528-ADA1-3AF1-40B0-9BBC5F0A2225}"/>
+              </a:ext>
+            </a:extLst>
+          </p:cNvPr>
+          <p:cNvSpPr/>
+          <p:nvPr/>
+        </p:nvSpPr>
+        <p:spPr>
+          <a:xfrm>
+            <a:off x="984933" y="4191407"/>
+            <a:ext cx="777055" cy="497033"/>
+          </a:xfrm>
+          <a:prstGeom prst="rect">
+            <a:avLst/>
+          </a:prstGeom>
+          <a:solidFill>
+            <a:schemeClr val="accent3">
+              <a:lumMod val="75000"/>
+            </a:schemeClr>
+          </a:solidFill>
+          <a:ln w="19050">
+            <a:noFill/>
+            <a:miter lim="800000"/>
+          </a:ln>
+          <a:effectLst/>
+        </p:spPr>
+        <p:style>
+          <a:lnRef idx="1">
+            <a:schemeClr val="accent1"/>
+          </a:lnRef>
+          <a:fillRef idx="3">
+            <a:schemeClr val="accent1"/>
+          </a:fillRef>
+          <a:effectRef idx="2">
+            <a:schemeClr val="accent1"/>
+          </a:effectRef>
+          <a:fontRef idx="minor">
+            <a:schemeClr val="lt1"/>
+          </a:fontRef>
+        </p:style>
+        <p:txBody>
+          <a:bodyPr rtlCol="0" anchor="ctr"/>
+          <a:lstStyle/>
+          <a:p>
+            <a:pPr algn="l" defTabSz="457200">
+              <a:spcBef>
+                <a:spcPts val="600"/>
+              </a:spcBef>
+              <a:spcAft>
+                <a:spcPts val="800"/>
+              </a:spcAft>
+              <a:buClr>
+                <a:schemeClr val="accent1"/>
+              </a:buClr>
+              <a:buSzPct val="70000"/>
+            </a:pPr>
+            <a:r>
+              <a:rPr lang="en-US">
+                <a:solidFill>
+                  <a:srgbClr val="000000"/>
+                </a:solidFill>
+                <a:latin typeface="Barlow" pitchFamily="2" charset="77"/>
+                <a:cs typeface="Arial" panose="020B0604020202020204" pitchFamily="34" charset="0"/>
+              </a:rPr>
+              <a:t> </a:t>
+            </a:r>
+          </a:p>
+        </p:txBody>
+      </p:sp>
+      <p:grpSp>
+        <p:nvGrpSpPr>
+          <p:cNvPr id="19" name="Group 18">
+            <a:extLst>
+              <a:ext uri="{FF2B5EF4-FFF2-40B4-BE49-F238E27FC236}">
+                <a16:creationId xmlns:a16="http://schemas.microsoft.com/office/drawing/2014/main" id="{997E4021-DF09-075E-47CA-59265C4FAE9F}"/>
+              </a:ext>
+            </a:extLst>
+          </p:cNvPr>
+          <p:cNvGrpSpPr/>
+          <p:nvPr/>
+        </p:nvGrpSpPr>
+        <p:grpSpPr>
+          <a:xfrm>
+            <a:off x="1198965" y="4280704"/>
+            <a:ext cx="330070" cy="190429"/>
+            <a:chOff x="8629650" y="1259782"/>
+            <a:chExt cx="713666" cy="382536"/>
+          </a:xfrm>
+          <a:solidFill>
+            <a:schemeClr val="accent5">
+              <a:lumMod val="40000"/>
+              <a:lumOff val="60000"/>
+            </a:schemeClr>
+          </a:solidFill>
+          <a:effectLst/>
+        </p:grpSpPr>
+        <p:sp>
+          <p:nvSpPr>
+            <p:cNvPr id="20" name="Oval 19">
+              <a:extLst>
+                <a:ext uri="{FF2B5EF4-FFF2-40B4-BE49-F238E27FC236}">
+                  <a16:creationId xmlns:a16="http://schemas.microsoft.com/office/drawing/2014/main" id="{C702762D-462A-CDB0-2972-2D1E598FF65F}"/>
+                </a:ext>
+              </a:extLst>
+            </p:cNvPr>
+            <p:cNvSpPr/>
+            <p:nvPr/>
+          </p:nvSpPr>
+          <p:spPr>
+            <a:xfrm>
+              <a:off x="8786086" y="1259782"/>
+              <a:ext cx="376964" cy="372995"/>
+            </a:xfrm>
+            <a:prstGeom prst="ellipse">
+              <a:avLst/>
+            </a:prstGeom>
+            <a:solidFill>
+              <a:schemeClr val="bg1">
+                <a:lumMod val="75000"/>
+              </a:schemeClr>
+            </a:solidFill>
+            <a:ln w="19050">
+              <a:solidFill>
+                <a:schemeClr val="bg1"/>
+              </a:solidFill>
+              <a:miter lim="800000"/>
+            </a:ln>
+            <a:effectLst/>
+            <a:scene3d>
+              <a:camera prst="orthographicFront"/>
+              <a:lightRig rig="threePt" dir="t"/>
+            </a:scene3d>
+            <a:sp3d>
+              <a:bevelT prst="angle"/>
+            </a:sp3d>
+          </p:spPr>
+          <p:style>
+            <a:lnRef idx="1">
+              <a:schemeClr val="accent1"/>
+            </a:lnRef>
+            <a:fillRef idx="3">
+              <a:schemeClr val="accent1"/>
+            </a:fillRef>
+            <a:effectRef idx="2">
+              <a:schemeClr val="accent1"/>
+            </a:effectRef>
+            <a:fontRef idx="minor">
+              <a:schemeClr val="lt1"/>
+            </a:fontRef>
+          </p:style>
+          <p:txBody>
+            <a:bodyPr rtlCol="0" anchor="ctr"/>
+            <a:lstStyle/>
+            <a:p>
+              <a:pPr algn="l" defTabSz="457200">
+                <a:spcBef>
+                  <a:spcPts val="600"/>
+                </a:spcBef>
+                <a:spcAft>
+                  <a:spcPts val="800"/>
+                </a:spcAft>
+                <a:buClr>
+                  <a:schemeClr val="accent1"/>
+                </a:buClr>
+                <a:buSzPct val="70000"/>
+              </a:pPr>
+              <a:endParaRPr lang="en-US">
+                <a:solidFill>
+                  <a:srgbClr val="000000"/>
+                </a:solidFill>
+                <a:latin typeface="Barlow" pitchFamily="2" charset="77"/>
+                <a:cs typeface="Arial" panose="020B0604020202020204" pitchFamily="34" charset="0"/>
+              </a:endParaRPr>
+            </a:p>
+          </p:txBody>
+        </p:sp>
+        <p:cxnSp>
+          <p:nvCxnSpPr>
+            <p:cNvPr id="23" name="Straight Connector 22">
+              <a:extLst>
+                <a:ext uri="{FF2B5EF4-FFF2-40B4-BE49-F238E27FC236}">
+                  <a16:creationId xmlns:a16="http://schemas.microsoft.com/office/drawing/2014/main" id="{526D63F6-0448-6A9F-C344-11608AA252D9}"/>
+                </a:ext>
+              </a:extLst>
+            </p:cNvPr>
+            <p:cNvCxnSpPr/>
+            <p:nvPr/>
+          </p:nvCxnSpPr>
+          <p:spPr>
+            <a:xfrm flipV="1">
+              <a:off x="8629650" y="1632776"/>
+              <a:ext cx="713666" cy="9542"/>
+            </a:xfrm>
+            <a:prstGeom prst="line">
+              <a:avLst/>
+            </a:prstGeom>
+            <a:grpFill/>
+            <a:ln w="19050">
+              <a:solidFill>
+                <a:schemeClr val="bg1"/>
+              </a:solidFill>
+            </a:ln>
+            <a:effectLst/>
+            <a:scene3d>
+              <a:camera prst="orthographicFront"/>
+              <a:lightRig rig="threePt" dir="t"/>
+            </a:scene3d>
+            <a:sp3d>
+              <a:bevelT prst="angle"/>
+            </a:sp3d>
+          </p:spPr>
+          <p:style>
+            <a:lnRef idx="2">
+              <a:schemeClr val="accent1"/>
+            </a:lnRef>
+            <a:fillRef idx="0">
+              <a:schemeClr val="accent1"/>
+            </a:fillRef>
+            <a:effectRef idx="1">
+              <a:schemeClr val="accent1"/>
+            </a:effectRef>
+            <a:fontRef idx="minor">
+              <a:schemeClr val="tx1"/>
+            </a:fontRef>
+          </p:style>
+        </p:cxnSp>
+      </p:grpSp>
+      <p:sp>
+        <p:nvSpPr>
+          <p:cNvPr id="25" name="TextBox 24">
+            <a:extLst>
+              <a:ext uri="{FF2B5EF4-FFF2-40B4-BE49-F238E27FC236}">
+                <a16:creationId xmlns:a16="http://schemas.microsoft.com/office/drawing/2014/main" id="{59EF1B6C-1872-1EEE-53EA-90D8D253F8A4}"/>
+              </a:ext>
+            </a:extLst>
+          </p:cNvPr>
+          <p:cNvSpPr txBox="1"/>
+          <p:nvPr/>
+        </p:nvSpPr>
+        <p:spPr>
+          <a:xfrm>
+            <a:off x="900978" y="4488830"/>
+            <a:ext cx="915024" cy="190429"/>
+          </a:xfrm>
+          <a:prstGeom prst="rect">
+            <a:avLst/>
+          </a:prstGeom>
+          <a:noFill/>
+          <a:ln w="19050">
+            <a:noFill/>
+          </a:ln>
+          <a:effectLst/>
+          <a:scene3d>
+            <a:camera prst="orthographicFront"/>
+            <a:lightRig rig="threePt" dir="t"/>
+          </a:scene3d>
+          <a:sp3d>
+            <a:bevelT prst="angle"/>
+          </a:sp3d>
+        </p:spPr>
+        <p:txBody>
+          <a:bodyPr vert="horz" wrap="square" lIns="0" tIns="0" rIns="0" bIns="0" rtlCol="0" anchor="t" anchorCtr="0">
+            <a:normAutofit/>
+          </a:bodyPr>
+          <a:lstStyle/>
+          <a:p>
+            <a:pPr algn="ctr"/>
+            <a:r>
+              <a:rPr lang="en-US" sz="900" dirty="0">
+                <a:solidFill>
+                  <a:schemeClr val="bg1"/>
+                </a:solidFill>
+              </a:rPr>
+              <a:t>AFE mics</a:t>
+            </a:r>
+          </a:p>
+        </p:txBody>
+      </p:sp>
+      <p:sp>
+        <p:nvSpPr>
+          <p:cNvPr id="35" name="Rectangle 34">
+            <a:extLst>
+              <a:ext uri="{FF2B5EF4-FFF2-40B4-BE49-F238E27FC236}">
+                <a16:creationId xmlns:a16="http://schemas.microsoft.com/office/drawing/2014/main" id="{AA349955-5D6A-FE8B-0150-6DA74C541917}"/>
+              </a:ext>
+            </a:extLst>
+          </p:cNvPr>
+          <p:cNvSpPr/>
+          <p:nvPr/>
+        </p:nvSpPr>
+        <p:spPr>
+          <a:xfrm>
+            <a:off x="2671070" y="4243492"/>
+            <a:ext cx="685078" cy="497033"/>
+          </a:xfrm>
+          <a:prstGeom prst="rect">
+            <a:avLst/>
+          </a:prstGeom>
+          <a:solidFill>
+            <a:schemeClr val="accent3">
+              <a:lumMod val="75000"/>
+            </a:schemeClr>
+          </a:solidFill>
+          <a:ln w="19050">
+            <a:noFill/>
+            <a:miter lim="800000"/>
+          </a:ln>
+          <a:effectLst/>
+        </p:spPr>
+        <p:style>
+          <a:lnRef idx="1">
+            <a:schemeClr val="accent1"/>
+          </a:lnRef>
+          <a:fillRef idx="3">
+            <a:schemeClr val="accent1"/>
+          </a:fillRef>
+          <a:effectRef idx="2">
+            <a:schemeClr val="accent1"/>
+          </a:effectRef>
+          <a:fontRef idx="minor">
+            <a:schemeClr val="lt1"/>
+          </a:fontRef>
+        </p:style>
+        <p:txBody>
+          <a:bodyPr rtlCol="0" anchor="ctr"/>
+          <a:lstStyle/>
+          <a:p>
+            <a:pPr algn="ctr" defTabSz="457200">
+              <a:spcBef>
+                <a:spcPts val="600"/>
+              </a:spcBef>
+              <a:spcAft>
+                <a:spcPts val="800"/>
+              </a:spcAft>
+              <a:buClr>
+                <a:schemeClr val="accent1"/>
+              </a:buClr>
+              <a:buSzPct val="70000"/>
+            </a:pPr>
+            <a:endParaRPr lang="en-US">
+              <a:solidFill>
+                <a:srgbClr val="000000"/>
+              </a:solidFill>
+              <a:latin typeface="Barlow" pitchFamily="2" charset="77"/>
+              <a:cs typeface="Arial" panose="020B0604020202020204" pitchFamily="34" charset="0"/>
+            </a:endParaRPr>
+          </a:p>
+        </p:txBody>
+      </p:sp>
+      <p:sp>
+        <p:nvSpPr>
+          <p:cNvPr id="36" name="TextBox 35">
+            <a:extLst>
+              <a:ext uri="{FF2B5EF4-FFF2-40B4-BE49-F238E27FC236}">
+                <a16:creationId xmlns:a16="http://schemas.microsoft.com/office/drawing/2014/main" id="{BE6F5258-AEF1-FC57-3141-35CB0C797E97}"/>
+              </a:ext>
+            </a:extLst>
+          </p:cNvPr>
+          <p:cNvSpPr txBox="1"/>
+          <p:nvPr/>
+        </p:nvSpPr>
+        <p:spPr>
+          <a:xfrm>
+            <a:off x="2714164" y="4452479"/>
+            <a:ext cx="575931" cy="218240"/>
+          </a:xfrm>
+          <a:prstGeom prst="rect">
+            <a:avLst/>
+          </a:prstGeom>
+          <a:noFill/>
+          <a:ln w="19050">
+            <a:noFill/>
+          </a:ln>
+          <a:effectLst/>
+          <a:scene3d>
+            <a:camera prst="orthographicFront"/>
+            <a:lightRig rig="threePt" dir="t"/>
+          </a:scene3d>
+          <a:sp3d>
+            <a:bevelT prst="angle"/>
+          </a:sp3d>
+        </p:spPr>
+        <p:txBody>
+          <a:bodyPr vert="horz" wrap="square" lIns="0" tIns="0" rIns="0" bIns="0" rtlCol="0" anchor="t" anchorCtr="0">
+            <a:noAutofit/>
+          </a:bodyPr>
+          <a:lstStyle/>
+          <a:p>
+            <a:pPr algn="ctr"/>
+            <a:r>
+              <a:rPr lang="en-US" sz="800" dirty="0">
+                <a:solidFill>
+                  <a:schemeClr val="bg1"/>
+                </a:solidFill>
+              </a:rPr>
+              <a:t>TPS22994</a:t>
+            </a:r>
+          </a:p>
+        </p:txBody>
+      </p:sp>
+      <p:cxnSp>
+        <p:nvCxnSpPr>
+          <p:cNvPr id="39" name="Straight Arrow Connector 38">
+            <a:extLst>
+              <a:ext uri="{FF2B5EF4-FFF2-40B4-BE49-F238E27FC236}">
+                <a16:creationId xmlns:a16="http://schemas.microsoft.com/office/drawing/2014/main" id="{24BE14FE-91C5-08AE-35F1-C0E06E61AC7E}"/>
+              </a:ext>
+            </a:extLst>
+          </p:cNvPr>
+          <p:cNvCxnSpPr>
+            <a:cxnSpLocks/>
+          </p:cNvCxnSpPr>
+          <p:nvPr/>
+        </p:nvCxnSpPr>
+        <p:spPr>
+          <a:xfrm flipV="1">
+            <a:off x="3351534" y="4478330"/>
+            <a:ext cx="1225051" cy="10027"/>
+          </a:xfrm>
+          <a:prstGeom prst="straightConnector1">
+            <a:avLst/>
+          </a:prstGeom>
+          <a:ln w="19050">
+            <a:solidFill>
+              <a:schemeClr val="tx1"/>
+            </a:solidFill>
+            <a:headEnd type="triangle" w="med" len="med"/>
+            <a:tailEnd type="triangle" w="med" len="med"/>
+          </a:ln>
+          <a:effectLst/>
+          <a:scene3d>
+            <a:camera prst="orthographicFront"/>
+            <a:lightRig rig="threePt" dir="t"/>
+          </a:scene3d>
+          <a:sp3d>
+            <a:bevelT prst="angle"/>
+          </a:sp3d>
+        </p:spPr>
+        <p:style>
+          <a:lnRef idx="2">
+            <a:schemeClr val="accent1"/>
+          </a:lnRef>
+          <a:fillRef idx="0">
+            <a:schemeClr val="accent1"/>
+          </a:fillRef>
+          <a:effectRef idx="1">
+            <a:schemeClr val="accent1"/>
+          </a:effectRef>
+          <a:fontRef idx="minor">
+            <a:schemeClr val="tx1"/>
+          </a:fontRef>
+        </p:style>
+      </p:cxnSp>
+      <p:sp>
+        <p:nvSpPr>
+          <p:cNvPr id="41" name="TextBox 40">
+            <a:extLst>
+              <a:ext uri="{FF2B5EF4-FFF2-40B4-BE49-F238E27FC236}">
+                <a16:creationId xmlns:a16="http://schemas.microsoft.com/office/drawing/2014/main" id="{5162C4F7-B5F6-553F-8C93-0524F118FF88}"/>
+              </a:ext>
+            </a:extLst>
+          </p:cNvPr>
+          <p:cNvSpPr txBox="1"/>
+          <p:nvPr/>
+        </p:nvSpPr>
+        <p:spPr>
+          <a:xfrm>
+            <a:off x="3633615" y="4536572"/>
+            <a:ext cx="184985" cy="218240"/>
+          </a:xfrm>
+          <a:prstGeom prst="rect">
+            <a:avLst/>
+          </a:prstGeom>
+          <a:ln w="19050">
+            <a:noFill/>
+          </a:ln>
+          <a:effectLst/>
+          <a:scene3d>
+            <a:camera prst="orthographicFront"/>
+            <a:lightRig rig="threePt" dir="t"/>
+          </a:scene3d>
+          <a:sp3d>
+            <a:bevelT prst="angle"/>
+          </a:sp3d>
+        </p:spPr>
+        <p:txBody>
+          <a:bodyPr vert="horz" wrap="square" lIns="0" tIns="0" rIns="0" bIns="0" rtlCol="0" anchor="t" anchorCtr="0">
+            <a:noAutofit/>
+          </a:bodyPr>
+          <a:lstStyle/>
+          <a:p>
+            <a:pPr algn="l"/>
+            <a:r>
+              <a:rPr lang="en-US" sz="900" dirty="0"/>
+              <a:t>I2C</a:t>
+            </a:r>
+          </a:p>
+        </p:txBody>
+      </p:sp>
+      <p:cxnSp>
+        <p:nvCxnSpPr>
+          <p:cNvPr id="42" name="Straight Arrow Connector 41">
+            <a:extLst>
+              <a:ext uri="{FF2B5EF4-FFF2-40B4-BE49-F238E27FC236}">
+                <a16:creationId xmlns:a16="http://schemas.microsoft.com/office/drawing/2014/main" id="{6EE0F3AE-4B52-AFDF-F173-AB6A66C74F09}"/>
+              </a:ext>
+            </a:extLst>
+          </p:cNvPr>
+          <p:cNvCxnSpPr>
+            <a:cxnSpLocks/>
+          </p:cNvCxnSpPr>
+          <p:nvPr/>
+        </p:nvCxnSpPr>
+        <p:spPr>
+          <a:xfrm flipH="1">
+            <a:off x="3952164" y="4487814"/>
+            <a:ext cx="69488" cy="0"/>
+          </a:xfrm>
+          <a:prstGeom prst="straightConnector1">
+            <a:avLst/>
+          </a:prstGeom>
+          <a:ln w="19050">
+            <a:solidFill>
+              <a:schemeClr val="accent3">
+                <a:lumMod val="75000"/>
+              </a:schemeClr>
+            </a:solidFill>
+            <a:tailEnd type="triangle"/>
+          </a:ln>
+          <a:effectLst/>
+          <a:scene3d>
+            <a:camera prst="orthographicFront"/>
+            <a:lightRig rig="threePt" dir="t"/>
+          </a:scene3d>
+          <a:sp3d>
+            <a:bevelT prst="angle"/>
+          </a:sp3d>
+        </p:spPr>
+        <p:style>
+          <a:lnRef idx="2">
+            <a:schemeClr val="accent1"/>
+          </a:lnRef>
+          <a:fillRef idx="0">
+            <a:schemeClr val="accent1"/>
+          </a:fillRef>
+          <a:effectRef idx="1">
+            <a:schemeClr val="accent1"/>
+          </a:effectRef>
+          <a:fontRef idx="minor">
+            <a:schemeClr val="tx1"/>
+          </a:fontRef>
+        </p:style>
+      </p:cxnSp>
+      <p:cxnSp>
+        <p:nvCxnSpPr>
+          <p:cNvPr id="43" name="Straight Arrow Connector 42">
+            <a:extLst>
+              <a:ext uri="{FF2B5EF4-FFF2-40B4-BE49-F238E27FC236}">
+                <a16:creationId xmlns:a16="http://schemas.microsoft.com/office/drawing/2014/main" id="{3095BA5C-3748-EA73-E7C1-54B92DD593BC}"/>
+              </a:ext>
+            </a:extLst>
+          </p:cNvPr>
+          <p:cNvCxnSpPr>
+            <a:cxnSpLocks/>
+          </p:cNvCxnSpPr>
+          <p:nvPr/>
+        </p:nvCxnSpPr>
+        <p:spPr>
+          <a:xfrm>
+            <a:off x="4037527" y="4487814"/>
+            <a:ext cx="67037" cy="0"/>
+          </a:xfrm>
+          <a:prstGeom prst="straightConnector1">
+            <a:avLst/>
+          </a:prstGeom>
+          <a:ln w="19050">
+            <a:solidFill>
+              <a:schemeClr val="accent3">
+                <a:lumMod val="75000"/>
+              </a:schemeClr>
+            </a:solidFill>
+            <a:tailEnd type="triangle"/>
+          </a:ln>
+          <a:effectLst/>
+          <a:scene3d>
+            <a:camera prst="orthographicFront"/>
+            <a:lightRig rig="threePt" dir="t"/>
+          </a:scene3d>
+          <a:sp3d>
+            <a:bevelT prst="angle"/>
+          </a:sp3d>
+        </p:spPr>
+        <p:style>
+          <a:lnRef idx="2">
+            <a:schemeClr val="accent1"/>
+          </a:lnRef>
+          <a:fillRef idx="0">
+            <a:schemeClr val="accent1"/>
+          </a:fillRef>
+          <a:effectRef idx="1">
+            <a:schemeClr val="accent1"/>
+          </a:effectRef>
+          <a:fontRef idx="minor">
+            <a:schemeClr val="tx1"/>
+          </a:fontRef>
+        </p:style>
+      </p:cxnSp>
+      <p:cxnSp>
+        <p:nvCxnSpPr>
+          <p:cNvPr id="51" name="Straight Arrow Connector 50">
+            <a:extLst>
+              <a:ext uri="{FF2B5EF4-FFF2-40B4-BE49-F238E27FC236}">
+                <a16:creationId xmlns:a16="http://schemas.microsoft.com/office/drawing/2014/main" id="{1BD21C6F-18D1-E763-AC3F-A06AA509065E}"/>
+              </a:ext>
+            </a:extLst>
+          </p:cNvPr>
+          <p:cNvCxnSpPr>
+            <a:cxnSpLocks/>
+          </p:cNvCxnSpPr>
+          <p:nvPr/>
+        </p:nvCxnSpPr>
+        <p:spPr>
+          <a:xfrm>
+            <a:off x="1765377" y="4475874"/>
+            <a:ext cx="940492" cy="0"/>
+          </a:xfrm>
+          <a:prstGeom prst="straightConnector1">
+            <a:avLst/>
+          </a:prstGeom>
+          <a:ln w="19050">
+            <a:solidFill>
+              <a:schemeClr val="tx1"/>
+            </a:solidFill>
+            <a:headEnd type="triangle" w="med" len="med"/>
+            <a:tailEnd type="triangle" w="med" len="med"/>
+          </a:ln>
+          <a:effectLst/>
+          <a:scene3d>
+            <a:camera prst="orthographicFront"/>
+            <a:lightRig rig="threePt" dir="t"/>
+          </a:scene3d>
+          <a:sp3d>
+            <a:bevelT prst="angle"/>
+          </a:sp3d>
+        </p:spPr>
+        <p:style>
+          <a:lnRef idx="2">
+            <a:schemeClr val="accent1"/>
+          </a:lnRef>
+          <a:fillRef idx="0">
+            <a:schemeClr val="accent1"/>
+          </a:fillRef>
+          <a:effectRef idx="1">
+            <a:schemeClr val="accent1"/>
+          </a:effectRef>
+          <a:fontRef idx="minor">
+            <a:schemeClr val="tx1"/>
+          </a:fontRef>
+        </p:style>
+      </p:cxnSp>
+      <p:cxnSp>
+        <p:nvCxnSpPr>
+          <p:cNvPr id="52" name="Straight Arrow Connector 51">
+            <a:extLst>
+              <a:ext uri="{FF2B5EF4-FFF2-40B4-BE49-F238E27FC236}">
+                <a16:creationId xmlns:a16="http://schemas.microsoft.com/office/drawing/2014/main" id="{509E9112-A721-36B1-B432-1D20F3433254}"/>
+              </a:ext>
+            </a:extLst>
+          </p:cNvPr>
+          <p:cNvCxnSpPr>
+            <a:cxnSpLocks/>
+          </p:cNvCxnSpPr>
+          <p:nvPr/>
+        </p:nvCxnSpPr>
+        <p:spPr>
+          <a:xfrm flipH="1">
+            <a:off x="2156496" y="4475874"/>
+            <a:ext cx="69488" cy="0"/>
+          </a:xfrm>
+          <a:prstGeom prst="straightConnector1">
+            <a:avLst/>
+          </a:prstGeom>
+          <a:ln w="19050">
+            <a:solidFill>
+              <a:schemeClr val="accent3">
+                <a:lumMod val="75000"/>
+              </a:schemeClr>
+            </a:solidFill>
+            <a:tailEnd type="triangle"/>
+          </a:ln>
+          <a:effectLst/>
+          <a:scene3d>
+            <a:camera prst="orthographicFront"/>
+            <a:lightRig rig="threePt" dir="t"/>
+          </a:scene3d>
+          <a:sp3d>
+            <a:bevelT prst="angle"/>
+          </a:sp3d>
+        </p:spPr>
+        <p:style>
+          <a:lnRef idx="2">
+            <a:schemeClr val="accent1"/>
+          </a:lnRef>
+          <a:fillRef idx="0">
+            <a:schemeClr val="accent1"/>
+          </a:fillRef>
+          <a:effectRef idx="1">
+            <a:schemeClr val="accent1"/>
+          </a:effectRef>
+          <a:fontRef idx="minor">
+            <a:schemeClr val="tx1"/>
+          </a:fontRef>
+        </p:style>
+      </p:cxnSp>
+      <p:cxnSp>
+        <p:nvCxnSpPr>
+          <p:cNvPr id="53" name="Straight Arrow Connector 52">
+            <a:extLst>
+              <a:ext uri="{FF2B5EF4-FFF2-40B4-BE49-F238E27FC236}">
+                <a16:creationId xmlns:a16="http://schemas.microsoft.com/office/drawing/2014/main" id="{DED293C6-1EEC-C6C2-6635-82611729DEFB}"/>
+              </a:ext>
+            </a:extLst>
+          </p:cNvPr>
+          <p:cNvCxnSpPr>
+            <a:cxnSpLocks/>
+          </p:cNvCxnSpPr>
+          <p:nvPr/>
+        </p:nvCxnSpPr>
+        <p:spPr>
+          <a:xfrm>
+            <a:off x="2241859" y="4475874"/>
+            <a:ext cx="67037" cy="0"/>
+          </a:xfrm>
+          <a:prstGeom prst="straightConnector1">
+            <a:avLst/>
+          </a:prstGeom>
+          <a:ln w="19050">
+            <a:solidFill>
+              <a:schemeClr val="accent3">
+                <a:lumMod val="75000"/>
+              </a:schemeClr>
+            </a:solidFill>
+            <a:tailEnd type="triangle"/>
+          </a:ln>
+          <a:effectLst/>
+          <a:scene3d>
+            <a:camera prst="orthographicFront"/>
+            <a:lightRig rig="threePt" dir="t"/>
+          </a:scene3d>
+          <a:sp3d>
+            <a:bevelT prst="angle"/>
+          </a:sp3d>
+        </p:spPr>
+        <p:style>
+          <a:lnRef idx="2">
+            <a:schemeClr val="accent1"/>
+          </a:lnRef>
+          <a:fillRef idx="0">
+            <a:schemeClr val="accent1"/>
+          </a:fillRef>
+          <a:effectRef idx="1">
+            <a:schemeClr val="accent1"/>
+          </a:effectRef>
+          <a:fontRef idx="minor">
+            <a:schemeClr val="tx1"/>
+          </a:fontRef>
+        </p:style>
+      </p:cxnSp>
+      <p:sp>
+        <p:nvSpPr>
+          <p:cNvPr id="57" name="TextBox 56">
+            <a:extLst>
+              <a:ext uri="{FF2B5EF4-FFF2-40B4-BE49-F238E27FC236}">
+                <a16:creationId xmlns:a16="http://schemas.microsoft.com/office/drawing/2014/main" id="{7798CB4F-7643-B1DD-351D-9B741281B9C8}"/>
+              </a:ext>
+            </a:extLst>
+          </p:cNvPr>
+          <p:cNvSpPr txBox="1"/>
+          <p:nvPr/>
+        </p:nvSpPr>
+        <p:spPr>
+          <a:xfrm>
+            <a:off x="1888288" y="4635522"/>
+            <a:ext cx="734297" cy="218240"/>
+          </a:xfrm>
+          <a:prstGeom prst="rect">
+            <a:avLst/>
+          </a:prstGeom>
+          <a:ln w="19050">
+            <a:noFill/>
+          </a:ln>
+          <a:effectLst/>
+          <a:scene3d>
+            <a:camera prst="orthographicFront"/>
+            <a:lightRig rig="threePt" dir="t"/>
+          </a:scene3d>
+          <a:sp3d>
+            <a:bevelT prst="angle"/>
+          </a:sp3d>
+        </p:spPr>
+        <p:txBody>
+          <a:bodyPr vert="horz" wrap="square" lIns="0" tIns="0" rIns="0" bIns="0" rtlCol="0" anchor="t" anchorCtr="0">
+            <a:noAutofit/>
+          </a:bodyPr>
+          <a:lstStyle/>
+          <a:p>
+            <a:pPr algn="l"/>
+            <a:r>
+              <a:rPr lang="en-US" sz="900" dirty="0"/>
+              <a:t>Mic Selection</a:t>
+            </a:r>
+          </a:p>
+        </p:txBody>
+      </p:sp>
+      <p:sp>
+        <p:nvSpPr>
+          <p:cNvPr id="59" name="Rectangle 58">
+            <a:extLst>
+              <a:ext uri="{FF2B5EF4-FFF2-40B4-BE49-F238E27FC236}">
+                <a16:creationId xmlns:a16="http://schemas.microsoft.com/office/drawing/2014/main" id="{2B4AFBDD-1901-7B76-ACF2-13666547E528}"/>
+              </a:ext>
+            </a:extLst>
+          </p:cNvPr>
+          <p:cNvSpPr/>
+          <p:nvPr/>
+        </p:nvSpPr>
+        <p:spPr>
+          <a:xfrm>
+            <a:off x="210904" y="3519042"/>
+            <a:ext cx="439724" cy="369025"/>
+          </a:xfrm>
+          <a:prstGeom prst="rect">
+            <a:avLst/>
+          </a:prstGeom>
+          <a:solidFill>
+            <a:schemeClr val="accent3">
+              <a:lumMod val="75000"/>
+            </a:schemeClr>
+          </a:solidFill>
+          <a:ln w="19050">
+            <a:noFill/>
+            <a:miter lim="800000"/>
+          </a:ln>
+          <a:effectLst/>
+        </p:spPr>
+        <p:style>
+          <a:lnRef idx="1">
+            <a:schemeClr val="accent1"/>
+          </a:lnRef>
+          <a:fillRef idx="3">
+            <a:schemeClr val="accent1"/>
+          </a:fillRef>
+          <a:effectRef idx="2">
+            <a:schemeClr val="accent1"/>
+          </a:effectRef>
+          <a:fontRef idx="minor">
+            <a:schemeClr val="lt1"/>
+          </a:fontRef>
+        </p:style>
+        <p:txBody>
+          <a:bodyPr rtlCol="0" anchor="ctr"/>
+          <a:lstStyle/>
+          <a:p>
+            <a:pPr algn="l" defTabSz="457200">
+              <a:spcBef>
+                <a:spcPts val="600"/>
+              </a:spcBef>
+              <a:spcAft>
+                <a:spcPts val="800"/>
+              </a:spcAft>
+              <a:buClr>
+                <a:schemeClr val="accent1"/>
+              </a:buClr>
+              <a:buSzPct val="70000"/>
+            </a:pPr>
+            <a:r>
+              <a:rPr lang="en-US" dirty="0">
+                <a:solidFill>
+                  <a:srgbClr val="000000"/>
+                </a:solidFill>
+                <a:latin typeface="Barlow" pitchFamily="2" charset="77"/>
+                <a:cs typeface="Arial" panose="020B0604020202020204" pitchFamily="34" charset="0"/>
+              </a:rPr>
+              <a:t> </a:t>
+            </a:r>
+          </a:p>
+        </p:txBody>
+      </p:sp>
+      <p:sp>
+        <p:nvSpPr>
+          <p:cNvPr id="63" name="TextBox 62">
+            <a:extLst>
+              <a:ext uri="{FF2B5EF4-FFF2-40B4-BE49-F238E27FC236}">
+                <a16:creationId xmlns:a16="http://schemas.microsoft.com/office/drawing/2014/main" id="{A0A412A3-5B87-B45B-F4FC-D109A412BB8A}"/>
+              </a:ext>
+            </a:extLst>
+          </p:cNvPr>
+          <p:cNvSpPr txBox="1"/>
+          <p:nvPr/>
+        </p:nvSpPr>
+        <p:spPr>
+          <a:xfrm>
+            <a:off x="280978" y="3643312"/>
+            <a:ext cx="310953" cy="118091"/>
+          </a:xfrm>
+          <a:prstGeom prst="rect">
+            <a:avLst/>
+          </a:prstGeom>
+          <a:noFill/>
+          <a:ln w="19050">
+            <a:noFill/>
+          </a:ln>
+          <a:effectLst/>
+          <a:scene3d>
+            <a:camera prst="orthographicFront"/>
+            <a:lightRig rig="threePt" dir="t"/>
+          </a:scene3d>
+          <a:sp3d>
+            <a:bevelT prst="angle"/>
+          </a:sp3d>
+        </p:spPr>
+        <p:txBody>
+          <a:bodyPr vert="horz" wrap="square" lIns="0" tIns="0" rIns="0" bIns="0" rtlCol="0" anchor="t" anchorCtr="0">
+            <a:normAutofit fontScale="55000" lnSpcReduction="20000"/>
+          </a:bodyPr>
+          <a:lstStyle/>
+          <a:p>
+            <a:pPr algn="ctr"/>
+            <a:r>
+              <a:rPr lang="en-US" sz="900" dirty="0">
+                <a:solidFill>
+                  <a:schemeClr val="bg1"/>
+                </a:solidFill>
+              </a:rPr>
+              <a:t>AFE block</a:t>
+            </a:r>
+          </a:p>
+        </p:txBody>
+      </p:sp>
+      <p:cxnSp>
+        <p:nvCxnSpPr>
+          <p:cNvPr id="64" name="Straight Connector 63">
+            <a:extLst>
+              <a:ext uri="{FF2B5EF4-FFF2-40B4-BE49-F238E27FC236}">
+                <a16:creationId xmlns:a16="http://schemas.microsoft.com/office/drawing/2014/main" id="{C537495D-0C24-11B5-F7F6-3630F257380A}"/>
+              </a:ext>
+            </a:extLst>
+          </p:cNvPr>
+          <p:cNvCxnSpPr>
+            <a:cxnSpLocks/>
+            <a:stCxn id="59" idx="3"/>
+            <a:endCxn id="3" idx="1"/>
+          </p:cNvCxnSpPr>
+          <p:nvPr/>
+        </p:nvCxnSpPr>
+        <p:spPr>
+          <a:xfrm>
+            <a:off x="650628" y="3703555"/>
+            <a:ext cx="1984640" cy="4231"/>
+          </a:xfrm>
+          <a:prstGeom prst="line">
+            <a:avLst/>
+          </a:prstGeom>
+          <a:ln w="19050">
+            <a:solidFill>
+              <a:schemeClr val="tx1"/>
+            </a:solidFill>
+            <a:headEnd type="none" w="med" len="med"/>
+            <a:tailEnd type="triangle" w="med" len="med"/>
+          </a:ln>
+          <a:effectLst/>
+          <a:scene3d>
+            <a:camera prst="orthographicFront"/>
+            <a:lightRig rig="threePt" dir="t"/>
+          </a:scene3d>
+          <a:sp3d>
+            <a:bevelT prst="angle"/>
+          </a:sp3d>
+        </p:spPr>
+        <p:style>
+          <a:lnRef idx="2">
+            <a:schemeClr val="accent1"/>
+          </a:lnRef>
+          <a:fillRef idx="0">
+            <a:schemeClr val="accent1"/>
+          </a:fillRef>
+          <a:effectRef idx="1">
+            <a:schemeClr val="accent1"/>
+          </a:effectRef>
+          <a:fontRef idx="minor">
+            <a:schemeClr val="tx1"/>
+          </a:fontRef>
+        </p:style>
+      </p:cxnSp>
+      <p:cxnSp>
+        <p:nvCxnSpPr>
+          <p:cNvPr id="85" name="Straight Connector 84">
+            <a:extLst>
+              <a:ext uri="{FF2B5EF4-FFF2-40B4-BE49-F238E27FC236}">
+                <a16:creationId xmlns:a16="http://schemas.microsoft.com/office/drawing/2014/main" id="{845C172B-B43D-7362-431E-E710F2BBBB5A}"/>
+              </a:ext>
+            </a:extLst>
+          </p:cNvPr>
+          <p:cNvCxnSpPr>
+            <a:cxnSpLocks/>
+            <a:stCxn id="2" idx="0"/>
+            <a:endCxn id="59" idx="2"/>
+          </p:cNvCxnSpPr>
+          <p:nvPr/>
+        </p:nvCxnSpPr>
+        <p:spPr>
+          <a:xfrm flipH="1" flipV="1">
+            <a:off x="430766" y="3888067"/>
+            <a:ext cx="4588" cy="370384"/>
+          </a:xfrm>
+          <a:prstGeom prst="line">
+            <a:avLst/>
+          </a:prstGeom>
+          <a:ln w="19050">
+            <a:solidFill>
+              <a:schemeClr val="tx1"/>
+            </a:solidFill>
+            <a:headEnd type="none" w="med" len="med"/>
+            <a:tailEnd type="triangle" w="med" len="med"/>
+          </a:ln>
+          <a:effectLst/>
+          <a:scene3d>
+            <a:camera prst="orthographicFront"/>
+            <a:lightRig rig="threePt" dir="t"/>
+          </a:scene3d>
+          <a:sp3d>
+            <a:bevelT prst="angle"/>
+          </a:sp3d>
+        </p:spPr>
+        <p:style>
+          <a:lnRef idx="2">
+            <a:schemeClr val="accent1"/>
+          </a:lnRef>
+          <a:fillRef idx="0">
+            <a:schemeClr val="accent1"/>
+          </a:fillRef>
+          <a:effectRef idx="1">
+            <a:schemeClr val="accent1"/>
+          </a:effectRef>
+          <a:fontRef idx="minor">
+            <a:schemeClr val="tx1"/>
+          </a:fontRef>
+        </p:style>
+      </p:cxnSp>
+      <p:cxnSp>
+        <p:nvCxnSpPr>
+          <p:cNvPr id="86" name="Straight Arrow Connector 85">
+            <a:extLst>
+              <a:ext uri="{FF2B5EF4-FFF2-40B4-BE49-F238E27FC236}">
+                <a16:creationId xmlns:a16="http://schemas.microsoft.com/office/drawing/2014/main" id="{777409D0-01A6-2999-190F-C056DE17CD88}"/>
+              </a:ext>
+            </a:extLst>
+          </p:cNvPr>
+          <p:cNvCxnSpPr>
+            <a:cxnSpLocks/>
+          </p:cNvCxnSpPr>
+          <p:nvPr/>
+        </p:nvCxnSpPr>
+        <p:spPr>
+          <a:xfrm flipV="1">
+            <a:off x="430766" y="4090932"/>
+            <a:ext cx="0" cy="50014"/>
+          </a:xfrm>
+          <a:prstGeom prst="straightConnector1">
+            <a:avLst/>
+          </a:prstGeom>
+          <a:ln w="19050">
+            <a:solidFill>
+              <a:srgbClr val="7030A0"/>
+            </a:solidFill>
+            <a:tailEnd type="triangle"/>
+          </a:ln>
+          <a:effectLst/>
+          <a:scene3d>
+            <a:camera prst="orthographicFront"/>
+            <a:lightRig rig="threePt" dir="t"/>
+          </a:scene3d>
+          <a:sp3d>
+            <a:bevelT prst="angle"/>
+          </a:sp3d>
+        </p:spPr>
+        <p:style>
+          <a:lnRef idx="2">
+            <a:schemeClr val="accent1"/>
+          </a:lnRef>
+          <a:fillRef idx="0">
+            <a:schemeClr val="accent1"/>
+          </a:fillRef>
+          <a:effectRef idx="1">
+            <a:schemeClr val="accent1"/>
+          </a:effectRef>
+          <a:fontRef idx="minor">
+            <a:schemeClr val="tx1"/>
+          </a:fontRef>
+        </p:style>
+      </p:cxnSp>
+      <p:sp>
+        <p:nvSpPr>
+          <p:cNvPr id="121" name="Rectangle 120">
+            <a:extLst>
+              <a:ext uri="{FF2B5EF4-FFF2-40B4-BE49-F238E27FC236}">
+                <a16:creationId xmlns:a16="http://schemas.microsoft.com/office/drawing/2014/main" id="{809360FF-FACF-7951-7F51-E55532D82E2D}"/>
+              </a:ext>
+            </a:extLst>
+          </p:cNvPr>
+          <p:cNvSpPr/>
+          <p:nvPr/>
+        </p:nvSpPr>
+        <p:spPr>
+          <a:xfrm>
+            <a:off x="6939721" y="1795581"/>
+            <a:ext cx="751247" cy="376258"/>
+          </a:xfrm>
+          <a:prstGeom prst="rect">
+            <a:avLst/>
+          </a:prstGeom>
+          <a:solidFill>
+            <a:schemeClr val="accent3"/>
+          </a:solidFill>
+          <a:ln w="19050">
+            <a:noFill/>
+            <a:miter lim="800000"/>
+          </a:ln>
+          <a:effectLst/>
+        </p:spPr>
+        <p:style>
+          <a:lnRef idx="1">
+            <a:schemeClr val="accent1"/>
+          </a:lnRef>
+          <a:fillRef idx="3">
+            <a:schemeClr val="accent1"/>
+          </a:fillRef>
+          <a:effectRef idx="2">
+            <a:schemeClr val="accent1"/>
+          </a:effectRef>
+          <a:fontRef idx="minor">
+            <a:schemeClr val="lt1"/>
+          </a:fontRef>
+        </p:style>
+        <p:txBody>
+          <a:bodyPr rtlCol="0" anchor="ctr"/>
+          <a:lstStyle/>
+          <a:p>
+            <a:pPr algn="l" defTabSz="457200">
+              <a:spcBef>
+                <a:spcPts val="600"/>
+              </a:spcBef>
+              <a:spcAft>
+                <a:spcPts val="800"/>
+              </a:spcAft>
+              <a:buClr>
+                <a:schemeClr val="accent1"/>
+              </a:buClr>
+              <a:buSzPct val="70000"/>
+            </a:pPr>
+            <a:endParaRPr lang="en-US">
+              <a:solidFill>
+                <a:srgbClr val="000000"/>
+              </a:solidFill>
+              <a:latin typeface="Barlow" pitchFamily="2" charset="77"/>
+              <a:cs typeface="Arial" panose="020B0604020202020204" pitchFamily="34" charset="0"/>
+            </a:endParaRPr>
+          </a:p>
+        </p:txBody>
+      </p:sp>
+      <p:sp>
+        <p:nvSpPr>
+          <p:cNvPr id="122" name="TextBox 121">
+            <a:extLst>
+              <a:ext uri="{FF2B5EF4-FFF2-40B4-BE49-F238E27FC236}">
+                <a16:creationId xmlns:a16="http://schemas.microsoft.com/office/drawing/2014/main" id="{AF7ACC69-19F7-034A-E709-D106CD77C035}"/>
+              </a:ext>
+            </a:extLst>
+          </p:cNvPr>
+          <p:cNvSpPr txBox="1"/>
+          <p:nvPr/>
+        </p:nvSpPr>
+        <p:spPr>
+          <a:xfrm>
+            <a:off x="7108982" y="1910736"/>
+            <a:ext cx="581986" cy="218240"/>
+          </a:xfrm>
+          <a:prstGeom prst="rect">
+            <a:avLst/>
+          </a:prstGeom>
+          <a:ln w="19050">
+            <a:noFill/>
+          </a:ln>
+          <a:effectLst/>
+          <a:scene3d>
+            <a:camera prst="orthographicFront"/>
+            <a:lightRig rig="threePt" dir="t"/>
+          </a:scene3d>
+          <a:sp3d>
+            <a:bevelT prst="angle"/>
+          </a:sp3d>
+        </p:spPr>
+        <p:txBody>
+          <a:bodyPr vert="horz" wrap="square" lIns="0" tIns="0" rIns="0" bIns="0" rtlCol="0" anchor="t" anchorCtr="0">
+            <a:noAutofit/>
+          </a:bodyPr>
+          <a:lstStyle/>
+          <a:p>
+            <a:pPr algn="l"/>
+            <a:r>
+              <a:rPr lang="en-US" sz="900" dirty="0">
+                <a:solidFill>
+                  <a:schemeClr val="bg1"/>
+                </a:solidFill>
+              </a:rPr>
+              <a:t>MAX7312</a:t>
+            </a:r>
+            <a:endParaRPr lang="en-US" sz="800" dirty="0">
+              <a:solidFill>
+                <a:schemeClr val="bg1"/>
+              </a:solidFill>
+            </a:endParaRPr>
+          </a:p>
+        </p:txBody>
+      </p:sp>
+      <p:cxnSp>
+        <p:nvCxnSpPr>
+          <p:cNvPr id="123" name="Straight Arrow Connector 122">
+            <a:extLst>
+              <a:ext uri="{FF2B5EF4-FFF2-40B4-BE49-F238E27FC236}">
+                <a16:creationId xmlns:a16="http://schemas.microsoft.com/office/drawing/2014/main" id="{E20FEF62-F487-3F86-3315-AA823CAC013B}"/>
+              </a:ext>
+            </a:extLst>
+          </p:cNvPr>
+          <p:cNvCxnSpPr>
+            <a:cxnSpLocks/>
+            <a:endCxn id="121" idx="2"/>
+          </p:cNvCxnSpPr>
+          <p:nvPr/>
+        </p:nvCxnSpPr>
+        <p:spPr>
+          <a:xfrm flipH="1" flipV="1">
+            <a:off x="7315345" y="2171839"/>
+            <a:ext cx="342" cy="1488179"/>
+          </a:xfrm>
+          <a:prstGeom prst="straightConnector1">
+            <a:avLst/>
+          </a:prstGeom>
+          <a:ln w="19050">
+            <a:solidFill>
+              <a:schemeClr val="tx1"/>
+            </a:solidFill>
+            <a:tailEnd type="triangle"/>
+          </a:ln>
+          <a:effectLst/>
+          <a:scene3d>
+            <a:camera prst="orthographicFront"/>
+            <a:lightRig rig="threePt" dir="t"/>
+          </a:scene3d>
+          <a:sp3d>
+            <a:bevelT prst="angle"/>
+          </a:sp3d>
+        </p:spPr>
+        <p:style>
+          <a:lnRef idx="2">
+            <a:schemeClr val="accent1"/>
+          </a:lnRef>
+          <a:fillRef idx="0">
+            <a:schemeClr val="accent1"/>
+          </a:fillRef>
+          <a:effectRef idx="1">
+            <a:schemeClr val="accent1"/>
+          </a:effectRef>
+          <a:fontRef idx="minor">
+            <a:schemeClr val="tx1"/>
+          </a:fontRef>
+        </p:style>
+      </p:cxnSp>
+      <p:cxnSp>
+        <p:nvCxnSpPr>
+          <p:cNvPr id="124" name="Straight Arrow Connector 123">
+            <a:extLst>
+              <a:ext uri="{FF2B5EF4-FFF2-40B4-BE49-F238E27FC236}">
+                <a16:creationId xmlns:a16="http://schemas.microsoft.com/office/drawing/2014/main" id="{8114ABE4-587F-59C5-093F-AE5C0DAE79A1}"/>
+              </a:ext>
+            </a:extLst>
+          </p:cNvPr>
+          <p:cNvCxnSpPr>
+            <a:cxnSpLocks/>
+          </p:cNvCxnSpPr>
+          <p:nvPr/>
+        </p:nvCxnSpPr>
+        <p:spPr>
+          <a:xfrm>
+            <a:off x="7315687" y="3298708"/>
+            <a:ext cx="0" cy="67162"/>
+          </a:xfrm>
+          <a:prstGeom prst="straightConnector1">
+            <a:avLst/>
+          </a:prstGeom>
+          <a:ln w="19050">
+            <a:solidFill>
+              <a:schemeClr val="accent6"/>
+            </a:solidFill>
+            <a:tailEnd type="triangle"/>
+          </a:ln>
+          <a:effectLst/>
+          <a:scene3d>
+            <a:camera prst="orthographicFront"/>
+            <a:lightRig rig="threePt" dir="t"/>
+          </a:scene3d>
+          <a:sp3d>
+            <a:bevelT prst="angle"/>
+          </a:sp3d>
+        </p:spPr>
+        <p:style>
+          <a:lnRef idx="2">
+            <a:schemeClr val="accent1"/>
+          </a:lnRef>
+          <a:fillRef idx="0">
+            <a:schemeClr val="accent1"/>
+          </a:fillRef>
+          <a:effectRef idx="1">
+            <a:schemeClr val="accent1"/>
+          </a:effectRef>
+          <a:fontRef idx="minor">
+            <a:schemeClr val="tx1"/>
+          </a:fontRef>
+        </p:style>
+      </p:cxnSp>
+      <p:cxnSp>
+        <p:nvCxnSpPr>
+          <p:cNvPr id="125" name="Straight Arrow Connector 124">
+            <a:extLst>
+              <a:ext uri="{FF2B5EF4-FFF2-40B4-BE49-F238E27FC236}">
+                <a16:creationId xmlns:a16="http://schemas.microsoft.com/office/drawing/2014/main" id="{07F74E5C-1964-62F3-DB65-C10A39A09B4F}"/>
+              </a:ext>
+            </a:extLst>
+          </p:cNvPr>
+          <p:cNvCxnSpPr>
+            <a:cxnSpLocks/>
+          </p:cNvCxnSpPr>
+          <p:nvPr/>
+        </p:nvCxnSpPr>
+        <p:spPr>
+          <a:xfrm flipV="1">
+            <a:off x="7315687" y="3214784"/>
+            <a:ext cx="0" cy="33910"/>
+          </a:xfrm>
+          <a:prstGeom prst="straightConnector1">
+            <a:avLst/>
+          </a:prstGeom>
+          <a:ln w="19050">
+            <a:solidFill>
+              <a:schemeClr val="accent6"/>
+            </a:solidFill>
+            <a:tailEnd type="triangle"/>
+          </a:ln>
+          <a:effectLst/>
+          <a:scene3d>
+            <a:camera prst="orthographicFront"/>
+            <a:lightRig rig="threePt" dir="t"/>
+          </a:scene3d>
+          <a:sp3d>
+            <a:bevelT prst="angle"/>
+          </a:sp3d>
+        </p:spPr>
+        <p:style>
+          <a:lnRef idx="2">
+            <a:schemeClr val="accent1"/>
+          </a:lnRef>
+          <a:fillRef idx="0">
+            <a:schemeClr val="accent1"/>
+          </a:fillRef>
+          <a:effectRef idx="1">
+            <a:schemeClr val="accent1"/>
+          </a:effectRef>
+          <a:fontRef idx="minor">
+            <a:schemeClr val="tx1"/>
+          </a:fontRef>
+        </p:style>
+      </p:cxnSp>
+      <p:cxnSp>
+        <p:nvCxnSpPr>
+          <p:cNvPr id="130" name="Straight Connector 129">
+            <a:extLst>
+              <a:ext uri="{FF2B5EF4-FFF2-40B4-BE49-F238E27FC236}">
+                <a16:creationId xmlns:a16="http://schemas.microsoft.com/office/drawing/2014/main" id="{59EF57F7-816A-C868-7CDF-54AA29390A35}"/>
+              </a:ext>
+            </a:extLst>
+          </p:cNvPr>
+          <p:cNvCxnSpPr>
+            <a:cxnSpLocks/>
+          </p:cNvCxnSpPr>
+          <p:nvPr/>
+        </p:nvCxnSpPr>
+        <p:spPr>
+          <a:xfrm flipH="1">
+            <a:off x="6645541" y="1943511"/>
+            <a:ext cx="296595" cy="0"/>
+          </a:xfrm>
+          <a:prstGeom prst="line">
+            <a:avLst/>
+          </a:prstGeom>
+          <a:ln w="19050">
+            <a:solidFill>
+              <a:schemeClr val="tx1"/>
+            </a:solidFill>
+            <a:headEnd type="none" w="med" len="med"/>
+            <a:tailEnd type="triangle" w="med" len="med"/>
+          </a:ln>
+          <a:effectLst/>
+          <a:scene3d>
+            <a:camera prst="orthographicFront"/>
+            <a:lightRig rig="threePt" dir="t"/>
+          </a:scene3d>
+          <a:sp3d>
+            <a:bevelT prst="angle"/>
+          </a:sp3d>
+        </p:spPr>
+        <p:style>
+          <a:lnRef idx="2">
+            <a:schemeClr val="accent1"/>
+          </a:lnRef>
+          <a:fillRef idx="0">
+            <a:schemeClr val="accent1"/>
+          </a:fillRef>
+          <a:effectRef idx="1">
+            <a:schemeClr val="accent1"/>
+          </a:effectRef>
+          <a:fontRef idx="minor">
+            <a:schemeClr val="tx1"/>
+          </a:fontRef>
+        </p:style>
+      </p:cxnSp>
+      <p:sp>
+        <p:nvSpPr>
+          <p:cNvPr id="146" name="Rectangle 145">
+            <a:extLst>
+              <a:ext uri="{FF2B5EF4-FFF2-40B4-BE49-F238E27FC236}">
+                <a16:creationId xmlns:a16="http://schemas.microsoft.com/office/drawing/2014/main" id="{2B16D83A-893E-91AA-28E3-129469951964}"/>
+              </a:ext>
+            </a:extLst>
+          </p:cNvPr>
+          <p:cNvSpPr/>
+          <p:nvPr/>
+        </p:nvSpPr>
+        <p:spPr>
+          <a:xfrm>
+            <a:off x="4692668" y="1720283"/>
+            <a:ext cx="581377" cy="380906"/>
+          </a:xfrm>
+          <a:prstGeom prst="rect">
+            <a:avLst/>
+          </a:prstGeom>
+          <a:solidFill>
+            <a:schemeClr val="accent6">
+              <a:lumMod val="60000"/>
+              <a:lumOff val="40000"/>
+            </a:schemeClr>
+          </a:solidFill>
+          <a:ln w="19050">
+            <a:noFill/>
+            <a:miter lim="800000"/>
+          </a:ln>
+          <a:effectLst/>
+        </p:spPr>
+        <p:style>
+          <a:lnRef idx="1">
+            <a:schemeClr val="accent1"/>
+          </a:lnRef>
+          <a:fillRef idx="3">
+            <a:schemeClr val="accent1"/>
+          </a:fillRef>
+          <a:effectRef idx="2">
+            <a:schemeClr val="accent1"/>
+          </a:effectRef>
+          <a:fontRef idx="minor">
+            <a:schemeClr val="lt1"/>
+          </a:fontRef>
+        </p:style>
+        <p:txBody>
+          <a:bodyPr rtlCol="0" anchor="ctr"/>
+          <a:lstStyle/>
+          <a:p>
+            <a:pPr algn="ctr" defTabSz="457200">
+              <a:spcBef>
+                <a:spcPts val="600"/>
+              </a:spcBef>
+              <a:spcAft>
+                <a:spcPts val="800"/>
+              </a:spcAft>
+              <a:buClr>
+                <a:schemeClr val="accent1"/>
+              </a:buClr>
+              <a:buSzPct val="70000"/>
+            </a:pPr>
+            <a:endParaRPr lang="en-US" dirty="0">
+              <a:solidFill>
+                <a:schemeClr val="bg1"/>
+              </a:solidFill>
+              <a:latin typeface="Barlow" pitchFamily="2" charset="77"/>
+              <a:cs typeface="Arial" panose="020B0604020202020204" pitchFamily="34" charset="0"/>
+            </a:endParaRPr>
+          </a:p>
+        </p:txBody>
+      </p:sp>
+      <p:sp>
+        <p:nvSpPr>
+          <p:cNvPr id="147" name="TextBox 146">
+            <a:extLst>
+              <a:ext uri="{FF2B5EF4-FFF2-40B4-BE49-F238E27FC236}">
+                <a16:creationId xmlns:a16="http://schemas.microsoft.com/office/drawing/2014/main" id="{A00E2DC1-37FC-C3FA-F4AE-78817459644A}"/>
+              </a:ext>
+            </a:extLst>
+          </p:cNvPr>
+          <p:cNvSpPr txBox="1"/>
+          <p:nvPr/>
+        </p:nvSpPr>
+        <p:spPr>
+          <a:xfrm>
+            <a:off x="4763269" y="1792775"/>
+            <a:ext cx="424669" cy="218240"/>
+          </a:xfrm>
+          <a:prstGeom prst="rect">
+            <a:avLst/>
+          </a:prstGeom>
+          <a:noFill/>
+          <a:ln w="19050">
+            <a:noFill/>
+          </a:ln>
+          <a:effectLst/>
+          <a:scene3d>
+            <a:camera prst="orthographicFront"/>
+            <a:lightRig rig="threePt" dir="t"/>
+          </a:scene3d>
+          <a:sp3d>
+            <a:bevelT prst="angle"/>
+          </a:sp3d>
+        </p:spPr>
+        <p:txBody>
+          <a:bodyPr vert="horz" wrap="square" lIns="0" tIns="0" rIns="0" bIns="0" rtlCol="0" anchor="t" anchorCtr="0">
+            <a:noAutofit/>
+          </a:bodyPr>
+          <a:lstStyle/>
+          <a:p>
+            <a:pPr algn="ctr"/>
+            <a:r>
+              <a:rPr lang="en-US" sz="800" dirty="0">
+                <a:solidFill>
+                  <a:schemeClr val="bg1"/>
+                </a:solidFill>
+              </a:rPr>
+              <a:t>PC with MATLAB</a:t>
+            </a:r>
+          </a:p>
+        </p:txBody>
+      </p:sp>
+      <p:cxnSp>
+        <p:nvCxnSpPr>
+          <p:cNvPr id="157" name="Straight Arrow Connector 156">
+            <a:extLst>
+              <a:ext uri="{FF2B5EF4-FFF2-40B4-BE49-F238E27FC236}">
+                <a16:creationId xmlns:a16="http://schemas.microsoft.com/office/drawing/2014/main" id="{65335C55-BC41-83E3-229F-EC04E46A2234}"/>
+              </a:ext>
+            </a:extLst>
+          </p:cNvPr>
+          <p:cNvCxnSpPr>
+            <a:cxnSpLocks/>
+          </p:cNvCxnSpPr>
+          <p:nvPr/>
+        </p:nvCxnSpPr>
+        <p:spPr>
+          <a:xfrm>
+            <a:off x="1904419" y="3697382"/>
+            <a:ext cx="67037" cy="0"/>
+          </a:xfrm>
+          <a:prstGeom prst="straightConnector1">
+            <a:avLst/>
+          </a:prstGeom>
+          <a:ln w="19050">
+            <a:solidFill>
+              <a:schemeClr val="accent3">
+                <a:lumMod val="75000"/>
+              </a:schemeClr>
+            </a:solidFill>
+            <a:tailEnd type="triangle"/>
+          </a:ln>
+          <a:effectLst/>
+          <a:scene3d>
+            <a:camera prst="orthographicFront"/>
+            <a:lightRig rig="threePt" dir="t"/>
+          </a:scene3d>
+          <a:sp3d>
+            <a:bevelT prst="angle"/>
+          </a:sp3d>
+        </p:spPr>
+        <p:style>
+          <a:lnRef idx="2">
+            <a:schemeClr val="accent1"/>
+          </a:lnRef>
+          <a:fillRef idx="0">
+            <a:schemeClr val="accent1"/>
+          </a:fillRef>
+          <a:effectRef idx="1">
+            <a:schemeClr val="accent1"/>
+          </a:effectRef>
+          <a:fontRef idx="minor">
+            <a:schemeClr val="tx1"/>
+          </a:fontRef>
+        </p:style>
+      </p:cxnSp>
+      <p:sp>
+        <p:nvSpPr>
+          <p:cNvPr id="158" name="Rectangle 157">
+            <a:extLst>
+              <a:ext uri="{FF2B5EF4-FFF2-40B4-BE49-F238E27FC236}">
+                <a16:creationId xmlns:a16="http://schemas.microsoft.com/office/drawing/2014/main" id="{9E722C63-D965-AED4-F9D6-28E455A7598A}"/>
+              </a:ext>
+            </a:extLst>
+          </p:cNvPr>
+          <p:cNvSpPr/>
+          <p:nvPr/>
+        </p:nvSpPr>
+        <p:spPr>
+          <a:xfrm>
+            <a:off x="1180611" y="1049511"/>
+            <a:ext cx="581377" cy="380906"/>
+          </a:xfrm>
+          <a:prstGeom prst="rect">
+            <a:avLst/>
+          </a:prstGeom>
+          <a:solidFill>
+            <a:schemeClr val="accent3">
+              <a:lumMod val="75000"/>
+            </a:schemeClr>
+          </a:solidFill>
+          <a:ln w="19050">
+            <a:noFill/>
+            <a:miter lim="800000"/>
+          </a:ln>
+          <a:effectLst/>
+        </p:spPr>
+        <p:style>
+          <a:lnRef idx="1">
+            <a:schemeClr val="accent1"/>
+          </a:lnRef>
+          <a:fillRef idx="3">
+            <a:schemeClr val="accent1"/>
+          </a:fillRef>
+          <a:effectRef idx="2">
+            <a:schemeClr val="accent1"/>
+          </a:effectRef>
+          <a:fontRef idx="minor">
+            <a:schemeClr val="lt1"/>
+          </a:fontRef>
+        </p:style>
+        <p:txBody>
+          <a:bodyPr rtlCol="0" anchor="ctr"/>
+          <a:lstStyle/>
+          <a:p>
+            <a:pPr algn="ctr" defTabSz="457200">
+              <a:spcBef>
+                <a:spcPts val="600"/>
+              </a:spcBef>
+              <a:spcAft>
+                <a:spcPts val="800"/>
+              </a:spcAft>
+              <a:buClr>
+                <a:schemeClr val="accent1"/>
+              </a:buClr>
+              <a:buSzPct val="70000"/>
+            </a:pPr>
+            <a:r>
+              <a:rPr lang="en-US" sz="800" dirty="0">
+                <a:solidFill>
+                  <a:schemeClr val="bg1"/>
+                </a:solidFill>
+                <a:latin typeface="Barlow" pitchFamily="2" charset="77"/>
+                <a:cs typeface="Arial" panose="020B0604020202020204" pitchFamily="34" charset="0"/>
+              </a:rPr>
+              <a:t>Analog</a:t>
+            </a:r>
+          </a:p>
+        </p:txBody>
+      </p:sp>
+      <p:sp>
+        <p:nvSpPr>
+          <p:cNvPr id="159" name="Rectangle 158">
+            <a:extLst>
+              <a:ext uri="{FF2B5EF4-FFF2-40B4-BE49-F238E27FC236}">
+                <a16:creationId xmlns:a16="http://schemas.microsoft.com/office/drawing/2014/main" id="{8FD56E83-0744-04BE-E415-D607906350A4}"/>
+              </a:ext>
+            </a:extLst>
+          </p:cNvPr>
+          <p:cNvSpPr/>
+          <p:nvPr/>
+        </p:nvSpPr>
+        <p:spPr>
+          <a:xfrm>
+            <a:off x="1180610" y="1519714"/>
+            <a:ext cx="581377" cy="380906"/>
+          </a:xfrm>
+          <a:prstGeom prst="rect">
+            <a:avLst/>
+          </a:prstGeom>
+          <a:solidFill>
+            <a:srgbClr val="00B050"/>
+          </a:solidFill>
+          <a:ln w="19050">
+            <a:noFill/>
+            <a:miter lim="800000"/>
+          </a:ln>
+          <a:effectLst/>
+        </p:spPr>
+        <p:style>
+          <a:lnRef idx="1">
+            <a:schemeClr val="accent1"/>
+          </a:lnRef>
+          <a:fillRef idx="3">
+            <a:schemeClr val="accent1"/>
+          </a:fillRef>
+          <a:effectRef idx="2">
+            <a:schemeClr val="accent1"/>
+          </a:effectRef>
+          <a:fontRef idx="minor">
+            <a:schemeClr val="lt1"/>
+          </a:fontRef>
+        </p:style>
+        <p:txBody>
+          <a:bodyPr rtlCol="0" anchor="ctr"/>
+          <a:lstStyle/>
+          <a:p>
+            <a:pPr algn="ctr" defTabSz="457200">
+              <a:spcBef>
+                <a:spcPts val="600"/>
+              </a:spcBef>
+              <a:spcAft>
+                <a:spcPts val="800"/>
+              </a:spcAft>
+              <a:buClr>
+                <a:schemeClr val="accent1"/>
+              </a:buClr>
+              <a:buSzPct val="70000"/>
+            </a:pPr>
+            <a:r>
+              <a:rPr lang="en-US" sz="800" dirty="0">
+                <a:solidFill>
+                  <a:schemeClr val="bg1"/>
+                </a:solidFill>
+                <a:latin typeface="Barlow" pitchFamily="2" charset="77"/>
+                <a:cs typeface="Arial" panose="020B0604020202020204" pitchFamily="34" charset="0"/>
+              </a:rPr>
+              <a:t>Power</a:t>
+            </a:r>
+          </a:p>
+        </p:txBody>
+      </p:sp>
+      <p:sp>
+        <p:nvSpPr>
+          <p:cNvPr id="160" name="Rectangle 159">
+            <a:extLst>
+              <a:ext uri="{FF2B5EF4-FFF2-40B4-BE49-F238E27FC236}">
+                <a16:creationId xmlns:a16="http://schemas.microsoft.com/office/drawing/2014/main" id="{F7BC0034-76F0-1091-104A-92D624A3FA79}"/>
+              </a:ext>
+            </a:extLst>
+          </p:cNvPr>
+          <p:cNvSpPr/>
+          <p:nvPr/>
+        </p:nvSpPr>
+        <p:spPr>
+          <a:xfrm>
+            <a:off x="1179705" y="2007590"/>
+            <a:ext cx="581377" cy="380906"/>
+          </a:xfrm>
+          <a:prstGeom prst="rect">
+            <a:avLst/>
+          </a:prstGeom>
+          <a:solidFill>
+            <a:schemeClr val="tx2"/>
+          </a:solidFill>
+          <a:ln w="19050">
+            <a:noFill/>
+            <a:miter lim="800000"/>
+          </a:ln>
+          <a:effectLst/>
+        </p:spPr>
+        <p:style>
+          <a:lnRef idx="1">
+            <a:schemeClr val="accent1"/>
+          </a:lnRef>
+          <a:fillRef idx="3">
+            <a:schemeClr val="accent1"/>
+          </a:fillRef>
+          <a:effectRef idx="2">
+            <a:schemeClr val="accent1"/>
+          </a:effectRef>
+          <a:fontRef idx="minor">
+            <a:schemeClr val="lt1"/>
+          </a:fontRef>
+        </p:style>
+        <p:txBody>
+          <a:bodyPr rtlCol="0" anchor="ctr"/>
+          <a:lstStyle/>
+          <a:p>
+            <a:pPr algn="ctr" defTabSz="457200">
+              <a:spcBef>
+                <a:spcPts val="600"/>
+              </a:spcBef>
+              <a:spcAft>
+                <a:spcPts val="800"/>
+              </a:spcAft>
+              <a:buClr>
+                <a:schemeClr val="accent1"/>
+              </a:buClr>
+              <a:buSzPct val="70000"/>
+            </a:pPr>
+            <a:r>
+              <a:rPr lang="en-US" sz="800" dirty="0">
+                <a:solidFill>
+                  <a:schemeClr val="bg1"/>
+                </a:solidFill>
+                <a:latin typeface="Barlow" pitchFamily="2" charset="77"/>
+                <a:cs typeface="Arial" panose="020B0604020202020204" pitchFamily="34" charset="0"/>
+              </a:rPr>
+              <a:t>Digital</a:t>
+            </a:r>
+          </a:p>
+        </p:txBody>
+      </p:sp>
+      <p:sp>
+        <p:nvSpPr>
+          <p:cNvPr id="2" name="Rectangle 1">
+            <a:extLst>
+              <a:ext uri="{FF2B5EF4-FFF2-40B4-BE49-F238E27FC236}">
+                <a16:creationId xmlns:a16="http://schemas.microsoft.com/office/drawing/2014/main" id="{A468A394-D7BE-D162-740C-B0EB5CDE536E}"/>
+              </a:ext>
+            </a:extLst>
+          </p:cNvPr>
+          <p:cNvSpPr/>
+          <p:nvPr/>
+        </p:nvSpPr>
+        <p:spPr>
+          <a:xfrm>
+            <a:off x="215492" y="4258451"/>
+            <a:ext cx="439724" cy="369025"/>
+          </a:xfrm>
+          <a:prstGeom prst="rect">
+            <a:avLst/>
+          </a:prstGeom>
+          <a:solidFill>
+            <a:schemeClr val="accent3">
+              <a:lumMod val="75000"/>
+            </a:schemeClr>
+          </a:solidFill>
+          <a:ln w="19050">
+            <a:noFill/>
+            <a:miter lim="800000"/>
+          </a:ln>
+          <a:effectLst/>
+        </p:spPr>
+        <p:style>
+          <a:lnRef idx="1">
+            <a:schemeClr val="accent1"/>
+          </a:lnRef>
+          <a:fillRef idx="3">
+            <a:schemeClr val="accent1"/>
+          </a:fillRef>
+          <a:effectRef idx="2">
+            <a:schemeClr val="accent1"/>
+          </a:effectRef>
+          <a:fontRef idx="minor">
+            <a:schemeClr val="lt1"/>
+          </a:fontRef>
+        </p:style>
+        <p:txBody>
+          <a:bodyPr rtlCol="0" anchor="ctr"/>
+          <a:lstStyle/>
+          <a:p>
+            <a:pPr algn="l" defTabSz="457200">
+              <a:spcBef>
+                <a:spcPts val="600"/>
+              </a:spcBef>
+              <a:spcAft>
+                <a:spcPts val="800"/>
+              </a:spcAft>
+              <a:buClr>
+                <a:schemeClr val="accent1"/>
+              </a:buClr>
+              <a:buSzPct val="70000"/>
+            </a:pPr>
+            <a:r>
+              <a:rPr lang="en-US" dirty="0">
+                <a:solidFill>
+                  <a:srgbClr val="000000"/>
+                </a:solidFill>
+                <a:latin typeface="Barlow" pitchFamily="2" charset="77"/>
+                <a:cs typeface="Arial" panose="020B0604020202020204" pitchFamily="34" charset="0"/>
+              </a:rPr>
+              <a:t> </a:t>
+            </a:r>
+          </a:p>
+        </p:txBody>
+      </p:sp>
+      <p:sp>
+        <p:nvSpPr>
+          <p:cNvPr id="6" name="TextBox 5">
+            <a:extLst>
+              <a:ext uri="{FF2B5EF4-FFF2-40B4-BE49-F238E27FC236}">
+                <a16:creationId xmlns:a16="http://schemas.microsoft.com/office/drawing/2014/main" id="{025779D3-8212-BD4F-13F4-D6D20DCF4ADB}"/>
+              </a:ext>
+            </a:extLst>
+          </p:cNvPr>
+          <p:cNvSpPr txBox="1"/>
+          <p:nvPr/>
+        </p:nvSpPr>
+        <p:spPr>
+          <a:xfrm>
+            <a:off x="234382" y="4345748"/>
+            <a:ext cx="416800" cy="190429"/>
+          </a:xfrm>
+          <a:prstGeom prst="rect">
+            <a:avLst/>
+          </a:prstGeom>
+          <a:noFill/>
+          <a:ln w="19050">
+            <a:noFill/>
+          </a:ln>
+          <a:effectLst/>
+          <a:scene3d>
+            <a:camera prst="orthographicFront"/>
+            <a:lightRig rig="threePt" dir="t"/>
+          </a:scene3d>
+          <a:sp3d>
+            <a:bevelT prst="angle"/>
+          </a:sp3d>
+        </p:spPr>
+        <p:txBody>
+          <a:bodyPr vert="horz" wrap="square" lIns="0" tIns="0" rIns="0" bIns="0" rtlCol="0" anchor="t" anchorCtr="0">
+            <a:normAutofit fontScale="77500" lnSpcReduction="20000"/>
+          </a:bodyPr>
+          <a:lstStyle/>
+          <a:p>
+            <a:pPr algn="ctr"/>
+            <a:r>
+              <a:rPr lang="en-US" sz="900" dirty="0">
+                <a:solidFill>
+                  <a:schemeClr val="bg1"/>
+                </a:solidFill>
+              </a:rPr>
+              <a:t>MAX14662</a:t>
+            </a:r>
+          </a:p>
+        </p:txBody>
+      </p:sp>
+      <p:cxnSp>
+        <p:nvCxnSpPr>
+          <p:cNvPr id="12" name="Straight Arrow Connector 11">
+            <a:extLst>
+              <a:ext uri="{FF2B5EF4-FFF2-40B4-BE49-F238E27FC236}">
+                <a16:creationId xmlns:a16="http://schemas.microsoft.com/office/drawing/2014/main" id="{7FE325C4-A775-3ADB-ADC6-44AC585204CE}"/>
+              </a:ext>
+            </a:extLst>
+          </p:cNvPr>
+          <p:cNvCxnSpPr>
+            <a:cxnSpLocks/>
+          </p:cNvCxnSpPr>
+          <p:nvPr/>
+        </p:nvCxnSpPr>
+        <p:spPr>
+          <a:xfrm>
+            <a:off x="650737" y="4465507"/>
+            <a:ext cx="334196" cy="0"/>
+          </a:xfrm>
+          <a:prstGeom prst="straightConnector1">
+            <a:avLst/>
+          </a:prstGeom>
+          <a:ln w="19050">
+            <a:solidFill>
+              <a:schemeClr val="tx1"/>
+            </a:solidFill>
+            <a:headEnd type="triangle" w="med" len="med"/>
+            <a:tailEnd type="none" w="med" len="med"/>
+          </a:ln>
+          <a:effectLst/>
+          <a:scene3d>
+            <a:camera prst="orthographicFront"/>
+            <a:lightRig rig="threePt" dir="t"/>
+          </a:scene3d>
+          <a:sp3d>
+            <a:bevelT prst="angle"/>
+          </a:sp3d>
+        </p:spPr>
+        <p:style>
+          <a:lnRef idx="2">
+            <a:schemeClr val="accent1"/>
+          </a:lnRef>
+          <a:fillRef idx="0">
+            <a:schemeClr val="accent1"/>
+          </a:fillRef>
+          <a:effectRef idx="1">
+            <a:schemeClr val="accent1"/>
+          </a:effectRef>
+          <a:fontRef idx="minor">
+            <a:schemeClr val="tx1"/>
+          </a:fontRef>
+        </p:style>
+      </p:cxnSp>
+      <p:cxnSp>
+        <p:nvCxnSpPr>
+          <p:cNvPr id="17" name="Straight Arrow Connector 16">
+            <a:extLst>
+              <a:ext uri="{FF2B5EF4-FFF2-40B4-BE49-F238E27FC236}">
+                <a16:creationId xmlns:a16="http://schemas.microsoft.com/office/drawing/2014/main" id="{11BDBC44-EFEB-B59E-B6FA-6F7E54E76248}"/>
+              </a:ext>
+            </a:extLst>
+          </p:cNvPr>
+          <p:cNvCxnSpPr>
+            <a:cxnSpLocks/>
+          </p:cNvCxnSpPr>
+          <p:nvPr/>
+        </p:nvCxnSpPr>
+        <p:spPr>
+          <a:xfrm flipH="1">
+            <a:off x="751343" y="4465507"/>
+            <a:ext cx="69488" cy="0"/>
+          </a:xfrm>
+          <a:prstGeom prst="straightConnector1">
+            <a:avLst/>
+          </a:prstGeom>
+          <a:ln w="19050">
+            <a:solidFill>
+              <a:schemeClr val="accent3">
+                <a:lumMod val="75000"/>
+              </a:schemeClr>
+            </a:solidFill>
+            <a:tailEnd type="triangle"/>
+          </a:ln>
+          <a:effectLst/>
+          <a:scene3d>
+            <a:camera prst="orthographicFront"/>
+            <a:lightRig rig="threePt" dir="t"/>
+          </a:scene3d>
+          <a:sp3d>
+            <a:bevelT prst="angle"/>
+          </a:sp3d>
+        </p:spPr>
+        <p:style>
+          <a:lnRef idx="2">
+            <a:schemeClr val="accent1"/>
+          </a:lnRef>
+          <a:fillRef idx="0">
+            <a:schemeClr val="accent1"/>
+          </a:fillRef>
+          <a:effectRef idx="1">
+            <a:schemeClr val="accent1"/>
+          </a:effectRef>
+          <a:fontRef idx="minor">
+            <a:schemeClr val="tx1"/>
+          </a:fontRef>
+        </p:style>
+      </p:cxnSp>
+    </p:spTree>
+    <p:extLst>
+      <p:ext uri="{BB962C8B-B14F-4D97-AF65-F5344CB8AC3E}">
+        <p14:creationId xmlns:p14="http://schemas.microsoft.com/office/powerpoint/2010/main" val="3928040514"/>
+      </p:ext>
+    </p:extLst>
+  </p:cSld>
+  <p:clrMapOvr>
+    <a:masterClrMapping/>
+  </p:clrMapOvr>
+  <mc:AlternateContent xmlns:mc="http://schemas.openxmlformats.org/markup-compatibility/2006" xmlns:p14="http://schemas.microsoft.com/office/powerpoint/2010/main">
+    <mc:Choice Requires="p14">
+      <p:transition spd="med" p14:dur="700">
+        <p:fade/>
+      </p:transition>
+    </mc:Choice>
+    <mc:Fallback xmlns="">
+      <p:transition spd="med">
+        <p:fade/>
+      </p:transition>
+    </mc:Fallback>
+  </mc:AlternateContent>
+  <p:timing>
+    <p:tnLst>
+      <p:par>
+        <p:cTn id="1" dur="indefinite" restart="never" nodeType="tmRoot">
+          <p:childTnLst>
+            <p:seq concurrent="1" nextAc="seek">
+              <p:cTn id="2" dur="indefinite" nodeType="mainSeq">
+                <p:childTnLst>
+                  <p:par>
+                    <p:cTn id="3" fill="hold">
+                      <p:stCondLst>
+                        <p:cond delay="indefinite"/>
+                        <p:cond evt="onBegin" delay="0">
+                          <p:tn val="2"/>
+                        </p:cond>
+                      </p:stCondLst>
+                      <p:childTnLst>
+                        <p:par>
+                          <p:cTn id="4" fill="hold">
+                            <p:stCondLst>
+                              <p:cond delay="0"/>
+                            </p:stCondLst>
+                            <p:childTnLst>
+                              <p:par>
+                                <p:cTn id="5" presetID="42" presetClass="path" presetSubtype="0" repeatCount="indefinite" accel="50000" decel="50000" fill="hold" nodeType="withEffect">
+                                  <p:stCondLst>
+                                    <p:cond delay="0"/>
+                                  </p:stCondLst>
+                                  <p:childTnLst>
+                                    <p:animMotion origin="layout" path="M -0.00013 0.00185 L 0.00026 0.05995 " pathEditMode="relative" rAng="0" ptsTypes="AA">
+                                      <p:cBhvr>
+                                        <p:cTn id="6" dur="500" fill="hold"/>
+                                        <p:tgtEl>
+                                          <p:spTgt spid="87"/>
+                                        </p:tgtEl>
+                                        <p:attrNameLst>
+                                          <p:attrName>ppt_x</p:attrName>
+                                          <p:attrName>ppt_y</p:attrName>
+                                        </p:attrNameLst>
+                                      </p:cBhvr>
+                                      <p:rCtr x="13" y="2894"/>
+                                    </p:animMotion>
+                                  </p:childTnLst>
+                                </p:cTn>
+                              </p:par>
+                              <p:par>
+                                <p:cTn id="7" presetID="42" presetClass="path" presetSubtype="0" repeatCount="indefinite" accel="50000" decel="50000" fill="hold" nodeType="withEffect">
+                                  <p:stCondLst>
+                                    <p:cond delay="0"/>
+                                  </p:stCondLst>
+                                  <p:childTnLst>
+                                    <p:animMotion origin="layout" path="M -3.54167E-6 -0.00092 L -0.00026 -0.05856 " pathEditMode="relative" rAng="0" ptsTypes="AA">
+                                      <p:cBhvr>
+                                        <p:cTn id="8" dur="500" fill="hold"/>
+                                        <p:tgtEl>
+                                          <p:spTgt spid="89"/>
+                                        </p:tgtEl>
+                                        <p:attrNameLst>
+                                          <p:attrName>ppt_x</p:attrName>
+                                          <p:attrName>ppt_y</p:attrName>
+                                        </p:attrNameLst>
+                                      </p:cBhvr>
+                                      <p:rCtr x="-13" y="-2894"/>
+                                    </p:animMotion>
+                                  </p:childTnLst>
+                                </p:cTn>
+                              </p:par>
+                              <p:par>
+                                <p:cTn id="9" presetID="64" presetClass="path" presetSubtype="0" repeatCount="indefinite" accel="50000" decel="50000" fill="hold" nodeType="withEffect">
+                                  <p:stCondLst>
+                                    <p:cond delay="0"/>
+                                  </p:stCondLst>
+                                  <p:childTnLst>
+                                    <p:animMotion origin="layout" path="M 3.125E-6 -2.22222E-6 L -0.00026 -0.10926 " pathEditMode="relative" rAng="0" ptsTypes="AA">
+                                      <p:cBhvr>
+                                        <p:cTn id="10" dur="500" fill="hold"/>
+                                        <p:tgtEl>
+                                          <p:spTgt spid="120"/>
+                                        </p:tgtEl>
+                                        <p:attrNameLst>
+                                          <p:attrName>ppt_x</p:attrName>
+                                          <p:attrName>ppt_y</p:attrName>
+                                        </p:attrNameLst>
+                                      </p:cBhvr>
+                                      <p:rCtr x="-13" y="-5463"/>
+                                    </p:animMotion>
+                                  </p:childTnLst>
+                                </p:cTn>
+                              </p:par>
+                              <p:par>
+                                <p:cTn id="11" presetID="63" presetClass="path" presetSubtype="0" repeatCount="indefinite" accel="50000" decel="50000" fill="hold" nodeType="withEffect">
+                                  <p:stCondLst>
+                                    <p:cond delay="0"/>
+                                  </p:stCondLst>
+                                  <p:childTnLst>
+                                    <p:animMotion origin="layout" path="M 4.16667E-7 -2.59259E-6 L 0.03672 -0.00115 " pathEditMode="relative" rAng="0" ptsTypes="AA">
+                                      <p:cBhvr>
+                                        <p:cTn id="12" dur="500" fill="hold"/>
+                                        <p:tgtEl>
+                                          <p:spTgt spid="137"/>
+                                        </p:tgtEl>
+                                        <p:attrNameLst>
+                                          <p:attrName>ppt_x</p:attrName>
+                                          <p:attrName>ppt_y</p:attrName>
+                                        </p:attrNameLst>
+                                      </p:cBhvr>
+                                      <p:rCtr x="1836" y="-69"/>
+                                    </p:animMotion>
+                                  </p:childTnLst>
+                                </p:cTn>
+                              </p:par>
+                              <p:par>
+                                <p:cTn id="13" presetID="35" presetClass="path" presetSubtype="0" repeatCount="indefinite" accel="50000" decel="50000" fill="hold" nodeType="withEffect">
+                                  <p:stCondLst>
+                                    <p:cond delay="0"/>
+                                  </p:stCondLst>
+                                  <p:childTnLst>
+                                    <p:animMotion origin="layout" path="M 1.45833E-6 -2.59259E-6 L -0.03255 -0.00115 " pathEditMode="relative" rAng="0" ptsTypes="AA">
+                                      <p:cBhvr>
+                                        <p:cTn id="14" dur="500" fill="hold"/>
+                                        <p:tgtEl>
+                                          <p:spTgt spid="135"/>
+                                        </p:tgtEl>
+                                        <p:attrNameLst>
+                                          <p:attrName>ppt_x</p:attrName>
+                                          <p:attrName>ppt_y</p:attrName>
+                                        </p:attrNameLst>
+                                      </p:cBhvr>
+                                      <p:rCtr x="-1628" y="-69"/>
+                                    </p:animMotion>
+                                  </p:childTnLst>
+                                </p:cTn>
+                              </p:par>
+                              <p:par>
+                                <p:cTn id="15" presetID="63" presetClass="path" presetSubtype="0" repeatCount="indefinite" accel="50000" decel="50000" fill="hold" nodeType="withEffect">
+                                  <p:stCondLst>
+                                    <p:cond delay="0"/>
+                                  </p:stCondLst>
+                                  <p:childTnLst>
+                                    <p:animMotion origin="layout" path="M -2.08333E-7 -7.40741E-7 L 0.03672 -0.00116 " pathEditMode="relative" rAng="0" ptsTypes="AA">
+                                      <p:cBhvr>
+                                        <p:cTn id="16" dur="500" fill="hold"/>
+                                        <p:tgtEl>
+                                          <p:spTgt spid="144"/>
+                                        </p:tgtEl>
+                                        <p:attrNameLst>
+                                          <p:attrName>ppt_x</p:attrName>
+                                          <p:attrName>ppt_y</p:attrName>
+                                        </p:attrNameLst>
+                                      </p:cBhvr>
+                                      <p:rCtr x="1836" y="-69"/>
+                                    </p:animMotion>
+                                  </p:childTnLst>
+                                </p:cTn>
+                              </p:par>
+                              <p:par>
+                                <p:cTn id="17" presetID="35" presetClass="path" presetSubtype="0" repeatCount="indefinite" accel="50000" decel="50000" fill="hold" nodeType="withEffect">
+                                  <p:stCondLst>
+                                    <p:cond delay="0"/>
+                                  </p:stCondLst>
+                                  <p:childTnLst>
+                                    <p:animMotion origin="layout" path="M 2.08333E-6 -7.40741E-7 L -0.03255 -0.00116 " pathEditMode="relative" rAng="0" ptsTypes="AA">
+                                      <p:cBhvr>
+                                        <p:cTn id="18" dur="500" fill="hold"/>
+                                        <p:tgtEl>
+                                          <p:spTgt spid="143"/>
+                                        </p:tgtEl>
+                                        <p:attrNameLst>
+                                          <p:attrName>ppt_x</p:attrName>
+                                          <p:attrName>ppt_y</p:attrName>
+                                        </p:attrNameLst>
+                                      </p:cBhvr>
+                                      <p:rCtr x="-1628" y="-69"/>
+                                    </p:animMotion>
+                                  </p:childTnLst>
+                                </p:cTn>
+                              </p:par>
+                              <p:par>
+                                <p:cTn id="19" presetID="42" presetClass="path" presetSubtype="0" repeatCount="indefinite" accel="50000" decel="50000" fill="hold" nodeType="withEffect">
+                                  <p:stCondLst>
+                                    <p:cond delay="0"/>
+                                  </p:stCondLst>
+                                  <p:childTnLst>
+                                    <p:animMotion origin="layout" path="M -0.00052 0.00186 L -0.00013 0.05996 " pathEditMode="relative" rAng="0" ptsTypes="AA">
+                                      <p:cBhvr>
+                                        <p:cTn id="20" dur="500" fill="hold"/>
+                                        <p:tgtEl>
+                                          <p:spTgt spid="145"/>
+                                        </p:tgtEl>
+                                        <p:attrNameLst>
+                                          <p:attrName>ppt_x</p:attrName>
+                                          <p:attrName>ppt_y</p:attrName>
+                                        </p:attrNameLst>
+                                      </p:cBhvr>
+                                      <p:rCtr x="13" y="2894"/>
+                                    </p:animMotion>
+                                  </p:childTnLst>
+                                </p:cTn>
+                              </p:par>
+                              <p:par>
+                                <p:cTn id="21" presetID="63" presetClass="path" presetSubtype="0" repeatCount="indefinite" accel="50000" decel="50000" fill="hold" nodeType="withEffect">
+                                  <p:stCondLst>
+                                    <p:cond delay="0"/>
+                                  </p:stCondLst>
+                                  <p:childTnLst>
+                                    <p:animMotion origin="layout" path="M -2.70833E-6 -1.48148E-6 L 0.03672 -0.00116 " pathEditMode="relative" rAng="0" ptsTypes="AA">
+                                      <p:cBhvr>
+                                        <p:cTn id="22" dur="500" fill="hold"/>
+                                        <p:tgtEl>
+                                          <p:spTgt spid="211"/>
+                                        </p:tgtEl>
+                                        <p:attrNameLst>
+                                          <p:attrName>ppt_x</p:attrName>
+                                          <p:attrName>ppt_y</p:attrName>
+                                        </p:attrNameLst>
+                                      </p:cBhvr>
+                                      <p:rCtr x="1836" y="-69"/>
+                                    </p:animMotion>
+                                  </p:childTnLst>
+                                </p:cTn>
+                              </p:par>
+                              <p:par>
+                                <p:cTn id="23" presetID="35" presetClass="path" presetSubtype="0" repeatCount="indefinite" accel="50000" decel="50000" fill="hold" nodeType="withEffect">
+                                  <p:stCondLst>
+                                    <p:cond delay="0"/>
+                                  </p:stCondLst>
+                                  <p:childTnLst>
+                                    <p:animMotion origin="layout" path="M -1.66667E-6 -1.48148E-6 L -0.03255 -0.00116 " pathEditMode="relative" rAng="0" ptsTypes="AA">
+                                      <p:cBhvr>
+                                        <p:cTn id="24" dur="500" fill="hold"/>
+                                        <p:tgtEl>
+                                          <p:spTgt spid="210"/>
+                                        </p:tgtEl>
+                                        <p:attrNameLst>
+                                          <p:attrName>ppt_x</p:attrName>
+                                          <p:attrName>ppt_y</p:attrName>
+                                        </p:attrNameLst>
+                                      </p:cBhvr>
+                                      <p:rCtr x="-1628" y="-69"/>
+                                    </p:animMotion>
+                                  </p:childTnLst>
+                                </p:cTn>
+                              </p:par>
+                              <p:par>
+                                <p:cTn id="25" presetID="63" presetClass="path" presetSubtype="0" repeatCount="indefinite" accel="50000" decel="50000" fill="hold" nodeType="withEffect">
+                                  <p:stCondLst>
+                                    <p:cond delay="0"/>
+                                  </p:stCondLst>
+                                  <p:childTnLst>
+                                    <p:animMotion origin="layout" path="M -4.79167E-6 -1.48148E-6 L 0.05482 -1.48148E-6 " pathEditMode="relative" rAng="0" ptsTypes="AA">
+                                      <p:cBhvr>
+                                        <p:cTn id="26" dur="500" fill="hold"/>
+                                        <p:tgtEl>
+                                          <p:spTgt spid="217"/>
+                                        </p:tgtEl>
+                                        <p:attrNameLst>
+                                          <p:attrName>ppt_x</p:attrName>
+                                          <p:attrName>ppt_y</p:attrName>
+                                        </p:attrNameLst>
+                                      </p:cBhvr>
+                                      <p:rCtr x="2734" y="0"/>
+                                    </p:animMotion>
+                                  </p:childTnLst>
+                                </p:cTn>
+                              </p:par>
+                              <p:par>
+                                <p:cTn id="27" presetID="35" presetClass="path" presetSubtype="0" repeatCount="indefinite" accel="50000" decel="50000" fill="hold" nodeType="withEffect">
+                                  <p:stCondLst>
+                                    <p:cond delay="0"/>
+                                  </p:stCondLst>
+                                  <p:childTnLst>
+                                    <p:animMotion origin="layout" path="M -3.75E-6 -1.48148E-6 L -0.03255 -0.00116 " pathEditMode="relative" rAng="0" ptsTypes="AA">
+                                      <p:cBhvr>
+                                        <p:cTn id="28" dur="500" fill="hold"/>
+                                        <p:tgtEl>
+                                          <p:spTgt spid="216"/>
+                                        </p:tgtEl>
+                                        <p:attrNameLst>
+                                          <p:attrName>ppt_x</p:attrName>
+                                          <p:attrName>ppt_y</p:attrName>
+                                        </p:attrNameLst>
+                                      </p:cBhvr>
+                                      <p:rCtr x="-1628" y="-69"/>
+                                    </p:animMotion>
+                                  </p:childTnLst>
+                                </p:cTn>
+                              </p:par>
+                              <p:par>
+                                <p:cTn id="29" presetID="63" presetClass="path" presetSubtype="0" repeatCount="indefinite" accel="50000" decel="50000" fill="hold" nodeType="withEffect">
+                                  <p:stCondLst>
+                                    <p:cond delay="0"/>
+                                  </p:stCondLst>
+                                  <p:childTnLst>
+                                    <p:animMotion origin="layout" path="M 0.01354 -0.00116 L 0.06836 -0.00116 " pathEditMode="relative" rAng="0" ptsTypes="AA">
+                                      <p:cBhvr>
+                                        <p:cTn id="30" dur="500" fill="hold"/>
+                                        <p:tgtEl>
+                                          <p:spTgt spid="244"/>
+                                        </p:tgtEl>
+                                        <p:attrNameLst>
+                                          <p:attrName>ppt_x</p:attrName>
+                                          <p:attrName>ppt_y</p:attrName>
+                                        </p:attrNameLst>
+                                      </p:cBhvr>
+                                      <p:rCtr x="2734" y="0"/>
+                                    </p:animMotion>
+                                  </p:childTnLst>
+                                </p:cTn>
+                              </p:par>
+                              <p:par>
+                                <p:cTn id="31" presetID="35" presetClass="path" presetSubtype="0" repeatCount="indefinite" accel="50000" decel="50000" fill="hold" nodeType="withEffect">
+                                  <p:stCondLst>
+                                    <p:cond delay="0"/>
+                                  </p:stCondLst>
+                                  <p:childTnLst>
+                                    <p:animMotion origin="layout" path="M -1.66667E-6 -1.48148E-6 L -0.03255 -0.00116 " pathEditMode="relative" rAng="0" ptsTypes="AA">
+                                      <p:cBhvr>
+                                        <p:cTn id="32" dur="500" fill="hold"/>
+                                        <p:tgtEl>
+                                          <p:spTgt spid="243"/>
+                                        </p:tgtEl>
+                                        <p:attrNameLst>
+                                          <p:attrName>ppt_x</p:attrName>
+                                          <p:attrName>ppt_y</p:attrName>
+                                        </p:attrNameLst>
+                                      </p:cBhvr>
+                                      <p:rCtr x="-1628" y="-69"/>
+                                    </p:animMotion>
+                                  </p:childTnLst>
+                                </p:cTn>
+                              </p:par>
+                              <p:par>
+                                <p:cTn id="33" presetID="42" presetClass="path" presetSubtype="0" repeatCount="indefinite" accel="50000" decel="50000" fill="hold" nodeType="withEffect">
+                                  <p:stCondLst>
+                                    <p:cond delay="0"/>
+                                  </p:stCondLst>
+                                  <p:childTnLst>
+                                    <p:animMotion origin="layout" path="M -0.00013 0.00185 L 0.00026 0.05996 " pathEditMode="relative" rAng="0" ptsTypes="AA">
+                                      <p:cBhvr>
+                                        <p:cTn id="34" dur="500" fill="hold"/>
+                                        <p:tgtEl>
+                                          <p:spTgt spid="249"/>
+                                        </p:tgtEl>
+                                        <p:attrNameLst>
+                                          <p:attrName>ppt_x</p:attrName>
+                                          <p:attrName>ppt_y</p:attrName>
+                                        </p:attrNameLst>
+                                      </p:cBhvr>
+                                      <p:rCtr x="13" y="2894"/>
+                                    </p:animMotion>
+                                  </p:childTnLst>
+                                </p:cTn>
+                              </p:par>
+                              <p:par>
+                                <p:cTn id="35" presetID="42" presetClass="path" presetSubtype="0" repeatCount="indefinite" accel="50000" decel="50000" fill="hold" nodeType="withEffect">
+                                  <p:stCondLst>
+                                    <p:cond delay="0"/>
+                                  </p:stCondLst>
+                                  <p:childTnLst>
+                                    <p:animMotion origin="layout" path="M 3.33333E-6 -0.00093 L -0.00026 -0.05857 " pathEditMode="relative" rAng="0" ptsTypes="AA">
+                                      <p:cBhvr>
+                                        <p:cTn id="36" dur="500" fill="hold"/>
+                                        <p:tgtEl>
+                                          <p:spTgt spid="250"/>
+                                        </p:tgtEl>
+                                        <p:attrNameLst>
+                                          <p:attrName>ppt_x</p:attrName>
+                                          <p:attrName>ppt_y</p:attrName>
+                                        </p:attrNameLst>
+                                      </p:cBhvr>
+                                      <p:rCtr x="-13" y="-2894"/>
+                                    </p:animMotion>
+                                  </p:childTnLst>
+                                </p:cTn>
+                              </p:par>
+                              <p:par>
+                                <p:cTn id="37" presetID="42" presetClass="path" presetSubtype="0" repeatCount="indefinite" accel="50000" decel="50000" fill="hold" nodeType="withEffect">
+                                  <p:stCondLst>
+                                    <p:cond delay="0"/>
+                                  </p:stCondLst>
+                                  <p:childTnLst>
+                                    <p:animMotion origin="layout" path="M -0.00013 0.00186 L 0.00026 0.05996 " pathEditMode="relative" rAng="0" ptsTypes="AA">
+                                      <p:cBhvr>
+                                        <p:cTn id="38" dur="500" fill="hold"/>
+                                        <p:tgtEl>
+                                          <p:spTgt spid="251"/>
+                                        </p:tgtEl>
+                                        <p:attrNameLst>
+                                          <p:attrName>ppt_x</p:attrName>
+                                          <p:attrName>ppt_y</p:attrName>
+                                        </p:attrNameLst>
+                                      </p:cBhvr>
+                                      <p:rCtr x="13" y="2894"/>
+                                    </p:animMotion>
+                                  </p:childTnLst>
+                                </p:cTn>
+                              </p:par>
+                              <p:par>
+                                <p:cTn id="39" presetID="42" presetClass="path" presetSubtype="0" repeatCount="indefinite" accel="50000" decel="50000" fill="hold" nodeType="withEffect">
+                                  <p:stCondLst>
+                                    <p:cond delay="0"/>
+                                  </p:stCondLst>
+                                  <p:childTnLst>
+                                    <p:animMotion origin="layout" path="M -2.91667E-6 -0.00093 L -0.00026 -0.05856 " pathEditMode="relative" rAng="0" ptsTypes="AA">
+                                      <p:cBhvr>
+                                        <p:cTn id="40" dur="500" fill="hold"/>
+                                        <p:tgtEl>
+                                          <p:spTgt spid="252"/>
+                                        </p:tgtEl>
+                                        <p:attrNameLst>
+                                          <p:attrName>ppt_x</p:attrName>
+                                          <p:attrName>ppt_y</p:attrName>
+                                        </p:attrNameLst>
+                                      </p:cBhvr>
+                                      <p:rCtr x="-13" y="-2894"/>
+                                    </p:animMotion>
+                                  </p:childTnLst>
+                                </p:cTn>
+                              </p:par>
+                              <p:par>
+                                <p:cTn id="41" presetID="42" presetClass="path" presetSubtype="0" repeatCount="indefinite" accel="50000" decel="50000" fill="hold" nodeType="withEffect">
+                                  <p:stCondLst>
+                                    <p:cond delay="0"/>
+                                  </p:stCondLst>
+                                  <p:childTnLst>
+                                    <p:animMotion origin="layout" path="M -0.00052 0.00186 L -0.00013 0.05996 " pathEditMode="relative" rAng="0" ptsTypes="AA">
+                                      <p:cBhvr>
+                                        <p:cTn id="42" dur="500" fill="hold"/>
+                                        <p:tgtEl>
+                                          <p:spTgt spid="265"/>
+                                        </p:tgtEl>
+                                        <p:attrNameLst>
+                                          <p:attrName>ppt_x</p:attrName>
+                                          <p:attrName>ppt_y</p:attrName>
+                                        </p:attrNameLst>
+                                      </p:cBhvr>
+                                      <p:rCtr x="13" y="2894"/>
+                                    </p:animMotion>
+                                  </p:childTnLst>
+                                </p:cTn>
+                              </p:par>
+                              <p:par>
+                                <p:cTn id="43" presetID="63" presetClass="path" presetSubtype="0" repeatCount="indefinite" accel="50000" decel="50000" fill="hold" nodeType="withEffect">
+                                  <p:stCondLst>
+                                    <p:cond delay="0"/>
+                                  </p:stCondLst>
+                                  <p:childTnLst>
+                                    <p:animMotion origin="layout" path="M -4.16667E-6 1.85185E-6 L 0.03672 -0.00116 " pathEditMode="relative" rAng="0" ptsTypes="AA">
+                                      <p:cBhvr>
+                                        <p:cTn id="44" dur="500" fill="hold"/>
+                                        <p:tgtEl>
+                                          <p:spTgt spid="43"/>
+                                        </p:tgtEl>
+                                        <p:attrNameLst>
+                                          <p:attrName>ppt_x</p:attrName>
+                                          <p:attrName>ppt_y</p:attrName>
+                                        </p:attrNameLst>
+                                      </p:cBhvr>
+                                      <p:rCtr x="1836" y="-69"/>
+                                    </p:animMotion>
+                                  </p:childTnLst>
+                                </p:cTn>
+                              </p:par>
+                              <p:par>
+                                <p:cTn id="45" presetID="35" presetClass="path" presetSubtype="0" repeatCount="indefinite" accel="50000" decel="50000" fill="hold" nodeType="withEffect">
+                                  <p:stCondLst>
+                                    <p:cond delay="0"/>
+                                  </p:stCondLst>
+                                  <p:childTnLst>
+                                    <p:animMotion origin="layout" path="M -3.125E-6 1.85185E-6 L -0.03255 -0.00116 " pathEditMode="relative" rAng="0" ptsTypes="AA">
+                                      <p:cBhvr>
+                                        <p:cTn id="46" dur="500" fill="hold"/>
+                                        <p:tgtEl>
+                                          <p:spTgt spid="42"/>
+                                        </p:tgtEl>
+                                        <p:attrNameLst>
+                                          <p:attrName>ppt_x</p:attrName>
+                                          <p:attrName>ppt_y</p:attrName>
+                                        </p:attrNameLst>
+                                      </p:cBhvr>
+                                      <p:rCtr x="-1628" y="-69"/>
+                                    </p:animMotion>
+                                  </p:childTnLst>
+                                </p:cTn>
+                              </p:par>
+                              <p:par>
+                                <p:cTn id="47" presetID="63" presetClass="path" presetSubtype="0" repeatCount="indefinite" accel="50000" decel="50000" fill="hold" nodeType="withEffect">
+                                  <p:stCondLst>
+                                    <p:cond delay="0"/>
+                                  </p:stCondLst>
+                                  <p:childTnLst>
+                                    <p:animMotion origin="layout" path="M 1.45833E-6 3.7037E-6 L 0.03672 -0.00116 " pathEditMode="relative" rAng="0" ptsTypes="AA">
+                                      <p:cBhvr>
+                                        <p:cTn id="48" dur="500" fill="hold"/>
+                                        <p:tgtEl>
+                                          <p:spTgt spid="53"/>
+                                        </p:tgtEl>
+                                        <p:attrNameLst>
+                                          <p:attrName>ppt_x</p:attrName>
+                                          <p:attrName>ppt_y</p:attrName>
+                                        </p:attrNameLst>
+                                      </p:cBhvr>
+                                      <p:rCtr x="1836" y="-69"/>
+                                    </p:animMotion>
+                                  </p:childTnLst>
+                                </p:cTn>
+                              </p:par>
+                              <p:par>
+                                <p:cTn id="49" presetID="35" presetClass="path" presetSubtype="0" repeatCount="indefinite" accel="50000" decel="50000" fill="hold" nodeType="withEffect">
+                                  <p:stCondLst>
+                                    <p:cond delay="0"/>
+                                  </p:stCondLst>
+                                  <p:childTnLst>
+                                    <p:animMotion origin="layout" path="M 2.5E-6 3.7037E-6 L -0.03255 -0.00116 " pathEditMode="relative" rAng="0" ptsTypes="AA">
+                                      <p:cBhvr>
+                                        <p:cTn id="50" dur="500" fill="hold"/>
+                                        <p:tgtEl>
+                                          <p:spTgt spid="52"/>
+                                        </p:tgtEl>
+                                        <p:attrNameLst>
+                                          <p:attrName>ppt_x</p:attrName>
+                                          <p:attrName>ppt_y</p:attrName>
+                                        </p:attrNameLst>
+                                      </p:cBhvr>
+                                      <p:rCtr x="-1628" y="-69"/>
+                                    </p:animMotion>
+                                  </p:childTnLst>
+                                </p:cTn>
+                              </p:par>
+                              <p:par>
+                                <p:cTn id="51" presetID="64" presetClass="path" presetSubtype="0" repeatCount="indefinite" accel="50000" decel="50000" fill="hold" nodeType="withEffect">
+                                  <p:stCondLst>
+                                    <p:cond delay="0"/>
+                                  </p:stCondLst>
+                                  <p:childTnLst>
+                                    <p:animMotion origin="layout" path="M -0.00039 1.11022E-16 L -0.00065 -0.01944 " pathEditMode="relative" rAng="0" ptsTypes="AA">
+                                      <p:cBhvr>
+                                        <p:cTn id="52" dur="500" fill="hold"/>
+                                        <p:tgtEl>
+                                          <p:spTgt spid="86"/>
+                                        </p:tgtEl>
+                                        <p:attrNameLst>
+                                          <p:attrName>ppt_x</p:attrName>
+                                          <p:attrName>ppt_y</p:attrName>
+                                        </p:attrNameLst>
+                                      </p:cBhvr>
+                                      <p:rCtr x="-13" y="-972"/>
+                                    </p:animMotion>
+                                  </p:childTnLst>
+                                </p:cTn>
+                              </p:par>
+                              <p:par>
+                                <p:cTn id="53" presetID="42" presetClass="path" presetSubtype="0" repeatCount="indefinite" accel="50000" decel="50000" fill="hold" nodeType="withEffect">
+                                  <p:stCondLst>
+                                    <p:cond delay="0"/>
+                                  </p:stCondLst>
+                                  <p:childTnLst>
+                                    <p:animMotion origin="layout" path="M -0.00013 0.00185 L 0.00026 0.05995 " pathEditMode="relative" rAng="0" ptsTypes="AA">
+                                      <p:cBhvr>
+                                        <p:cTn id="54" dur="500" fill="hold"/>
+                                        <p:tgtEl>
+                                          <p:spTgt spid="124"/>
+                                        </p:tgtEl>
+                                        <p:attrNameLst>
+                                          <p:attrName>ppt_x</p:attrName>
+                                          <p:attrName>ppt_y</p:attrName>
+                                        </p:attrNameLst>
+                                      </p:cBhvr>
+                                      <p:rCtr x="13" y="2894"/>
+                                    </p:animMotion>
+                                  </p:childTnLst>
+                                </p:cTn>
+                              </p:par>
+                              <p:par>
+                                <p:cTn id="55" presetID="42" presetClass="path" presetSubtype="0" repeatCount="indefinite" accel="50000" decel="50000" fill="hold" nodeType="withEffect">
+                                  <p:stCondLst>
+                                    <p:cond delay="0"/>
+                                  </p:stCondLst>
+                                  <p:childTnLst>
+                                    <p:animMotion origin="layout" path="M 1.11022E-16 -0.00092 L -0.00026 -0.05856 " pathEditMode="relative" rAng="0" ptsTypes="AA">
+                                      <p:cBhvr>
+                                        <p:cTn id="56" dur="500" fill="hold"/>
+                                        <p:tgtEl>
+                                          <p:spTgt spid="125"/>
+                                        </p:tgtEl>
+                                        <p:attrNameLst>
+                                          <p:attrName>ppt_x</p:attrName>
+                                          <p:attrName>ppt_y</p:attrName>
+                                        </p:attrNameLst>
+                                      </p:cBhvr>
+                                      <p:rCtr x="-13" y="-2894"/>
+                                    </p:animMotion>
+                                  </p:childTnLst>
+                                </p:cTn>
+                              </p:par>
+                              <p:par>
+                                <p:cTn id="57" presetID="63" presetClass="path" presetSubtype="0" repeatCount="indefinite" accel="50000" decel="50000" fill="hold" nodeType="withEffect">
+                                  <p:stCondLst>
+                                    <p:cond delay="0"/>
+                                  </p:stCondLst>
+                                  <p:childTnLst>
+                                    <p:animMotion origin="layout" path="M -0.10585 -0.00046 L 0.03672 -0.00116 " pathEditMode="relative" rAng="0" ptsTypes="AA">
+                                      <p:cBhvr>
+                                        <p:cTn id="58" dur="500" fill="hold"/>
+                                        <p:tgtEl>
+                                          <p:spTgt spid="157"/>
+                                        </p:tgtEl>
+                                        <p:attrNameLst>
+                                          <p:attrName>ppt_x</p:attrName>
+                                          <p:attrName>ppt_y</p:attrName>
+                                        </p:attrNameLst>
+                                      </p:cBhvr>
+                                      <p:rCtr x="7122" y="-46"/>
+                                    </p:animMotion>
+                                  </p:childTnLst>
+                                </p:cTn>
+                              </p:par>
+                              <p:par>
+                                <p:cTn id="59" presetID="35" presetClass="path" presetSubtype="0" repeatCount="indefinite" accel="50000" decel="50000" fill="hold" nodeType="withEffect">
+                                  <p:stCondLst>
+                                    <p:cond delay="0"/>
+                                  </p:stCondLst>
+                                  <p:childTnLst>
+                                    <p:animMotion origin="layout" path="M -3.125E-6 2.59259E-6 L -0.00729 2.59259E-6 " pathEditMode="relative" rAng="0" ptsTypes="AA">
+                                      <p:cBhvr>
+                                        <p:cTn id="60" dur="500" fill="hold"/>
+                                        <p:tgtEl>
+                                          <p:spTgt spid="17"/>
+                                        </p:tgtEl>
+                                        <p:attrNameLst>
+                                          <p:attrName>ppt_x</p:attrName>
+                                          <p:attrName>ppt_y</p:attrName>
+                                        </p:attrNameLst>
+                                      </p:cBhvr>
+                                      <p:rCtr x="-365" y="0"/>
+                                    </p:animMotion>
+                                  </p:childTnLst>
+                                </p:cTn>
+                              </p:par>
+                            </p:childTnLst>
+                          </p:cTn>
+                        </p:par>
+                      </p:childTnLst>
+                    </p:cTn>
+                  </p:par>
+                </p:childTnLst>
+              </p:cTn>
+              <p:prevCondLst>
+                <p:cond evt="onPrev" delay="0">
+                  <p:tgtEl>
+                    <p:sldTgt/>
+                  </p:tgtEl>
+                </p:cond>
+              </p:prevCondLst>
+              <p:nextCondLst>
+                <p:cond evt="onNext" delay="0">
+                  <p:tgtEl>
+                    <p:sldTgt/>
+                  </p:tgtEl>
+                </p:cond>
+              </p:nextCondLst>
+            </p:seq>
+          </p:childTnLst>
+        </p:cTn>
+      </p:par>
+    </p:tnLst>
+  </p:timing>
+</p:sld>
+</file>
+
+<file path=ppt/slides/slide5.xml><?xml version="1.0" encoding="utf-8"?>
+<p:sld xmlns:a="http://schemas.openxmlformats.org/drawingml/2006/main" xmlns:r="http://schemas.openxmlformats.org/officeDocument/2006/relationships" xmlns:p="http://schemas.openxmlformats.org/presentationml/2006/main">
+  <p:cSld>
+    <p:spTree>
+      <p:nvGrpSpPr>
+        <p:cNvPr id="1" name=""/>
+        <p:cNvGrpSpPr/>
+        <p:nvPr/>
+      </p:nvGrpSpPr>
+      <p:grpSpPr>
+        <a:xfrm>
+          <a:off x="0" y="0"/>
+          <a:ext cx="0" cy="0"/>
+          <a:chOff x="0" y="0"/>
+          <a:chExt cx="0" cy="0"/>
+        </a:xfrm>
+      </p:grpSpPr>
+      <p:sp>
+        <p:nvSpPr>
+          <p:cNvPr id="2" name="Footer Placeholder 1">
+            <a:extLst>
+              <a:ext uri="{FF2B5EF4-FFF2-40B4-BE49-F238E27FC236}">
+                <a16:creationId xmlns:a16="http://schemas.microsoft.com/office/drawing/2014/main" id="{5755ABCD-1FB7-5A80-5113-638F5CA659D6}"/>
+              </a:ext>
+            </a:extLst>
+          </p:cNvPr>
+          <p:cNvSpPr>
+            <a:spLocks noGrp="1"/>
+          </p:cNvSpPr>
+          <p:nvPr>
+            <p:ph type="ftr" sz="quarter" idx="3"/>
+          </p:nvPr>
+        </p:nvSpPr>
+        <p:spPr/>
+        <p:txBody>
+          <a:bodyPr/>
+          <a:lstStyle/>
+          <a:p>
+            <a:r>
+              <a:rPr lang="en-IE"/>
+              <a:t>©2024 Analog Devices, Inc. All Rights Reserved. </a:t>
+            </a:r>
+          </a:p>
+        </p:txBody>
+      </p:sp>
+      <p:sp>
+        <p:nvSpPr>
+          <p:cNvPr id="4" name="Title 3">
+            <a:extLst>
+              <a:ext uri="{FF2B5EF4-FFF2-40B4-BE49-F238E27FC236}">
+                <a16:creationId xmlns:a16="http://schemas.microsoft.com/office/drawing/2014/main" id="{026D3D89-37A3-C7C0-AD3F-A0C52CA92469}"/>
+              </a:ext>
+            </a:extLst>
+          </p:cNvPr>
+          <p:cNvSpPr>
+            <a:spLocks noGrp="1"/>
+          </p:cNvSpPr>
+          <p:nvPr>
+            <p:ph type="title"/>
+          </p:nvPr>
+        </p:nvSpPr>
+        <p:spPr/>
+        <p:txBody>
+          <a:bodyPr/>
+          <a:lstStyle/>
+          <a:p>
+            <a:r>
+              <a:rPr lang="en-US" dirty="0">
+                <a:latin typeface="Barlow Medium"/>
+              </a:rPr>
+              <a:t>Demo Flow Idea 2</a:t>
+            </a:r>
+            <a:endParaRPr lang="en-US" dirty="0"/>
+          </a:p>
+        </p:txBody>
+      </p:sp>
+      <p:sp>
+        <p:nvSpPr>
+          <p:cNvPr id="5" name="Flowchart: Terminator 4">
+            <a:extLst>
+              <a:ext uri="{FF2B5EF4-FFF2-40B4-BE49-F238E27FC236}">
+                <a16:creationId xmlns:a16="http://schemas.microsoft.com/office/drawing/2014/main" id="{2655CB92-204E-7191-8FEA-521047DF9034}"/>
+              </a:ext>
+            </a:extLst>
+          </p:cNvPr>
+          <p:cNvSpPr/>
+          <p:nvPr/>
+        </p:nvSpPr>
+        <p:spPr>
+          <a:xfrm>
+            <a:off x="3341277" y="1306542"/>
+            <a:ext cx="906716" cy="376517"/>
+          </a:xfrm>
+          <a:prstGeom prst="flowChartTerminator">
+            <a:avLst/>
+          </a:prstGeom>
+          <a:solidFill>
+            <a:schemeClr val="tx2">
+              <a:lumMod val="40000"/>
+              <a:lumOff val="60000"/>
+            </a:schemeClr>
+          </a:solidFill>
+          <a:ln>
+            <a:solidFill>
+              <a:schemeClr val="tx2">
+                <a:lumMod val="60000"/>
+                <a:lumOff val="40000"/>
+              </a:schemeClr>
+            </a:solidFill>
+            <a:miter lim="800000"/>
+          </a:ln>
+          <a:effectLst/>
+        </p:spPr>
+        <p:style>
+          <a:lnRef idx="1">
+            <a:schemeClr val="accent1"/>
+          </a:lnRef>
+          <a:fillRef idx="3">
+            <a:schemeClr val="accent1"/>
+          </a:fillRef>
+          <a:effectRef idx="2">
+            <a:schemeClr val="accent1"/>
+          </a:effectRef>
+          <a:fontRef idx="minor">
+            <a:schemeClr val="lt1"/>
+          </a:fontRef>
+        </p:style>
+        <p:txBody>
+          <a:bodyPr rtlCol="0" anchor="ctr"/>
+          <a:lstStyle/>
+          <a:p>
+            <a:pPr algn="ctr" defTabSz="457200">
+              <a:spcBef>
+                <a:spcPts val="600"/>
+              </a:spcBef>
+              <a:spcAft>
+                <a:spcPts val="800"/>
+              </a:spcAft>
+              <a:buClr>
+                <a:schemeClr val="accent1"/>
+              </a:buClr>
+              <a:buSzPct val="70000"/>
+            </a:pPr>
+            <a:r>
+              <a:rPr lang="en-US">
+                <a:solidFill>
+                  <a:srgbClr val="000000"/>
+                </a:solidFill>
+                <a:latin typeface="Barlow" pitchFamily="2" charset="77"/>
+                <a:cs typeface="Arial" panose="020B0604020202020204" pitchFamily="34" charset="0"/>
+              </a:rPr>
+              <a:t>start</a:t>
+            </a:r>
+          </a:p>
+        </p:txBody>
+      </p:sp>
+      <p:sp>
+        <p:nvSpPr>
+          <p:cNvPr id="9" name="Flowchart: Predefined Process 8">
+            <a:extLst>
+              <a:ext uri="{FF2B5EF4-FFF2-40B4-BE49-F238E27FC236}">
+                <a16:creationId xmlns:a16="http://schemas.microsoft.com/office/drawing/2014/main" id="{51B60187-9AD9-0177-D9B1-AB7D6B4AB5B1}"/>
+              </a:ext>
+            </a:extLst>
+          </p:cNvPr>
+          <p:cNvSpPr/>
+          <p:nvPr/>
+        </p:nvSpPr>
+        <p:spPr>
+          <a:xfrm>
+            <a:off x="6054274" y="3037566"/>
+            <a:ext cx="1959429" cy="768403"/>
+          </a:xfrm>
+          <a:prstGeom prst="flowChartPredefinedProcess">
+            <a:avLst/>
+          </a:prstGeom>
+          <a:solidFill>
+            <a:schemeClr val="accent2">
+              <a:lumMod val="75000"/>
+            </a:schemeClr>
+          </a:solidFill>
+          <a:ln>
+            <a:solidFill>
+              <a:schemeClr val="accent2">
+                <a:lumMod val="50000"/>
+              </a:schemeClr>
+            </a:solidFill>
+            <a:miter lim="800000"/>
+          </a:ln>
+          <a:effectLst/>
+        </p:spPr>
+        <p:style>
+          <a:lnRef idx="1">
+            <a:schemeClr val="accent1"/>
+          </a:lnRef>
+          <a:fillRef idx="3">
+            <a:schemeClr val="accent1"/>
+          </a:fillRef>
+          <a:effectRef idx="2">
+            <a:schemeClr val="accent1"/>
+          </a:effectRef>
+          <a:fontRef idx="minor">
+            <a:schemeClr val="lt1"/>
+          </a:fontRef>
+        </p:style>
+        <p:txBody>
+          <a:bodyPr rtlCol="0" anchor="ctr"/>
+          <a:lstStyle/>
+          <a:p>
+            <a:pPr algn="l" defTabSz="457200">
+              <a:spcBef>
+                <a:spcPts val="600"/>
+              </a:spcBef>
+              <a:spcAft>
+                <a:spcPts val="800"/>
+              </a:spcAft>
+              <a:buClr>
+                <a:schemeClr val="accent1"/>
+              </a:buClr>
+              <a:buSzPct val="70000"/>
+            </a:pPr>
+            <a:r>
+              <a:rPr lang="en-US" dirty="0">
+                <a:solidFill>
+                  <a:srgbClr val="000000"/>
+                </a:solidFill>
+                <a:latin typeface="Barlow" pitchFamily="2" charset="77"/>
+                <a:cs typeface="Arial" panose="020B0604020202020204" pitchFamily="34" charset="0"/>
+              </a:rPr>
+              <a:t>SD-Read &amp; VBUS transfer</a:t>
+            </a:r>
+          </a:p>
+        </p:txBody>
+      </p:sp>
+      <p:sp>
+        <p:nvSpPr>
+          <p:cNvPr id="3" name="Flowchart: Process 2">
+            <a:extLst>
+              <a:ext uri="{FF2B5EF4-FFF2-40B4-BE49-F238E27FC236}">
+                <a16:creationId xmlns:a16="http://schemas.microsoft.com/office/drawing/2014/main" id="{786188AE-284A-A7B7-CB02-734D095546BF}"/>
+              </a:ext>
+            </a:extLst>
+          </p:cNvPr>
+          <p:cNvSpPr/>
+          <p:nvPr/>
+        </p:nvSpPr>
+        <p:spPr>
+          <a:xfrm>
+            <a:off x="2956435" y="2037793"/>
+            <a:ext cx="1676400" cy="725142"/>
+          </a:xfrm>
+          <a:prstGeom prst="flowChartProcess">
+            <a:avLst/>
+          </a:prstGeom>
+          <a:solidFill>
+            <a:schemeClr val="accent4">
+              <a:lumMod val="40000"/>
+              <a:lumOff val="60000"/>
+            </a:schemeClr>
+          </a:solidFill>
+          <a:ln>
+            <a:solidFill>
+              <a:schemeClr val="accent4">
+                <a:lumMod val="60000"/>
+                <a:lumOff val="40000"/>
+              </a:schemeClr>
+            </a:solidFill>
+            <a:miter lim="800000"/>
+          </a:ln>
+          <a:effectLst/>
+        </p:spPr>
+        <p:style>
+          <a:lnRef idx="1">
+            <a:schemeClr val="accent1"/>
+          </a:lnRef>
+          <a:fillRef idx="3">
+            <a:schemeClr val="accent1"/>
+          </a:fillRef>
+          <a:effectRef idx="2">
+            <a:schemeClr val="accent1"/>
+          </a:effectRef>
+          <a:fontRef idx="minor">
+            <a:schemeClr val="lt1"/>
+          </a:fontRef>
+        </p:style>
+        <p:txBody>
+          <a:bodyPr rtlCol="0" anchor="ctr"/>
+          <a:lstStyle/>
+          <a:p>
+            <a:pPr algn="ctr" defTabSz="457200">
+              <a:spcBef>
+                <a:spcPts val="600"/>
+              </a:spcBef>
+              <a:spcAft>
+                <a:spcPts val="800"/>
+              </a:spcAft>
+              <a:buClr>
+                <a:schemeClr val="accent1"/>
+              </a:buClr>
+              <a:buSzPct val="70000"/>
+            </a:pPr>
+            <a:r>
+              <a:rPr lang="en-US" dirty="0">
+                <a:solidFill>
+                  <a:srgbClr val="000000"/>
+                </a:solidFill>
+                <a:latin typeface="Barlow" pitchFamily="2" charset="77"/>
+                <a:cs typeface="Arial" panose="020B0604020202020204" pitchFamily="34" charset="0"/>
+              </a:rPr>
+              <a:t>Enable Power Supplies</a:t>
+            </a:r>
+          </a:p>
+        </p:txBody>
+      </p:sp>
+      <p:sp>
+        <p:nvSpPr>
+          <p:cNvPr id="6" name="Flowchart: Process 5">
+            <a:extLst>
+              <a:ext uri="{FF2B5EF4-FFF2-40B4-BE49-F238E27FC236}">
+                <a16:creationId xmlns:a16="http://schemas.microsoft.com/office/drawing/2014/main" id="{AA566B3E-A01C-6D12-017C-90FB01A7B831}"/>
+              </a:ext>
+            </a:extLst>
+          </p:cNvPr>
+          <p:cNvSpPr/>
+          <p:nvPr/>
+        </p:nvSpPr>
+        <p:spPr>
+          <a:xfrm>
+            <a:off x="2956435" y="3037566"/>
+            <a:ext cx="1676400" cy="725142"/>
+          </a:xfrm>
+          <a:prstGeom prst="flowChartProcess">
+            <a:avLst/>
+          </a:prstGeom>
+          <a:solidFill>
+            <a:schemeClr val="accent6">
+              <a:lumMod val="20000"/>
+              <a:lumOff val="80000"/>
+            </a:schemeClr>
+          </a:solidFill>
+          <a:ln>
+            <a:solidFill>
+              <a:schemeClr val="accent6">
+                <a:lumMod val="40000"/>
+                <a:lumOff val="60000"/>
+              </a:schemeClr>
+            </a:solidFill>
+            <a:miter lim="800000"/>
+          </a:ln>
+          <a:effectLst/>
+        </p:spPr>
+        <p:style>
+          <a:lnRef idx="1">
+            <a:schemeClr val="accent1"/>
+          </a:lnRef>
+          <a:fillRef idx="3">
+            <a:schemeClr val="accent1"/>
+          </a:fillRef>
+          <a:effectRef idx="2">
+            <a:schemeClr val="accent1"/>
+          </a:effectRef>
+          <a:fontRef idx="minor">
+            <a:schemeClr val="lt1"/>
+          </a:fontRef>
+        </p:style>
+        <p:txBody>
+          <a:bodyPr rtlCol="0" anchor="ctr"/>
+          <a:lstStyle/>
+          <a:p>
+            <a:pPr algn="ctr" defTabSz="457200">
+              <a:spcBef>
+                <a:spcPts val="600"/>
+              </a:spcBef>
+              <a:spcAft>
+                <a:spcPts val="800"/>
+              </a:spcAft>
+              <a:buClr>
+                <a:schemeClr val="accent1"/>
+              </a:buClr>
+              <a:buSzPct val="70000"/>
+            </a:pPr>
+            <a:r>
+              <a:rPr lang="en-US" dirty="0">
+                <a:solidFill>
+                  <a:srgbClr val="000000"/>
+                </a:solidFill>
+                <a:latin typeface="Barlow" pitchFamily="2" charset="77"/>
+                <a:cs typeface="Arial" panose="020B0604020202020204" pitchFamily="34" charset="0"/>
+              </a:rPr>
+              <a:t>Initialize all the modules</a:t>
+            </a:r>
+          </a:p>
+        </p:txBody>
+      </p:sp>
+      <p:sp>
+        <p:nvSpPr>
+          <p:cNvPr id="15" name="Flowchart: Process 14">
+            <a:extLst>
+              <a:ext uri="{FF2B5EF4-FFF2-40B4-BE49-F238E27FC236}">
+                <a16:creationId xmlns:a16="http://schemas.microsoft.com/office/drawing/2014/main" id="{87D74B44-F25F-00B2-7A3E-649345B4B4CB}"/>
+              </a:ext>
+            </a:extLst>
+          </p:cNvPr>
+          <p:cNvSpPr/>
+          <p:nvPr/>
+        </p:nvSpPr>
+        <p:spPr>
+          <a:xfrm>
+            <a:off x="2956435" y="4048796"/>
+            <a:ext cx="1676400" cy="725142"/>
+          </a:xfrm>
+          <a:prstGeom prst="flowChartProcess">
+            <a:avLst/>
+          </a:prstGeom>
+          <a:solidFill>
+            <a:schemeClr val="accent3">
+              <a:lumMod val="40000"/>
+              <a:lumOff val="60000"/>
+            </a:schemeClr>
+          </a:solidFill>
+          <a:ln>
+            <a:solidFill>
+              <a:schemeClr val="accent3">
+                <a:lumMod val="60000"/>
+                <a:lumOff val="40000"/>
+              </a:schemeClr>
+            </a:solidFill>
+            <a:miter lim="800000"/>
+          </a:ln>
+          <a:effectLst/>
+        </p:spPr>
+        <p:style>
+          <a:lnRef idx="1">
+            <a:schemeClr val="accent1"/>
+          </a:lnRef>
+          <a:fillRef idx="3">
+            <a:schemeClr val="accent1"/>
+          </a:fillRef>
+          <a:effectRef idx="2">
+            <a:schemeClr val="accent1"/>
+          </a:effectRef>
+          <a:fontRef idx="minor">
+            <a:schemeClr val="lt1"/>
+          </a:fontRef>
+        </p:style>
+        <p:txBody>
+          <a:bodyPr rtlCol="0" anchor="ctr"/>
+          <a:lstStyle/>
+          <a:p>
+            <a:pPr algn="ctr" defTabSz="457200">
+              <a:spcBef>
+                <a:spcPts val="600"/>
+              </a:spcBef>
+              <a:spcAft>
+                <a:spcPts val="800"/>
+              </a:spcAft>
+              <a:buClr>
+                <a:schemeClr val="accent1"/>
+              </a:buClr>
+              <a:buSzPct val="70000"/>
+            </a:pPr>
+            <a:r>
+              <a:rPr lang="en-US" dirty="0">
+                <a:solidFill>
+                  <a:srgbClr val="000000"/>
+                </a:solidFill>
+                <a:latin typeface="Barlow" pitchFamily="2" charset="77"/>
+                <a:cs typeface="Arial" panose="020B0604020202020204" pitchFamily="34" charset="0"/>
+              </a:rPr>
+              <a:t>Select the mics/ AFE gain control</a:t>
+            </a:r>
+          </a:p>
+        </p:txBody>
+      </p:sp>
+      <p:sp>
+        <p:nvSpPr>
+          <p:cNvPr id="16" name="Flowchart: Process 15">
+            <a:extLst>
+              <a:ext uri="{FF2B5EF4-FFF2-40B4-BE49-F238E27FC236}">
+                <a16:creationId xmlns:a16="http://schemas.microsoft.com/office/drawing/2014/main" id="{B386A255-1570-425C-F800-324864F0C397}"/>
+              </a:ext>
+            </a:extLst>
+          </p:cNvPr>
+          <p:cNvSpPr/>
+          <p:nvPr/>
+        </p:nvSpPr>
+        <p:spPr>
+          <a:xfrm>
+            <a:off x="2956435" y="5074374"/>
+            <a:ext cx="1676400" cy="725142"/>
+          </a:xfrm>
+          <a:prstGeom prst="flowChartProcess">
+            <a:avLst/>
+          </a:prstGeom>
+          <a:solidFill>
+            <a:schemeClr val="tx1">
+              <a:lumMod val="50000"/>
+              <a:lumOff val="50000"/>
+            </a:schemeClr>
+          </a:solidFill>
+          <a:ln>
+            <a:solidFill>
+              <a:schemeClr val="tx1">
+                <a:lumMod val="65000"/>
+                <a:lumOff val="35000"/>
+              </a:schemeClr>
+            </a:solidFill>
+            <a:miter lim="800000"/>
+          </a:ln>
+          <a:effectLst/>
+        </p:spPr>
+        <p:style>
+          <a:lnRef idx="1">
+            <a:schemeClr val="accent1"/>
+          </a:lnRef>
+          <a:fillRef idx="3">
+            <a:schemeClr val="accent1"/>
+          </a:fillRef>
+          <a:effectRef idx="2">
+            <a:schemeClr val="accent1"/>
+          </a:effectRef>
+          <a:fontRef idx="minor">
+            <a:schemeClr val="lt1"/>
+          </a:fontRef>
+        </p:style>
+        <p:txBody>
+          <a:bodyPr rtlCol="0" anchor="ctr"/>
+          <a:lstStyle/>
+          <a:p>
+            <a:pPr algn="ctr" defTabSz="457200">
+              <a:spcBef>
+                <a:spcPts val="600"/>
+              </a:spcBef>
+              <a:spcAft>
+                <a:spcPts val="800"/>
+              </a:spcAft>
+              <a:buClr>
+                <a:schemeClr val="accent1"/>
+              </a:buClr>
+              <a:buSzPct val="70000"/>
+            </a:pPr>
+            <a:r>
+              <a:rPr lang="en-US" dirty="0">
+                <a:solidFill>
+                  <a:srgbClr val="000000"/>
+                </a:solidFill>
+                <a:latin typeface="Barlow" pitchFamily="2" charset="77"/>
+                <a:cs typeface="Arial" panose="020B0604020202020204" pitchFamily="34" charset="0"/>
+              </a:rPr>
+              <a:t>Select the SD-card banks</a:t>
+            </a:r>
+          </a:p>
+        </p:txBody>
+      </p:sp>
+      <p:sp>
+        <p:nvSpPr>
+          <p:cNvPr id="18" name="Flowchart: Process 17">
+            <a:extLst>
+              <a:ext uri="{FF2B5EF4-FFF2-40B4-BE49-F238E27FC236}">
+                <a16:creationId xmlns:a16="http://schemas.microsoft.com/office/drawing/2014/main" id="{001BC4B8-18FA-562C-E805-1F2427014BA8}"/>
+              </a:ext>
+            </a:extLst>
+          </p:cNvPr>
+          <p:cNvSpPr/>
+          <p:nvPr/>
+        </p:nvSpPr>
+        <p:spPr>
+          <a:xfrm>
+            <a:off x="6191471" y="2037793"/>
+            <a:ext cx="1676400" cy="725142"/>
+          </a:xfrm>
+          <a:prstGeom prst="flowChartProcess">
+            <a:avLst/>
+          </a:prstGeom>
+          <a:solidFill>
+            <a:schemeClr val="accent5">
+              <a:lumMod val="60000"/>
+              <a:lumOff val="40000"/>
+            </a:schemeClr>
+          </a:solidFill>
+          <a:ln>
+            <a:solidFill>
+              <a:schemeClr val="accent5">
+                <a:lumMod val="75000"/>
+              </a:schemeClr>
+            </a:solidFill>
+            <a:miter lim="800000"/>
+          </a:ln>
+          <a:effectLst/>
+        </p:spPr>
+        <p:style>
+          <a:lnRef idx="1">
+            <a:schemeClr val="accent1"/>
+          </a:lnRef>
+          <a:fillRef idx="3">
+            <a:schemeClr val="accent1"/>
+          </a:fillRef>
+          <a:effectRef idx="2">
+            <a:schemeClr val="accent1"/>
+          </a:effectRef>
+          <a:fontRef idx="minor">
+            <a:schemeClr val="lt1"/>
+          </a:fontRef>
+        </p:style>
+        <p:txBody>
+          <a:bodyPr rtlCol="0" anchor="ctr"/>
+          <a:lstStyle/>
+          <a:p>
+            <a:pPr algn="ctr" defTabSz="457200">
+              <a:spcBef>
+                <a:spcPts val="600"/>
+              </a:spcBef>
+              <a:spcAft>
+                <a:spcPts val="800"/>
+              </a:spcAft>
+              <a:buClr>
+                <a:schemeClr val="accent1"/>
+              </a:buClr>
+              <a:buSzPct val="70000"/>
+            </a:pPr>
+            <a:r>
+              <a:rPr lang="en-US" dirty="0">
+                <a:solidFill>
+                  <a:srgbClr val="000000"/>
+                </a:solidFill>
+                <a:latin typeface="Barlow" pitchFamily="2" charset="77"/>
+                <a:cs typeface="Arial" panose="020B0604020202020204" pitchFamily="34" charset="0"/>
+              </a:rPr>
+              <a:t>ADC-DMA-SD-Write</a:t>
+            </a:r>
+          </a:p>
+        </p:txBody>
+      </p:sp>
+      <p:sp>
+        <p:nvSpPr>
+          <p:cNvPr id="24" name="Flowchart: Display 23">
+            <a:extLst>
+              <a:ext uri="{FF2B5EF4-FFF2-40B4-BE49-F238E27FC236}">
+                <a16:creationId xmlns:a16="http://schemas.microsoft.com/office/drawing/2014/main" id="{22F96193-348C-EBA1-C2B1-0C4E93C99541}"/>
+              </a:ext>
+            </a:extLst>
+          </p:cNvPr>
+          <p:cNvSpPr/>
+          <p:nvPr/>
+        </p:nvSpPr>
+        <p:spPr>
+          <a:xfrm>
+            <a:off x="6191471" y="4183418"/>
+            <a:ext cx="1676400" cy="725142"/>
+          </a:xfrm>
+          <a:prstGeom prst="flowChartDisplay">
+            <a:avLst/>
+          </a:prstGeom>
+          <a:solidFill>
+            <a:schemeClr val="accent4">
+              <a:lumMod val="75000"/>
+            </a:schemeClr>
+          </a:solidFill>
+          <a:ln>
+            <a:solidFill>
+              <a:schemeClr val="accent4">
+                <a:lumMod val="50000"/>
+              </a:schemeClr>
+            </a:solidFill>
+            <a:miter lim="800000"/>
+          </a:ln>
+          <a:effectLst/>
+        </p:spPr>
+        <p:style>
+          <a:lnRef idx="1">
+            <a:schemeClr val="accent1"/>
+          </a:lnRef>
+          <a:fillRef idx="3">
+            <a:schemeClr val="accent1"/>
+          </a:fillRef>
+          <a:effectRef idx="2">
+            <a:schemeClr val="accent1"/>
+          </a:effectRef>
+          <a:fontRef idx="minor">
+            <a:schemeClr val="lt1"/>
+          </a:fontRef>
+        </p:style>
+        <p:txBody>
+          <a:bodyPr rtlCol="0" anchor="ctr"/>
+          <a:lstStyle/>
+          <a:p>
+            <a:pPr algn="l" defTabSz="457200">
+              <a:spcBef>
+                <a:spcPts val="600"/>
+              </a:spcBef>
+              <a:spcAft>
+                <a:spcPts val="800"/>
+              </a:spcAft>
+              <a:buClr>
+                <a:schemeClr val="accent1"/>
+              </a:buClr>
+              <a:buSzPct val="70000"/>
+            </a:pPr>
+            <a:r>
+              <a:rPr lang="en-US" dirty="0">
+                <a:solidFill>
+                  <a:srgbClr val="000000"/>
+                </a:solidFill>
+                <a:latin typeface="Barlow" pitchFamily="2" charset="77"/>
+                <a:cs typeface="Arial" panose="020B0604020202020204" pitchFamily="34" charset="0"/>
+              </a:rPr>
+              <a:t>PC using MATLAB</a:t>
+            </a:r>
+          </a:p>
+        </p:txBody>
+      </p:sp>
+      <p:cxnSp>
+        <p:nvCxnSpPr>
+          <p:cNvPr id="28" name="Straight Arrow Connector 27">
+            <a:extLst>
+              <a:ext uri="{FF2B5EF4-FFF2-40B4-BE49-F238E27FC236}">
+                <a16:creationId xmlns:a16="http://schemas.microsoft.com/office/drawing/2014/main" id="{B1452698-C039-F8C3-9760-CD2757EE6487}"/>
+              </a:ext>
+            </a:extLst>
+          </p:cNvPr>
+          <p:cNvCxnSpPr>
+            <a:stCxn id="5" idx="2"/>
+            <a:endCxn id="3" idx="0"/>
+          </p:cNvCxnSpPr>
+          <p:nvPr/>
+        </p:nvCxnSpPr>
+        <p:spPr>
+          <a:xfrm>
+            <a:off x="3794635" y="1683059"/>
+            <a:ext cx="0" cy="354734"/>
+          </a:xfrm>
+          <a:prstGeom prst="straightConnector1">
+            <a:avLst/>
+          </a:prstGeom>
+          <a:ln w="12700">
+            <a:solidFill>
+              <a:schemeClr val="tx1"/>
+            </a:solidFill>
+            <a:tailEnd type="triangle"/>
+          </a:ln>
+          <a:effectLst/>
+        </p:spPr>
+        <p:style>
+          <a:lnRef idx="2">
+            <a:schemeClr val="accent1"/>
+          </a:lnRef>
+          <a:fillRef idx="0">
+            <a:schemeClr val="accent1"/>
+          </a:fillRef>
+          <a:effectRef idx="1">
+            <a:schemeClr val="accent1"/>
+          </a:effectRef>
+          <a:fontRef idx="minor">
+            <a:schemeClr val="tx1"/>
+          </a:fontRef>
+        </p:style>
+      </p:cxnSp>
+      <p:cxnSp>
+        <p:nvCxnSpPr>
+          <p:cNvPr id="31" name="Straight Arrow Connector 30">
+            <a:extLst>
+              <a:ext uri="{FF2B5EF4-FFF2-40B4-BE49-F238E27FC236}">
+                <a16:creationId xmlns:a16="http://schemas.microsoft.com/office/drawing/2014/main" id="{817EA548-2DAC-88CB-B6CF-11D3EFA5A54A}"/>
+              </a:ext>
+            </a:extLst>
+          </p:cNvPr>
+          <p:cNvCxnSpPr>
+            <a:stCxn id="3" idx="2"/>
+            <a:endCxn id="6" idx="0"/>
+          </p:cNvCxnSpPr>
+          <p:nvPr/>
+        </p:nvCxnSpPr>
+        <p:spPr>
+          <a:xfrm>
+            <a:off x="3794635" y="2762935"/>
+            <a:ext cx="0" cy="274631"/>
+          </a:xfrm>
+          <a:prstGeom prst="straightConnector1">
+            <a:avLst/>
+          </a:prstGeom>
+          <a:ln w="12700">
+            <a:solidFill>
+              <a:schemeClr val="tx1"/>
+            </a:solidFill>
+            <a:tailEnd type="triangle"/>
+          </a:ln>
+          <a:effectLst/>
+        </p:spPr>
+        <p:style>
+          <a:lnRef idx="2">
+            <a:schemeClr val="accent1"/>
+          </a:lnRef>
+          <a:fillRef idx="0">
+            <a:schemeClr val="accent1"/>
+          </a:fillRef>
+          <a:effectRef idx="1">
+            <a:schemeClr val="accent1"/>
+          </a:effectRef>
+          <a:fontRef idx="minor">
+            <a:schemeClr val="tx1"/>
+          </a:fontRef>
+        </p:style>
+      </p:cxnSp>
+      <p:cxnSp>
+        <p:nvCxnSpPr>
+          <p:cNvPr id="33" name="Straight Arrow Connector 32">
+            <a:extLst>
+              <a:ext uri="{FF2B5EF4-FFF2-40B4-BE49-F238E27FC236}">
+                <a16:creationId xmlns:a16="http://schemas.microsoft.com/office/drawing/2014/main" id="{AD08B4A7-B6A4-D221-092C-083D36BD1027}"/>
+              </a:ext>
+            </a:extLst>
+          </p:cNvPr>
+          <p:cNvCxnSpPr>
+            <a:stCxn id="6" idx="2"/>
+            <a:endCxn id="15" idx="0"/>
+          </p:cNvCxnSpPr>
+          <p:nvPr/>
+        </p:nvCxnSpPr>
+        <p:spPr>
+          <a:xfrm>
+            <a:off x="3794635" y="3762708"/>
+            <a:ext cx="0" cy="286088"/>
+          </a:xfrm>
+          <a:prstGeom prst="straightConnector1">
+            <a:avLst/>
+          </a:prstGeom>
+          <a:ln w="12700">
+            <a:solidFill>
+              <a:schemeClr val="tx1"/>
+            </a:solidFill>
+            <a:tailEnd type="triangle"/>
+          </a:ln>
+          <a:effectLst/>
+        </p:spPr>
+        <p:style>
+          <a:lnRef idx="2">
+            <a:schemeClr val="accent1"/>
+          </a:lnRef>
+          <a:fillRef idx="0">
+            <a:schemeClr val="accent1"/>
+          </a:fillRef>
+          <a:effectRef idx="1">
+            <a:schemeClr val="accent1"/>
+          </a:effectRef>
+          <a:fontRef idx="minor">
+            <a:schemeClr val="tx1"/>
+          </a:fontRef>
+        </p:style>
+      </p:cxnSp>
+      <p:cxnSp>
+        <p:nvCxnSpPr>
+          <p:cNvPr id="35" name="Straight Arrow Connector 34">
+            <a:extLst>
+              <a:ext uri="{FF2B5EF4-FFF2-40B4-BE49-F238E27FC236}">
+                <a16:creationId xmlns:a16="http://schemas.microsoft.com/office/drawing/2014/main" id="{DE5DC04D-3B6F-844B-905F-8C5FD493E8E1}"/>
+              </a:ext>
+            </a:extLst>
+          </p:cNvPr>
+          <p:cNvCxnSpPr>
+            <a:stCxn id="15" idx="2"/>
+            <a:endCxn id="16" idx="0"/>
+          </p:cNvCxnSpPr>
+          <p:nvPr/>
+        </p:nvCxnSpPr>
+        <p:spPr>
+          <a:xfrm>
+            <a:off x="3794635" y="4773938"/>
+            <a:ext cx="0" cy="300436"/>
+          </a:xfrm>
+          <a:prstGeom prst="straightConnector1">
+            <a:avLst/>
+          </a:prstGeom>
+          <a:ln w="12700">
+            <a:solidFill>
+              <a:schemeClr val="tx1"/>
+            </a:solidFill>
+            <a:tailEnd type="triangle"/>
+          </a:ln>
+          <a:effectLst/>
+        </p:spPr>
+        <p:style>
+          <a:lnRef idx="2">
+            <a:schemeClr val="accent1"/>
+          </a:lnRef>
+          <a:fillRef idx="0">
+            <a:schemeClr val="accent1"/>
+          </a:fillRef>
+          <a:effectRef idx="1">
+            <a:schemeClr val="accent1"/>
+          </a:effectRef>
+          <a:fontRef idx="minor">
+            <a:schemeClr val="tx1"/>
+          </a:fontRef>
+        </p:style>
+      </p:cxnSp>
+      <p:cxnSp>
+        <p:nvCxnSpPr>
+          <p:cNvPr id="43" name="Straight Connector 42">
+            <a:extLst>
+              <a:ext uri="{FF2B5EF4-FFF2-40B4-BE49-F238E27FC236}">
+                <a16:creationId xmlns:a16="http://schemas.microsoft.com/office/drawing/2014/main" id="{B035FDEB-6540-EDB8-BB1E-BC289A6876CB}"/>
+              </a:ext>
+            </a:extLst>
+          </p:cNvPr>
+          <p:cNvCxnSpPr>
+            <a:cxnSpLocks/>
+          </p:cNvCxnSpPr>
+          <p:nvPr/>
+        </p:nvCxnSpPr>
+        <p:spPr>
+          <a:xfrm>
+            <a:off x="4632835" y="5474415"/>
+            <a:ext cx="566375" cy="0"/>
+          </a:xfrm>
+          <a:prstGeom prst="line">
+            <a:avLst/>
+          </a:prstGeom>
+          <a:ln w="12700">
+            <a:solidFill>
+              <a:schemeClr val="tx1"/>
+            </a:solidFill>
+          </a:ln>
+          <a:effectLst/>
+        </p:spPr>
+        <p:style>
+          <a:lnRef idx="2">
+            <a:schemeClr val="accent1"/>
+          </a:lnRef>
+          <a:fillRef idx="0">
+            <a:schemeClr val="accent1"/>
+          </a:fillRef>
+          <a:effectRef idx="1">
+            <a:schemeClr val="accent1"/>
+          </a:effectRef>
+          <a:fontRef idx="minor">
+            <a:schemeClr val="tx1"/>
+          </a:fontRef>
+        </p:style>
+      </p:cxnSp>
+      <p:cxnSp>
+        <p:nvCxnSpPr>
+          <p:cNvPr id="47" name="Straight Connector 46">
+            <a:extLst>
+              <a:ext uri="{FF2B5EF4-FFF2-40B4-BE49-F238E27FC236}">
+                <a16:creationId xmlns:a16="http://schemas.microsoft.com/office/drawing/2014/main" id="{2A61435F-24D8-325A-2847-7339A554C0BD}"/>
+              </a:ext>
+            </a:extLst>
+          </p:cNvPr>
+          <p:cNvCxnSpPr>
+            <a:cxnSpLocks/>
+          </p:cNvCxnSpPr>
+          <p:nvPr/>
+        </p:nvCxnSpPr>
+        <p:spPr>
+          <a:xfrm flipV="1">
+            <a:off x="5199210" y="2400364"/>
+            <a:ext cx="3175" cy="3074051"/>
+          </a:xfrm>
+          <a:prstGeom prst="line">
+            <a:avLst/>
+          </a:prstGeom>
+          <a:ln w="12700">
+            <a:solidFill>
+              <a:schemeClr val="tx1"/>
+            </a:solidFill>
+          </a:ln>
+          <a:effectLst/>
+        </p:spPr>
+        <p:style>
+          <a:lnRef idx="2">
+            <a:schemeClr val="accent1"/>
+          </a:lnRef>
+          <a:fillRef idx="0">
+            <a:schemeClr val="accent1"/>
+          </a:fillRef>
+          <a:effectRef idx="1">
+            <a:schemeClr val="accent1"/>
+          </a:effectRef>
+          <a:fontRef idx="minor">
+            <a:schemeClr val="tx1"/>
+          </a:fontRef>
+        </p:style>
+      </p:cxnSp>
+      <p:cxnSp>
+        <p:nvCxnSpPr>
+          <p:cNvPr id="49" name="Straight Arrow Connector 48">
+            <a:extLst>
+              <a:ext uri="{FF2B5EF4-FFF2-40B4-BE49-F238E27FC236}">
+                <a16:creationId xmlns:a16="http://schemas.microsoft.com/office/drawing/2014/main" id="{B460AF9E-9AD9-F090-4820-3F39F8700391}"/>
+              </a:ext>
+            </a:extLst>
+          </p:cNvPr>
+          <p:cNvCxnSpPr>
+            <a:cxnSpLocks/>
+            <a:endCxn id="18" idx="1"/>
+          </p:cNvCxnSpPr>
+          <p:nvPr/>
+        </p:nvCxnSpPr>
+        <p:spPr>
+          <a:xfrm>
+            <a:off x="5199210" y="2400364"/>
+            <a:ext cx="992261" cy="0"/>
+          </a:xfrm>
+          <a:prstGeom prst="straightConnector1">
+            <a:avLst/>
+          </a:prstGeom>
+          <a:ln w="12700">
+            <a:solidFill>
+              <a:schemeClr val="tx1"/>
+            </a:solidFill>
+            <a:tailEnd type="triangle"/>
+          </a:ln>
+          <a:effectLst/>
+        </p:spPr>
+        <p:style>
+          <a:lnRef idx="2">
+            <a:schemeClr val="accent1"/>
+          </a:lnRef>
+          <a:fillRef idx="0">
+            <a:schemeClr val="accent1"/>
+          </a:fillRef>
+          <a:effectRef idx="1">
+            <a:schemeClr val="accent1"/>
+          </a:effectRef>
+          <a:fontRef idx="minor">
+            <a:schemeClr val="tx1"/>
+          </a:fontRef>
+        </p:style>
+      </p:cxnSp>
+      <p:cxnSp>
+        <p:nvCxnSpPr>
+          <p:cNvPr id="57" name="Straight Arrow Connector 56">
+            <a:extLst>
+              <a:ext uri="{FF2B5EF4-FFF2-40B4-BE49-F238E27FC236}">
+                <a16:creationId xmlns:a16="http://schemas.microsoft.com/office/drawing/2014/main" id="{1352B850-AE8C-3D92-531A-BF71A531DD16}"/>
+              </a:ext>
+            </a:extLst>
+          </p:cNvPr>
+          <p:cNvCxnSpPr>
+            <a:stCxn id="18" idx="2"/>
+            <a:endCxn id="9" idx="0"/>
+          </p:cNvCxnSpPr>
+          <p:nvPr/>
+        </p:nvCxnSpPr>
+        <p:spPr>
+          <a:xfrm>
+            <a:off x="7029671" y="2762935"/>
+            <a:ext cx="4318" cy="274631"/>
+          </a:xfrm>
+          <a:prstGeom prst="straightConnector1">
+            <a:avLst/>
+          </a:prstGeom>
+          <a:ln w="12700">
+            <a:solidFill>
+              <a:schemeClr val="tx1"/>
+            </a:solidFill>
+            <a:tailEnd type="triangle"/>
+          </a:ln>
+          <a:effectLst/>
+        </p:spPr>
+        <p:style>
+          <a:lnRef idx="2">
+            <a:schemeClr val="accent1"/>
+          </a:lnRef>
+          <a:fillRef idx="0">
+            <a:schemeClr val="accent1"/>
+          </a:fillRef>
+          <a:effectRef idx="1">
+            <a:schemeClr val="accent1"/>
+          </a:effectRef>
+          <a:fontRef idx="minor">
+            <a:schemeClr val="tx1"/>
+          </a:fontRef>
+        </p:style>
+      </p:cxnSp>
+      <p:cxnSp>
+        <p:nvCxnSpPr>
+          <p:cNvPr id="59" name="Straight Arrow Connector 58">
+            <a:extLst>
+              <a:ext uri="{FF2B5EF4-FFF2-40B4-BE49-F238E27FC236}">
+                <a16:creationId xmlns:a16="http://schemas.microsoft.com/office/drawing/2014/main" id="{0ACAF22A-05A0-297D-A048-EFAC7AE6421E}"/>
+              </a:ext>
+            </a:extLst>
+          </p:cNvPr>
+          <p:cNvCxnSpPr>
+            <a:cxnSpLocks/>
+          </p:cNvCxnSpPr>
+          <p:nvPr/>
+        </p:nvCxnSpPr>
+        <p:spPr>
+          <a:xfrm>
+            <a:off x="7033394" y="3804564"/>
+            <a:ext cx="0" cy="378854"/>
+          </a:xfrm>
+          <a:prstGeom prst="straightConnector1">
+            <a:avLst/>
+          </a:prstGeom>
+          <a:ln w="12700">
+            <a:solidFill>
+              <a:schemeClr val="tx1"/>
+            </a:solidFill>
+            <a:tailEnd type="triangle"/>
+          </a:ln>
+          <a:effectLst/>
+        </p:spPr>
+        <p:style>
+          <a:lnRef idx="2">
+            <a:schemeClr val="accent1"/>
+          </a:lnRef>
+          <a:fillRef idx="0">
+            <a:schemeClr val="accent1"/>
+          </a:fillRef>
+          <a:effectRef idx="1">
+            <a:schemeClr val="accent1"/>
+          </a:effectRef>
+          <a:fontRef idx="minor">
+            <a:schemeClr val="tx1"/>
+          </a:fontRef>
+        </p:style>
+      </p:cxnSp>
+      <p:cxnSp>
+        <p:nvCxnSpPr>
+          <p:cNvPr id="79" name="Straight Arrow Connector 78">
+            <a:extLst>
+              <a:ext uri="{FF2B5EF4-FFF2-40B4-BE49-F238E27FC236}">
+                <a16:creationId xmlns:a16="http://schemas.microsoft.com/office/drawing/2014/main" id="{1BF8631D-91AB-048E-8F4C-CA97DFE25064}"/>
+              </a:ext>
+            </a:extLst>
+          </p:cNvPr>
+          <p:cNvCxnSpPr/>
+          <p:nvPr/>
+        </p:nvCxnSpPr>
+        <p:spPr>
+          <a:xfrm>
+            <a:off x="3794635" y="1695759"/>
+            <a:ext cx="0" cy="57150"/>
+          </a:xfrm>
+          <a:prstGeom prst="straightConnector1">
+            <a:avLst/>
+          </a:prstGeom>
+          <a:ln>
+            <a:tailEnd type="triangle"/>
+          </a:ln>
+        </p:spPr>
+        <p:style>
+          <a:lnRef idx="1">
+            <a:schemeClr val="accent6"/>
+          </a:lnRef>
+          <a:fillRef idx="0">
+            <a:schemeClr val="accent6"/>
+          </a:fillRef>
+          <a:effectRef idx="0">
+            <a:schemeClr val="accent6"/>
+          </a:effectRef>
+          <a:fontRef idx="minor">
+            <a:schemeClr val="tx1"/>
+          </a:fontRef>
+        </p:style>
+      </p:cxnSp>
+      <p:cxnSp>
+        <p:nvCxnSpPr>
+          <p:cNvPr id="84" name="Straight Arrow Connector 83">
+            <a:extLst>
+              <a:ext uri="{FF2B5EF4-FFF2-40B4-BE49-F238E27FC236}">
+                <a16:creationId xmlns:a16="http://schemas.microsoft.com/office/drawing/2014/main" id="{11A4BC72-0837-9263-B403-BAB3A1E56FFF}"/>
+              </a:ext>
+            </a:extLst>
+          </p:cNvPr>
+          <p:cNvCxnSpPr>
+            <a:cxnSpLocks/>
+          </p:cNvCxnSpPr>
+          <p:nvPr/>
+        </p:nvCxnSpPr>
+        <p:spPr>
+          <a:xfrm>
+            <a:off x="3789867" y="2779238"/>
+            <a:ext cx="0" cy="57150"/>
+          </a:xfrm>
+          <a:prstGeom prst="straightConnector1">
+            <a:avLst/>
+          </a:prstGeom>
+          <a:ln>
+            <a:tailEnd type="triangle"/>
+          </a:ln>
+        </p:spPr>
+        <p:style>
+          <a:lnRef idx="1">
+            <a:schemeClr val="accent6"/>
+          </a:lnRef>
+          <a:fillRef idx="0">
+            <a:schemeClr val="accent6"/>
+          </a:fillRef>
+          <a:effectRef idx="0">
+            <a:schemeClr val="accent6"/>
+          </a:effectRef>
+          <a:fontRef idx="minor">
+            <a:schemeClr val="tx1"/>
+          </a:fontRef>
+        </p:style>
+      </p:cxnSp>
+      <p:cxnSp>
+        <p:nvCxnSpPr>
+          <p:cNvPr id="88" name="Straight Arrow Connector 87">
+            <a:extLst>
+              <a:ext uri="{FF2B5EF4-FFF2-40B4-BE49-F238E27FC236}">
+                <a16:creationId xmlns:a16="http://schemas.microsoft.com/office/drawing/2014/main" id="{7F6A2349-44EB-6E8F-FA92-8C5FC5FAD417}"/>
+              </a:ext>
+            </a:extLst>
+          </p:cNvPr>
+          <p:cNvCxnSpPr/>
+          <p:nvPr/>
+        </p:nvCxnSpPr>
+        <p:spPr>
+          <a:xfrm>
+            <a:off x="3797018" y="3777001"/>
+            <a:ext cx="0" cy="57150"/>
+          </a:xfrm>
+          <a:prstGeom prst="straightConnector1">
+            <a:avLst/>
+          </a:prstGeom>
+          <a:ln>
+            <a:tailEnd type="triangle"/>
+          </a:ln>
+        </p:spPr>
+        <p:style>
+          <a:lnRef idx="1">
+            <a:schemeClr val="accent6"/>
+          </a:lnRef>
+          <a:fillRef idx="0">
+            <a:schemeClr val="accent6"/>
+          </a:fillRef>
+          <a:effectRef idx="0">
+            <a:schemeClr val="accent6"/>
+          </a:effectRef>
+          <a:fontRef idx="minor">
+            <a:schemeClr val="tx1"/>
+          </a:fontRef>
+        </p:style>
+      </p:cxnSp>
+      <p:cxnSp>
+        <p:nvCxnSpPr>
+          <p:cNvPr id="95" name="Straight Arrow Connector 94">
+            <a:extLst>
+              <a:ext uri="{FF2B5EF4-FFF2-40B4-BE49-F238E27FC236}">
+                <a16:creationId xmlns:a16="http://schemas.microsoft.com/office/drawing/2014/main" id="{CFEFF6B9-6EEC-CFF5-DD80-25A97EC42145}"/>
+              </a:ext>
+            </a:extLst>
+          </p:cNvPr>
+          <p:cNvCxnSpPr/>
+          <p:nvPr/>
+        </p:nvCxnSpPr>
+        <p:spPr>
+          <a:xfrm>
+            <a:off x="3792250" y="4791432"/>
+            <a:ext cx="0" cy="57150"/>
+          </a:xfrm>
+          <a:prstGeom prst="straightConnector1">
+            <a:avLst/>
+          </a:prstGeom>
+          <a:ln>
+            <a:tailEnd type="triangle"/>
+          </a:ln>
+        </p:spPr>
+        <p:style>
+          <a:lnRef idx="1">
+            <a:schemeClr val="accent6"/>
+          </a:lnRef>
+          <a:fillRef idx="0">
+            <a:schemeClr val="accent6"/>
+          </a:fillRef>
+          <a:effectRef idx="0">
+            <a:schemeClr val="accent6"/>
+          </a:effectRef>
+          <a:fontRef idx="minor">
+            <a:schemeClr val="tx1"/>
+          </a:fontRef>
+        </p:style>
+      </p:cxnSp>
+      <p:cxnSp>
+        <p:nvCxnSpPr>
+          <p:cNvPr id="108" name="Straight Arrow Connector 107">
+            <a:extLst>
+              <a:ext uri="{FF2B5EF4-FFF2-40B4-BE49-F238E27FC236}">
+                <a16:creationId xmlns:a16="http://schemas.microsoft.com/office/drawing/2014/main" id="{FFFDFA9C-E619-8D5D-C83C-AD98AAEDE044}"/>
+              </a:ext>
+            </a:extLst>
+          </p:cNvPr>
+          <p:cNvCxnSpPr/>
+          <p:nvPr/>
+        </p:nvCxnSpPr>
+        <p:spPr>
+          <a:xfrm>
+            <a:off x="7029671" y="2779238"/>
+            <a:ext cx="0" cy="57150"/>
+          </a:xfrm>
+          <a:prstGeom prst="straightConnector1">
+            <a:avLst/>
+          </a:prstGeom>
+          <a:ln>
+            <a:tailEnd type="triangle"/>
+          </a:ln>
+        </p:spPr>
+        <p:style>
+          <a:lnRef idx="1">
+            <a:schemeClr val="accent6"/>
+          </a:lnRef>
+          <a:fillRef idx="0">
+            <a:schemeClr val="accent6"/>
+          </a:fillRef>
+          <a:effectRef idx="0">
+            <a:schemeClr val="accent6"/>
+          </a:effectRef>
+          <a:fontRef idx="minor">
+            <a:schemeClr val="tx1"/>
+          </a:fontRef>
+        </p:style>
+      </p:cxnSp>
+      <p:cxnSp>
+        <p:nvCxnSpPr>
+          <p:cNvPr id="110" name="Straight Arrow Connector 109">
+            <a:extLst>
+              <a:ext uri="{FF2B5EF4-FFF2-40B4-BE49-F238E27FC236}">
+                <a16:creationId xmlns:a16="http://schemas.microsoft.com/office/drawing/2014/main" id="{2FB49ABD-1163-0D1E-A89E-B070C1E4FC38}"/>
+              </a:ext>
+            </a:extLst>
+          </p:cNvPr>
+          <p:cNvCxnSpPr/>
+          <p:nvPr/>
+        </p:nvCxnSpPr>
+        <p:spPr>
+          <a:xfrm>
+            <a:off x="7029671" y="3814832"/>
+            <a:ext cx="0" cy="57150"/>
+          </a:xfrm>
+          <a:prstGeom prst="straightConnector1">
+            <a:avLst/>
+          </a:prstGeom>
+          <a:ln>
+            <a:tailEnd type="triangle"/>
+          </a:ln>
+        </p:spPr>
+        <p:style>
+          <a:lnRef idx="1">
+            <a:schemeClr val="accent6"/>
+          </a:lnRef>
+          <a:fillRef idx="0">
+            <a:schemeClr val="accent6"/>
+          </a:fillRef>
+          <a:effectRef idx="0">
+            <a:schemeClr val="accent6"/>
+          </a:effectRef>
+          <a:fontRef idx="minor">
+            <a:schemeClr val="tx1"/>
+          </a:fontRef>
+        </p:style>
+      </p:cxnSp>
+      <p:sp>
+        <p:nvSpPr>
+          <p:cNvPr id="135" name="Flowchart: Connector 134">
+            <a:extLst>
+              <a:ext uri="{FF2B5EF4-FFF2-40B4-BE49-F238E27FC236}">
+                <a16:creationId xmlns:a16="http://schemas.microsoft.com/office/drawing/2014/main" id="{FBC8C451-D42B-F1CE-727F-298A88733D1B}"/>
+              </a:ext>
+            </a:extLst>
+          </p:cNvPr>
+          <p:cNvSpPr/>
+          <p:nvPr/>
+        </p:nvSpPr>
+        <p:spPr>
+          <a:xfrm>
+            <a:off x="7223804" y="3006520"/>
+            <a:ext cx="63500" cy="69850"/>
+          </a:xfrm>
+          <a:prstGeom prst="flowChartConnector">
+            <a:avLst/>
+          </a:prstGeom>
+          <a:solidFill>
+            <a:schemeClr val="accent6"/>
+          </a:solidFill>
+          <a:ln/>
+        </p:spPr>
+        <p:style>
+          <a:lnRef idx="2">
+            <a:schemeClr val="accent6"/>
+          </a:lnRef>
+          <a:fillRef idx="1">
+            <a:schemeClr val="lt1"/>
+          </a:fillRef>
+          <a:effectRef idx="0">
+            <a:schemeClr val="accent6"/>
+          </a:effectRef>
+          <a:fontRef idx="minor">
+            <a:schemeClr val="dk1"/>
+          </a:fontRef>
+        </p:style>
+        <p:txBody>
+          <a:bodyPr rtlCol="0" anchor="ctr"/>
+          <a:lstStyle/>
+          <a:p>
+            <a:pPr algn="l" defTabSz="457200">
+              <a:spcBef>
+                <a:spcPts val="600"/>
+              </a:spcBef>
+              <a:spcAft>
+                <a:spcPts val="800"/>
+              </a:spcAft>
+              <a:buClr>
+                <a:schemeClr val="accent1"/>
+              </a:buClr>
+              <a:buSzPct val="70000"/>
+            </a:pPr>
+            <a:endParaRPr lang="en-US" err="1">
+              <a:solidFill>
+                <a:srgbClr val="000000"/>
+              </a:solidFill>
+              <a:latin typeface="Barlow" pitchFamily="2" charset="77"/>
+              <a:cs typeface="Arial" panose="020B0604020202020204" pitchFamily="34" charset="0"/>
+            </a:endParaRPr>
+          </a:p>
+        </p:txBody>
+      </p:sp>
+      <p:cxnSp>
+        <p:nvCxnSpPr>
+          <p:cNvPr id="137" name="Straight Arrow Connector 136">
+            <a:extLst>
+              <a:ext uri="{FF2B5EF4-FFF2-40B4-BE49-F238E27FC236}">
+                <a16:creationId xmlns:a16="http://schemas.microsoft.com/office/drawing/2014/main" id="{3FBB0370-E660-4F35-6007-EDFF134F5D53}"/>
+              </a:ext>
+            </a:extLst>
+          </p:cNvPr>
+          <p:cNvCxnSpPr/>
+          <p:nvPr/>
+        </p:nvCxnSpPr>
+        <p:spPr>
+          <a:xfrm>
+            <a:off x="4639185" y="5476010"/>
+            <a:ext cx="57150" cy="0"/>
+          </a:xfrm>
+          <a:prstGeom prst="straightConnector1">
+            <a:avLst/>
+          </a:prstGeom>
+          <a:ln>
+            <a:tailEnd type="triangle"/>
+          </a:ln>
+        </p:spPr>
+        <p:style>
+          <a:lnRef idx="1">
+            <a:schemeClr val="accent6"/>
+          </a:lnRef>
+          <a:fillRef idx="0">
+            <a:schemeClr val="accent6"/>
+          </a:fillRef>
+          <a:effectRef idx="0">
+            <a:schemeClr val="accent6"/>
+          </a:effectRef>
+          <a:fontRef idx="minor">
+            <a:schemeClr val="tx1"/>
+          </a:fontRef>
+        </p:style>
+      </p:cxnSp>
+      <p:cxnSp>
+        <p:nvCxnSpPr>
+          <p:cNvPr id="152" name="Straight Arrow Connector 151">
+            <a:extLst>
+              <a:ext uri="{FF2B5EF4-FFF2-40B4-BE49-F238E27FC236}">
+                <a16:creationId xmlns:a16="http://schemas.microsoft.com/office/drawing/2014/main" id="{1BEC39DD-7508-48C3-18F8-92F32DD6E5DE}"/>
+              </a:ext>
+            </a:extLst>
+          </p:cNvPr>
+          <p:cNvCxnSpPr>
+            <a:cxnSpLocks/>
+          </p:cNvCxnSpPr>
+          <p:nvPr/>
+        </p:nvCxnSpPr>
+        <p:spPr>
+          <a:xfrm>
+            <a:off x="5138738" y="5474415"/>
+            <a:ext cx="60472" cy="0"/>
+          </a:xfrm>
+          <a:prstGeom prst="straightConnector1">
+            <a:avLst/>
+          </a:prstGeom>
+          <a:ln>
+            <a:tailEnd type="triangle"/>
+          </a:ln>
+        </p:spPr>
+        <p:style>
+          <a:lnRef idx="1">
+            <a:schemeClr val="accent6"/>
+          </a:lnRef>
+          <a:fillRef idx="0">
+            <a:schemeClr val="accent6"/>
+          </a:fillRef>
+          <a:effectRef idx="0">
+            <a:schemeClr val="accent6"/>
+          </a:effectRef>
+          <a:fontRef idx="minor">
+            <a:schemeClr val="tx1"/>
+          </a:fontRef>
+        </p:style>
+      </p:cxnSp>
+      <p:cxnSp>
+        <p:nvCxnSpPr>
+          <p:cNvPr id="160" name="Straight Arrow Connector 159">
+            <a:extLst>
+              <a:ext uri="{FF2B5EF4-FFF2-40B4-BE49-F238E27FC236}">
+                <a16:creationId xmlns:a16="http://schemas.microsoft.com/office/drawing/2014/main" id="{92703AE2-C3BF-BE18-D7BD-8DFE24C153F9}"/>
+              </a:ext>
+            </a:extLst>
+          </p:cNvPr>
+          <p:cNvCxnSpPr>
+            <a:cxnSpLocks/>
+          </p:cNvCxnSpPr>
+          <p:nvPr/>
+        </p:nvCxnSpPr>
+        <p:spPr>
+          <a:xfrm>
+            <a:off x="5258310" y="2400364"/>
+            <a:ext cx="57150" cy="0"/>
+          </a:xfrm>
+          <a:prstGeom prst="straightConnector1">
+            <a:avLst/>
+          </a:prstGeom>
+          <a:ln>
+            <a:tailEnd type="triangle"/>
+          </a:ln>
+        </p:spPr>
+        <p:style>
+          <a:lnRef idx="1">
+            <a:schemeClr val="accent6"/>
+          </a:lnRef>
+          <a:fillRef idx="0">
+            <a:schemeClr val="accent6"/>
+          </a:fillRef>
+          <a:effectRef idx="0">
+            <a:schemeClr val="accent6"/>
+          </a:effectRef>
+          <a:fontRef idx="minor">
+            <a:schemeClr val="tx1"/>
+          </a:fontRef>
+        </p:style>
+      </p:cxnSp>
+    </p:spTree>
+    <p:extLst>
+      <p:ext uri="{BB962C8B-B14F-4D97-AF65-F5344CB8AC3E}">
+        <p14:creationId xmlns:p14="http://schemas.microsoft.com/office/powerpoint/2010/main" val="2202051474"/>
+      </p:ext>
+    </p:extLst>
+  </p:cSld>
+  <p:clrMapOvr>
+    <a:masterClrMapping/>
+  </p:clrMapOvr>
+  <mc:AlternateContent xmlns:mc="http://schemas.openxmlformats.org/markup-compatibility/2006" xmlns:p14="http://schemas.microsoft.com/office/powerpoint/2010/main">
+    <mc:Choice Requires="p14">
+      <p:transition spd="med" p14:dur="700">
+        <p:fade/>
+      </p:transition>
+    </mc:Choice>
+    <mc:Fallback xmlns="">
+      <p:transition spd="med">
+        <p:fade/>
+      </p:transition>
+    </mc:Fallback>
+  </mc:AlternateContent>
+  <p:timing>
+    <p:tnLst>
+      <p:par>
+        <p:cTn id="1" dur="indefinite" restart="never" nodeType="tmRoot">
+          <p:childTnLst>
+            <p:seq concurrent="1" nextAc="seek">
+              <p:cTn id="2" dur="indefinite" nodeType="mainSeq">
+                <p:childTnLst>
+                  <p:par>
+                    <p:cTn id="3" fill="hold">
+                      <p:stCondLst>
+                        <p:cond delay="indefinite"/>
+                        <p:cond evt="onBegin" delay="0">
+                          <p:tn val="2"/>
+                        </p:cond>
+                      </p:stCondLst>
+                      <p:childTnLst>
+                        <p:par>
+                          <p:cTn id="4" fill="hold">
+                            <p:stCondLst>
+                              <p:cond delay="0"/>
+                            </p:stCondLst>
+                            <p:childTnLst>
+                              <p:par>
+                                <p:cTn id="5" presetID="42" presetClass="path" presetSubtype="0" repeatCount="indefinite" accel="50000" decel="50000" fill="hold" nodeType="withEffect">
+                                  <p:stCondLst>
+                                    <p:cond delay="0"/>
+                                  </p:stCondLst>
+                                  <p:childTnLst>
+                                    <p:animMotion origin="layout" path="M 2.08333E-6 1.11111E-6 L 2.08333E-6 0.0419 " pathEditMode="relative" rAng="0" ptsTypes="AA">
+                                      <p:cBhvr>
+                                        <p:cTn id="6" dur="500" fill="hold"/>
+                                        <p:tgtEl>
+                                          <p:spTgt spid="79"/>
+                                        </p:tgtEl>
+                                        <p:attrNameLst>
+                                          <p:attrName>ppt_x</p:attrName>
+                                          <p:attrName>ppt_y</p:attrName>
+                                        </p:attrNameLst>
+                                      </p:cBhvr>
+                                      <p:rCtr x="0" y="2083"/>
+                                    </p:animMotion>
+                                  </p:childTnLst>
+                                </p:cTn>
+                              </p:par>
+                              <p:par>
+                                <p:cTn id="7" presetID="42" presetClass="path" presetSubtype="0" repeatCount="indefinite" accel="50000" decel="50000" fill="hold" nodeType="withEffect">
+                                  <p:stCondLst>
+                                    <p:cond delay="0"/>
+                                  </p:stCondLst>
+                                  <p:childTnLst>
+                                    <p:animMotion origin="layout" path="M 0.00052 -7.40741E-7 L 0.00052 0.02917 " pathEditMode="relative" rAng="0" ptsTypes="AA">
+                                      <p:cBhvr>
+                                        <p:cTn id="8" dur="500" fill="hold"/>
+                                        <p:tgtEl>
+                                          <p:spTgt spid="84"/>
+                                        </p:tgtEl>
+                                        <p:attrNameLst>
+                                          <p:attrName>ppt_x</p:attrName>
+                                          <p:attrName>ppt_y</p:attrName>
+                                        </p:attrNameLst>
+                                      </p:cBhvr>
+                                      <p:rCtr x="0" y="1458"/>
+                                    </p:animMotion>
+                                  </p:childTnLst>
+                                </p:cTn>
+                              </p:par>
+                              <p:par>
+                                <p:cTn id="9" presetID="42" presetClass="path" presetSubtype="0" repeatCount="indefinite" accel="50000" decel="50000" fill="hold" nodeType="withEffect">
+                                  <p:stCondLst>
+                                    <p:cond delay="0"/>
+                                  </p:stCondLst>
+                                  <p:childTnLst>
+                                    <p:animMotion origin="layout" path="M -0.00026 -0.00231 L -0.00013 0.03148 " pathEditMode="relative" rAng="0" ptsTypes="AA">
+                                      <p:cBhvr>
+                                        <p:cTn id="10" dur="500" fill="hold"/>
+                                        <p:tgtEl>
+                                          <p:spTgt spid="88"/>
+                                        </p:tgtEl>
+                                        <p:attrNameLst>
+                                          <p:attrName>ppt_x</p:attrName>
+                                          <p:attrName>ppt_y</p:attrName>
+                                        </p:attrNameLst>
+                                      </p:cBhvr>
+                                      <p:rCtr x="0" y="1690"/>
+                                    </p:animMotion>
+                                  </p:childTnLst>
+                                </p:cTn>
+                              </p:par>
+                              <p:par>
+                                <p:cTn id="11" presetID="42" presetClass="path" presetSubtype="0" repeatCount="indefinite" accel="50000" decel="50000" fill="hold" nodeType="withEffect">
+                                  <p:stCondLst>
+                                    <p:cond delay="0"/>
+                                  </p:stCondLst>
+                                  <p:childTnLst>
+                                    <p:animMotion origin="layout" path="M 2.29167E-6 2.22222E-6 L 0.00039 0.03102 " pathEditMode="relative" rAng="0" ptsTypes="AA">
+                                      <p:cBhvr>
+                                        <p:cTn id="12" dur="500" fill="hold"/>
+                                        <p:tgtEl>
+                                          <p:spTgt spid="95"/>
+                                        </p:tgtEl>
+                                        <p:attrNameLst>
+                                          <p:attrName>ppt_x</p:attrName>
+                                          <p:attrName>ppt_y</p:attrName>
+                                        </p:attrNameLst>
+                                      </p:cBhvr>
+                                      <p:rCtr x="13" y="1551"/>
+                                    </p:animMotion>
+                                  </p:childTnLst>
+                                </p:cTn>
+                              </p:par>
+                              <p:par>
+                                <p:cTn id="13" presetID="42" presetClass="path" presetSubtype="0" repeatCount="indefinite" accel="50000" decel="50000" fill="hold" nodeType="withEffect">
+                                  <p:stCondLst>
+                                    <p:cond delay="0"/>
+                                  </p:stCondLst>
+                                  <p:childTnLst>
+                                    <p:animMotion origin="layout" path="M -2.5E-6 -7.40741E-7 L -0.00026 0.02917 " pathEditMode="relative" rAng="0" ptsTypes="AA">
+                                      <p:cBhvr>
+                                        <p:cTn id="14" dur="500" fill="hold"/>
+                                        <p:tgtEl>
+                                          <p:spTgt spid="108"/>
+                                        </p:tgtEl>
+                                        <p:attrNameLst>
+                                          <p:attrName>ppt_x</p:attrName>
+                                          <p:attrName>ppt_y</p:attrName>
+                                        </p:attrNameLst>
+                                      </p:cBhvr>
+                                      <p:rCtr x="-13" y="1458"/>
+                                    </p:animMotion>
+                                  </p:childTnLst>
+                                </p:cTn>
+                              </p:par>
+                              <p:par>
+                                <p:cTn id="15" presetID="42" presetClass="path" presetSubtype="0" repeatCount="indefinite" accel="50000" decel="50000" fill="hold" nodeType="withEffect">
+                                  <p:stCondLst>
+                                    <p:cond delay="0"/>
+                                  </p:stCondLst>
+                                  <p:childTnLst>
+                                    <p:animMotion origin="layout" path="M -2.5E-6 3.33333E-6 L -2.5E-6 0.04189 " pathEditMode="relative" rAng="0" ptsTypes="AA">
+                                      <p:cBhvr>
+                                        <p:cTn id="16" dur="500" fill="hold"/>
+                                        <p:tgtEl>
+                                          <p:spTgt spid="110"/>
+                                        </p:tgtEl>
+                                        <p:attrNameLst>
+                                          <p:attrName>ppt_x</p:attrName>
+                                          <p:attrName>ppt_y</p:attrName>
+                                        </p:attrNameLst>
+                                      </p:cBhvr>
+                                      <p:rCtr x="0" y="2083"/>
+                                    </p:animMotion>
+                                  </p:childTnLst>
+                                </p:cTn>
+                              </p:par>
+                              <p:par>
+                                <p:cTn id="17" presetID="7" presetClass="path" presetSubtype="0" repeatCount="indefinite" accel="50000" decel="50000" fill="hold" grpId="0" nodeType="withEffect">
+                                  <p:stCondLst>
+                                    <p:cond delay="0"/>
+                                  </p:stCondLst>
+                                  <p:childTnLst>
+                                    <p:animMotion origin="layout" path="M -0.09857 -0.0007 L 0.06185 -0.0007 L 0.06185 0.11204 L -0.09857 0.11204 L -0.09857 -0.0007 Z " pathEditMode="relative" rAng="0" ptsTypes="AAAAA">
+                                      <p:cBhvr>
+                                        <p:cTn id="18" dur="500" fill="hold"/>
+                                        <p:tgtEl>
+                                          <p:spTgt spid="135"/>
+                                        </p:tgtEl>
+                                        <p:attrNameLst>
+                                          <p:attrName>ppt_x</p:attrName>
+                                          <p:attrName>ppt_y</p:attrName>
+                                        </p:attrNameLst>
+                                      </p:cBhvr>
+                                      <p:rCtr x="8021" y="5625"/>
+                                    </p:animMotion>
+                                  </p:childTnLst>
+                                </p:cTn>
+                              </p:par>
+                              <p:par>
+                                <p:cTn id="19" presetID="63" presetClass="path" presetSubtype="0" repeatCount="indefinite" accel="50000" decel="50000" fill="hold" nodeType="withEffect">
+                                  <p:stCondLst>
+                                    <p:cond delay="0"/>
+                                  </p:stCondLst>
+                                  <p:childTnLst>
+                                    <p:animMotion origin="layout" path="M -2.5E-6 3.7037E-7 L 0.04362 0.00093 " pathEditMode="relative" rAng="0" ptsTypes="AA">
+                                      <p:cBhvr>
+                                        <p:cTn id="20" dur="500" fill="hold"/>
+                                        <p:tgtEl>
+                                          <p:spTgt spid="137"/>
+                                        </p:tgtEl>
+                                        <p:attrNameLst>
+                                          <p:attrName>ppt_x</p:attrName>
+                                          <p:attrName>ppt_y</p:attrName>
+                                        </p:attrNameLst>
+                                      </p:cBhvr>
+                                      <p:rCtr x="2174" y="46"/>
+                                    </p:animMotion>
+                                  </p:childTnLst>
+                                </p:cTn>
+                              </p:par>
+                              <p:par>
+                                <p:cTn id="21" presetID="64" presetClass="path" presetSubtype="0" repeatCount="indefinite" accel="50000" decel="50000" fill="hold" nodeType="withEffect">
+                                  <p:stCondLst>
+                                    <p:cond delay="0"/>
+                                  </p:stCondLst>
+                                  <p:childTnLst>
+                                    <p:animMotion origin="layout" path="M 0.00495 -0.01343 L 0.00495 -0.42176 " pathEditMode="relative" rAng="0" ptsTypes="AA">
+                                      <p:cBhvr>
+                                        <p:cTn id="22" dur="500" fill="hold"/>
+                                        <p:tgtEl>
+                                          <p:spTgt spid="152"/>
+                                        </p:tgtEl>
+                                        <p:attrNameLst>
+                                          <p:attrName>ppt_x</p:attrName>
+                                          <p:attrName>ppt_y</p:attrName>
+                                        </p:attrNameLst>
+                                      </p:cBhvr>
+                                      <p:rCtr x="0" y="-20417"/>
+                                    </p:animMotion>
+                                  </p:childTnLst>
+                                </p:cTn>
+                              </p:par>
+                              <p:par>
+                                <p:cTn id="23" presetID="63" presetClass="path" presetSubtype="0" repeatCount="indefinite" accel="50000" decel="50000" fill="hold" nodeType="withEffect">
+                                  <p:stCondLst>
+                                    <p:cond delay="0"/>
+                                  </p:stCondLst>
+                                  <p:childTnLst>
+                                    <p:animMotion origin="layout" path="M -3.75E-6 0 L 0.07149 -0.00139 " pathEditMode="relative" rAng="0" ptsTypes="AA">
+                                      <p:cBhvr>
+                                        <p:cTn id="24" dur="500" fill="hold"/>
+                                        <p:tgtEl>
+                                          <p:spTgt spid="160"/>
+                                        </p:tgtEl>
+                                        <p:attrNameLst>
+                                          <p:attrName>ppt_x</p:attrName>
+                                          <p:attrName>ppt_y</p:attrName>
+                                        </p:attrNameLst>
+                                      </p:cBhvr>
+                                      <p:rCtr x="3568" y="-69"/>
                                     </p:animMotion>
                                   </p:childTnLst>
                                 </p:cTn>
@@ -18065,26 +26102,6 @@
 </file>
 
 <file path=customXml/item1.xml><?xml version="1.0" encoding="utf-8"?>
-<?mso-contentType ?>
-<FormTemplates xmlns="http://schemas.microsoft.com/sharepoint/v3/contenttype/forms">
-  <Display>DocumentLibraryForm</Display>
-  <Edit>DocumentLibraryForm</Edit>
-  <New>DocumentLibraryForm</New>
-</FormTemplates>
-</file>
-
-<file path=customXml/item2.xml><?xml version="1.0" encoding="utf-8"?>
-<p:properties xmlns:p="http://schemas.microsoft.com/office/2006/metadata/properties" xmlns:xsi="http://www.w3.org/2001/XMLSchema-instance" xmlns:pc="http://schemas.microsoft.com/office/infopath/2007/PartnerControls">
-  <documentManagement>
-    <lcf76f155ced4ddcb4097134ff3c332f xmlns="9dd1f5fe-e128-4b16-a3e4-f56de8aeb8d5">
-      <Terms xmlns="http://schemas.microsoft.com/office/infopath/2007/PartnerControls"/>
-    </lcf76f155ced4ddcb4097134ff3c332f>
-    <TaxCatchAll xmlns="b258eb8b-3ae3-4fff-86a8-329e9ca097e6" xsi:nil="true"/>
-  </documentManagement>
-</p:properties>
-</file>
-
-<file path=customXml/item3.xml><?xml version="1.0" encoding="utf-8"?>
 <ct:contentTypeSchema xmlns:ct="http://schemas.microsoft.com/office/2006/metadata/contentType" xmlns:ma="http://schemas.microsoft.com/office/2006/metadata/properties/metaAttributes" ct:_="" ma:_="" ma:contentTypeName="Document" ma:contentTypeID="0x01010020E406FC7167D04AACE6E94F73FED796" ma:contentTypeVersion="12" ma:contentTypeDescription="Create a new document." ma:contentTypeScope="" ma:versionID="d565aa3ff1e6608c608fd697d6f4e40a">
   <xsd:schema xmlns:xsd="http://www.w3.org/2001/XMLSchema" xmlns:xs="http://www.w3.org/2001/XMLSchema" xmlns:p="http://schemas.microsoft.com/office/2006/metadata/properties" xmlns:ns2="9dd1f5fe-e128-4b16-a3e4-f56de8aeb8d5" xmlns:ns3="b258eb8b-3ae3-4fff-86a8-329e9ca097e6" targetNamespace="http://schemas.microsoft.com/office/2006/metadata/properties" ma:root="true" ma:fieldsID="449dc11130bd3af3b73fe8fd43e4e3e1" ns2:_="" ns3:_="">
     <xsd:import namespace="9dd1f5fe-e128-4b16-a3e4-f56de8aeb8d5"/>
@@ -18301,10 +26318,41 @@
 </ct:contentTypeSchema>
 </file>
 
+<file path=customXml/item2.xml><?xml version="1.0" encoding="utf-8"?>
+<p:properties xmlns:p="http://schemas.microsoft.com/office/2006/metadata/properties" xmlns:xsi="http://www.w3.org/2001/XMLSchema-instance" xmlns:pc="http://schemas.microsoft.com/office/infopath/2007/PartnerControls">
+  <documentManagement>
+    <lcf76f155ced4ddcb4097134ff3c332f xmlns="9dd1f5fe-e128-4b16-a3e4-f56de8aeb8d5">
+      <Terms xmlns="http://schemas.microsoft.com/office/infopath/2007/PartnerControls"/>
+    </lcf76f155ced4ddcb4097134ff3c332f>
+    <TaxCatchAll xmlns="b258eb8b-3ae3-4fff-86a8-329e9ca097e6" xsi:nil="true"/>
+  </documentManagement>
+</p:properties>
+</file>
+
+<file path=customXml/item3.xml><?xml version="1.0" encoding="utf-8"?>
+<?mso-contentType ?>
+<FormTemplates xmlns="http://schemas.microsoft.com/sharepoint/v3/contenttype/forms">
+  <Display>DocumentLibraryForm</Display>
+  <Edit>DocumentLibraryForm</Edit>
+  <New>DocumentLibraryForm</New>
+</FormTemplates>
+</file>
+
 <file path=customXml/itemProps1.xml><?xml version="1.0" encoding="utf-8"?>
-<ds:datastoreItem xmlns:ds="http://schemas.openxmlformats.org/officeDocument/2006/customXml" ds:itemID="{05BC1275-B474-41A8-B403-00E9A93843B4}">
+<ds:datastoreItem xmlns:ds="http://schemas.openxmlformats.org/officeDocument/2006/customXml" ds:itemID="{22E5B607-3948-4128-86D1-08430D4806A9}">
   <ds:schemaRefs>
-    <ds:schemaRef ds:uri="http://schemas.microsoft.com/sharepoint/v3/contenttype/forms"/>
+    <ds:schemaRef ds:uri="9dd1f5fe-e128-4b16-a3e4-f56de8aeb8d5"/>
+    <ds:schemaRef ds:uri="b258eb8b-3ae3-4fff-86a8-329e9ca097e6"/>
+    <ds:schemaRef ds:uri="http://purl.org/dc/elements/1.1/"/>
+    <ds:schemaRef ds:uri="http://purl.org/dc/terms/"/>
+    <ds:schemaRef ds:uri="http://schemas.microsoft.com/internal/obd"/>
+    <ds:schemaRef ds:uri="http://schemas.microsoft.com/office/2006/documentManagement/types"/>
+    <ds:schemaRef ds:uri="http://schemas.microsoft.com/office/2006/metadata/contentType"/>
+    <ds:schemaRef ds:uri="http://schemas.microsoft.com/office/2006/metadata/properties"/>
+    <ds:schemaRef ds:uri="http://schemas.microsoft.com/office/2006/metadata/properties/metaAttributes"/>
+    <ds:schemaRef ds:uri="http://schemas.microsoft.com/office/infopath/2007/PartnerControls"/>
+    <ds:schemaRef ds:uri="http://schemas.openxmlformats.org/package/2006/metadata/core-properties"/>
+    <ds:schemaRef ds:uri="http://www.w3.org/2001/XMLSchema"/>
   </ds:schemaRefs>
 </ds:datastoreItem>
 </file>
@@ -18327,20 +26375,9 @@
 </file>
 
 <file path=customXml/itemProps3.xml><?xml version="1.0" encoding="utf-8"?>
-<ds:datastoreItem xmlns:ds="http://schemas.openxmlformats.org/officeDocument/2006/customXml" ds:itemID="{22E5B607-3948-4128-86D1-08430D4806A9}">
+<ds:datastoreItem xmlns:ds="http://schemas.openxmlformats.org/officeDocument/2006/customXml" ds:itemID="{05BC1275-B474-41A8-B403-00E9A93843B4}">
   <ds:schemaRefs>
-    <ds:schemaRef ds:uri="9dd1f5fe-e128-4b16-a3e4-f56de8aeb8d5"/>
-    <ds:schemaRef ds:uri="b258eb8b-3ae3-4fff-86a8-329e9ca097e6"/>
-    <ds:schemaRef ds:uri="http://purl.org/dc/elements/1.1/"/>
-    <ds:schemaRef ds:uri="http://purl.org/dc/terms/"/>
-    <ds:schemaRef ds:uri="http://schemas.microsoft.com/internal/obd"/>
-    <ds:schemaRef ds:uri="http://schemas.microsoft.com/office/2006/documentManagement/types"/>
-    <ds:schemaRef ds:uri="http://schemas.microsoft.com/office/2006/metadata/contentType"/>
-    <ds:schemaRef ds:uri="http://schemas.microsoft.com/office/2006/metadata/properties"/>
-    <ds:schemaRef ds:uri="http://schemas.microsoft.com/office/2006/metadata/properties/metaAttributes"/>
-    <ds:schemaRef ds:uri="http://schemas.microsoft.com/office/infopath/2007/PartnerControls"/>
-    <ds:schemaRef ds:uri="http://schemas.openxmlformats.org/package/2006/metadata/core-properties"/>
-    <ds:schemaRef ds:uri="http://www.w3.org/2001/XMLSchema"/>
+    <ds:schemaRef ds:uri="http://schemas.microsoft.com/sharepoint/v3/contenttype/forms"/>
   </ds:schemaRefs>
 </ds:datastoreItem>
 </file>
--- a/Magpie/Documents/FTC_Demo/FTC_idea.pptx
+++ b/Magpie/Documents/FTC_Demo/FTC_idea.pptx
@@ -15391,6 +15391,27 @@
               </a:buClr>
               <a:buSzPct val="70000"/>
             </a:pPr>
+            <a:endParaRPr lang="en-US" dirty="0">
+              <a:solidFill>
+                <a:srgbClr val="000000"/>
+              </a:solidFill>
+              <a:latin typeface="Barlow" pitchFamily="2" charset="77"/>
+              <a:cs typeface="Arial" panose="020B0604020202020204" pitchFamily="34" charset="0"/>
+            </a:endParaRPr>
+          </a:p>
+          <a:p>
+            <a:pPr algn="ctr" defTabSz="457200">
+              <a:spcBef>
+                <a:spcPts val="600"/>
+              </a:spcBef>
+              <a:spcAft>
+                <a:spcPts val="800"/>
+              </a:spcAft>
+              <a:buClr>
+                <a:schemeClr val="accent1"/>
+              </a:buClr>
+              <a:buSzPct val="70000"/>
+            </a:pPr>
             <a:r>
               <a:rPr lang="en-US" dirty="0">
                 <a:solidFill>
@@ -15399,8 +15420,29 @@
                 <a:latin typeface="Barlow" pitchFamily="2" charset="77"/>
                 <a:cs typeface="Arial" panose="020B0604020202020204" pitchFamily="34" charset="0"/>
               </a:rPr>
-              <a:t>Initialize all the modules</a:t>
+              <a:t>Initialize all the modules, SD-Card Select</a:t>
             </a:r>
+          </a:p>
+          <a:p>
+            <a:pPr algn="ctr" defTabSz="457200">
+              <a:spcBef>
+                <a:spcPts val="600"/>
+              </a:spcBef>
+              <a:spcAft>
+                <a:spcPts val="800"/>
+              </a:spcAft>
+              <a:buClr>
+                <a:schemeClr val="accent1"/>
+              </a:buClr>
+              <a:buSzPct val="70000"/>
+            </a:pPr>
+            <a:endParaRPr lang="en-US" dirty="0">
+              <a:solidFill>
+                <a:srgbClr val="000000"/>
+              </a:solidFill>
+              <a:latin typeface="Barlow" pitchFamily="2" charset="77"/>
+              <a:cs typeface="Arial" panose="020B0604020202020204" pitchFamily="34" charset="0"/>
+            </a:endParaRPr>
           </a:p>
         </p:txBody>
       </p:sp>
@@ -15479,7 +15521,7 @@
                 <a:latin typeface="Barlow" pitchFamily="2" charset="77"/>
                 <a:cs typeface="Arial" panose="020B0604020202020204" pitchFamily="34" charset="0"/>
               </a:rPr>
-              <a:t>Select the mics/ AFE gain control</a:t>
+              <a:t>Select the mics</a:t>
             </a:r>
           </a:p>
         </p:txBody>
@@ -15559,7 +15601,7 @@
                 <a:latin typeface="Barlow" pitchFamily="2" charset="77"/>
                 <a:cs typeface="Arial" panose="020B0604020202020204" pitchFamily="34" charset="0"/>
               </a:rPr>
-              <a:t>Select the SD-card banks</a:t>
+              <a:t>AFE gain control</a:t>
             </a:r>
           </a:p>
         </p:txBody>
@@ -15638,7 +15680,7 @@
                 <a:latin typeface="Barlow" pitchFamily="2" charset="77"/>
                 <a:cs typeface="Arial" panose="020B0604020202020204" pitchFamily="34" charset="0"/>
               </a:rPr>
-              <a:t>ADC-DMA</a:t>
+              <a:t>ADC-DMA-SD-Write</a:t>
             </a:r>
           </a:p>
         </p:txBody>
@@ -15857,6 +15899,7 @@
             </a:extLst>
           </p:cNvPr>
           <p:cNvCxnSpPr>
+            <a:cxnSpLocks/>
             <a:stCxn id="3" idx="2"/>
             <a:endCxn id="6" idx="0"/>
           </p:cNvCxnSpPr>
@@ -15903,6 +15946,7 @@
             </a:extLst>
           </p:cNvPr>
           <p:cNvCxnSpPr>
+            <a:cxnSpLocks/>
             <a:stCxn id="6" idx="2"/>
             <a:endCxn id="15" idx="0"/>
           </p:cNvCxnSpPr>
@@ -23601,7 +23645,7 @@
                 <a:latin typeface="Barlow" pitchFamily="2" charset="77"/>
                 <a:cs typeface="Arial" panose="020B0604020202020204" pitchFamily="34" charset="0"/>
               </a:rPr>
-              <a:t>Initialize all the modules</a:t>
+              <a:t>Initialize all the modules, SD-Card Select</a:t>
             </a:r>
           </a:p>
         </p:txBody>
@@ -23681,7 +23725,7 @@
                 <a:latin typeface="Barlow" pitchFamily="2" charset="77"/>
                 <a:cs typeface="Arial" panose="020B0604020202020204" pitchFamily="34" charset="0"/>
               </a:rPr>
-              <a:t>Select the mics/ AFE gain control</a:t>
+              <a:t>Select the mics</a:t>
             </a:r>
           </a:p>
         </p:txBody>
@@ -23761,7 +23805,7 @@
                 <a:latin typeface="Barlow" pitchFamily="2" charset="77"/>
                 <a:cs typeface="Arial" panose="020B0604020202020204" pitchFamily="34" charset="0"/>
               </a:rPr>
-              <a:t>Select the SD-card banks</a:t>
+              <a:t>AFE gain control</a:t>
             </a:r>
           </a:p>
         </p:txBody>
@@ -26102,6 +26146,26 @@
 </file>
 
 <file path=customXml/item1.xml><?xml version="1.0" encoding="utf-8"?>
+<?mso-contentType ?>
+<FormTemplates xmlns="http://schemas.microsoft.com/sharepoint/v3/contenttype/forms">
+  <Display>DocumentLibraryForm</Display>
+  <Edit>DocumentLibraryForm</Edit>
+  <New>DocumentLibraryForm</New>
+</FormTemplates>
+</file>
+
+<file path=customXml/item2.xml><?xml version="1.0" encoding="utf-8"?>
+<p:properties xmlns:p="http://schemas.microsoft.com/office/2006/metadata/properties" xmlns:xsi="http://www.w3.org/2001/XMLSchema-instance" xmlns:pc="http://schemas.microsoft.com/office/infopath/2007/PartnerControls">
+  <documentManagement>
+    <lcf76f155ced4ddcb4097134ff3c332f xmlns="9dd1f5fe-e128-4b16-a3e4-f56de8aeb8d5">
+      <Terms xmlns="http://schemas.microsoft.com/office/infopath/2007/PartnerControls"/>
+    </lcf76f155ced4ddcb4097134ff3c332f>
+    <TaxCatchAll xmlns="b258eb8b-3ae3-4fff-86a8-329e9ca097e6" xsi:nil="true"/>
+  </documentManagement>
+</p:properties>
+</file>
+
+<file path=customXml/item3.xml><?xml version="1.0" encoding="utf-8"?>
 <ct:contentTypeSchema xmlns:ct="http://schemas.microsoft.com/office/2006/metadata/contentType" xmlns:ma="http://schemas.microsoft.com/office/2006/metadata/properties/metaAttributes" ct:_="" ma:_="" ma:contentTypeName="Document" ma:contentTypeID="0x01010020E406FC7167D04AACE6E94F73FED796" ma:contentTypeVersion="12" ma:contentTypeDescription="Create a new document." ma:contentTypeScope="" ma:versionID="d565aa3ff1e6608c608fd697d6f4e40a">
   <xsd:schema xmlns:xsd="http://www.w3.org/2001/XMLSchema" xmlns:xs="http://www.w3.org/2001/XMLSchema" xmlns:p="http://schemas.microsoft.com/office/2006/metadata/properties" xmlns:ns2="9dd1f5fe-e128-4b16-a3e4-f56de8aeb8d5" xmlns:ns3="b258eb8b-3ae3-4fff-86a8-329e9ca097e6" targetNamespace="http://schemas.microsoft.com/office/2006/metadata/properties" ma:root="true" ma:fieldsID="449dc11130bd3af3b73fe8fd43e4e3e1" ns2:_="" ns3:_="">
     <xsd:import namespace="9dd1f5fe-e128-4b16-a3e4-f56de8aeb8d5"/>
@@ -26318,41 +26382,10 @@
 </ct:contentTypeSchema>
 </file>
 
-<file path=customXml/item2.xml><?xml version="1.0" encoding="utf-8"?>
-<p:properties xmlns:p="http://schemas.microsoft.com/office/2006/metadata/properties" xmlns:xsi="http://www.w3.org/2001/XMLSchema-instance" xmlns:pc="http://schemas.microsoft.com/office/infopath/2007/PartnerControls">
-  <documentManagement>
-    <lcf76f155ced4ddcb4097134ff3c332f xmlns="9dd1f5fe-e128-4b16-a3e4-f56de8aeb8d5">
-      <Terms xmlns="http://schemas.microsoft.com/office/infopath/2007/PartnerControls"/>
-    </lcf76f155ced4ddcb4097134ff3c332f>
-    <TaxCatchAll xmlns="b258eb8b-3ae3-4fff-86a8-329e9ca097e6" xsi:nil="true"/>
-  </documentManagement>
-</p:properties>
-</file>
-
-<file path=customXml/item3.xml><?xml version="1.0" encoding="utf-8"?>
-<?mso-contentType ?>
-<FormTemplates xmlns="http://schemas.microsoft.com/sharepoint/v3/contenttype/forms">
-  <Display>DocumentLibraryForm</Display>
-  <Edit>DocumentLibraryForm</Edit>
-  <New>DocumentLibraryForm</New>
-</FormTemplates>
-</file>
-
 <file path=customXml/itemProps1.xml><?xml version="1.0" encoding="utf-8"?>
-<ds:datastoreItem xmlns:ds="http://schemas.openxmlformats.org/officeDocument/2006/customXml" ds:itemID="{22E5B607-3948-4128-86D1-08430D4806A9}">
+<ds:datastoreItem xmlns:ds="http://schemas.openxmlformats.org/officeDocument/2006/customXml" ds:itemID="{05BC1275-B474-41A8-B403-00E9A93843B4}">
   <ds:schemaRefs>
-    <ds:schemaRef ds:uri="9dd1f5fe-e128-4b16-a3e4-f56de8aeb8d5"/>
-    <ds:schemaRef ds:uri="b258eb8b-3ae3-4fff-86a8-329e9ca097e6"/>
-    <ds:schemaRef ds:uri="http://purl.org/dc/elements/1.1/"/>
-    <ds:schemaRef ds:uri="http://purl.org/dc/terms/"/>
-    <ds:schemaRef ds:uri="http://schemas.microsoft.com/internal/obd"/>
-    <ds:schemaRef ds:uri="http://schemas.microsoft.com/office/2006/documentManagement/types"/>
-    <ds:schemaRef ds:uri="http://schemas.microsoft.com/office/2006/metadata/contentType"/>
-    <ds:schemaRef ds:uri="http://schemas.microsoft.com/office/2006/metadata/properties"/>
-    <ds:schemaRef ds:uri="http://schemas.microsoft.com/office/2006/metadata/properties/metaAttributes"/>
-    <ds:schemaRef ds:uri="http://schemas.microsoft.com/office/infopath/2007/PartnerControls"/>
-    <ds:schemaRef ds:uri="http://schemas.openxmlformats.org/package/2006/metadata/core-properties"/>
-    <ds:schemaRef ds:uri="http://www.w3.org/2001/XMLSchema"/>
+    <ds:schemaRef ds:uri="http://schemas.microsoft.com/sharepoint/v3/contenttype/forms"/>
   </ds:schemaRefs>
 </ds:datastoreItem>
 </file>
@@ -26375,9 +26408,20 @@
 </file>
 
 <file path=customXml/itemProps3.xml><?xml version="1.0" encoding="utf-8"?>
-<ds:datastoreItem xmlns:ds="http://schemas.openxmlformats.org/officeDocument/2006/customXml" ds:itemID="{05BC1275-B474-41A8-B403-00E9A93843B4}">
+<ds:datastoreItem xmlns:ds="http://schemas.openxmlformats.org/officeDocument/2006/customXml" ds:itemID="{22E5B607-3948-4128-86D1-08430D4806A9}">
   <ds:schemaRefs>
-    <ds:schemaRef ds:uri="http://schemas.microsoft.com/sharepoint/v3/contenttype/forms"/>
+    <ds:schemaRef ds:uri="9dd1f5fe-e128-4b16-a3e4-f56de8aeb8d5"/>
+    <ds:schemaRef ds:uri="b258eb8b-3ae3-4fff-86a8-329e9ca097e6"/>
+    <ds:schemaRef ds:uri="http://purl.org/dc/elements/1.1/"/>
+    <ds:schemaRef ds:uri="http://purl.org/dc/terms/"/>
+    <ds:schemaRef ds:uri="http://schemas.microsoft.com/internal/obd"/>
+    <ds:schemaRef ds:uri="http://schemas.microsoft.com/office/2006/documentManagement/types"/>
+    <ds:schemaRef ds:uri="http://schemas.microsoft.com/office/2006/metadata/contentType"/>
+    <ds:schemaRef ds:uri="http://schemas.microsoft.com/office/2006/metadata/properties"/>
+    <ds:schemaRef ds:uri="http://schemas.microsoft.com/office/2006/metadata/properties/metaAttributes"/>
+    <ds:schemaRef ds:uri="http://schemas.microsoft.com/office/infopath/2007/PartnerControls"/>
+    <ds:schemaRef ds:uri="http://schemas.openxmlformats.org/package/2006/metadata/core-properties"/>
+    <ds:schemaRef ds:uri="http://www.w3.org/2001/XMLSchema"/>
   </ds:schemaRefs>
 </ds:datastoreItem>
 </file>